--- a/resources/Java Threads.pptx
+++ b/resources/Java Threads.pptx
@@ -5,7 +5,7 @@
     <p:sldMasterId id="2147483660" r:id="rId1"/>
   </p:sldMasterIdLst>
   <p:notesMasterIdLst>
-    <p:notesMasterId r:id="rId20"/>
+    <p:notesMasterId r:id="rId23"/>
   </p:notesMasterIdLst>
   <p:sldIdLst>
     <p:sldId id="256" r:id="rId2"/>
@@ -25,7 +25,10 @@
     <p:sldId id="273" r:id="rId16"/>
     <p:sldId id="271" r:id="rId17"/>
     <p:sldId id="269" r:id="rId18"/>
-    <p:sldId id="260" r:id="rId19"/>
+    <p:sldId id="277" r:id="rId19"/>
+    <p:sldId id="276" r:id="rId20"/>
+    <p:sldId id="275" r:id="rId21"/>
+    <p:sldId id="260" r:id="rId22"/>
   </p:sldIdLst>
   <p:sldSz cx="12192000" cy="6858000"/>
   <p:notesSz cx="6858000" cy="9144000"/>
@@ -135,7 +138,7 @@
 <file path=ppt/revisionInfo.xml><?xml version="1.0" encoding="utf-8"?>
 <p1510:revInfo xmlns:a="http://schemas.openxmlformats.org/drawingml/2006/main" xmlns:r="http://schemas.openxmlformats.org/officeDocument/2006/relationships" xmlns:p1510="http://schemas.microsoft.com/office/powerpoint/2015/10/main">
   <p1510:revLst>
-    <p1510:client id="{BB876E6C-0233-46FD-98AD-680AFF0AC4B0}" v="567" dt="2022-06-29T22:43:25.909"/>
+    <p1510:client id="{BB876E6C-0233-46FD-98AD-680AFF0AC4B0}" v="617" dt="2022-06-30T02:58:02.166"/>
   </p1510:revLst>
 </p1510:revInfo>
 </file>
@@ -145,7 +148,7 @@
   <pc:docChgLst>
     <pc:chgData name="Miguel Osorio" userId="8e4efa7b-2b65-4416-be9a-357b44ae9a3d" providerId="ADAL" clId="{BB876E6C-0233-46FD-98AD-680AFF0AC4B0}"/>
     <pc:docChg chg="undo custSel addSld delSld modSld sldOrd">
-      <pc:chgData name="Miguel Osorio" userId="8e4efa7b-2b65-4416-be9a-357b44ae9a3d" providerId="ADAL" clId="{BB876E6C-0233-46FD-98AD-680AFF0AC4B0}" dt="2022-06-29T22:43:25.909" v="2368" actId="20577"/>
+      <pc:chgData name="Miguel Osorio" userId="8e4efa7b-2b65-4416-be9a-357b44ae9a3d" providerId="ADAL" clId="{BB876E6C-0233-46FD-98AD-680AFF0AC4B0}" dt="2022-06-30T02:58:02.166" v="2418" actId="20577"/>
       <pc:docMkLst>
         <pc:docMk/>
       </pc:docMkLst>
@@ -318,7 +321,7 @@
         </pc:spChg>
       </pc:sldChg>
       <pc:sldChg chg="modSp add mod modAnim">
-        <pc:chgData name="Miguel Osorio" userId="8e4efa7b-2b65-4416-be9a-357b44ae9a3d" providerId="ADAL" clId="{BB876E6C-0233-46FD-98AD-680AFF0AC4B0}" dt="2022-06-22T01:04:50.488" v="1057" actId="20577"/>
+        <pc:chgData name="Miguel Osorio" userId="8e4efa7b-2b65-4416-be9a-357b44ae9a3d" providerId="ADAL" clId="{BB876E6C-0233-46FD-98AD-680AFF0AC4B0}" dt="2022-06-30T02:58:02.166" v="2418" actId="20577"/>
         <pc:sldMkLst>
           <pc:docMk/>
           <pc:sldMk cId="2976620247" sldId="269"/>
@@ -332,7 +335,7 @@
           </ac:spMkLst>
         </pc:spChg>
         <pc:spChg chg="mod">
-          <ac:chgData name="Miguel Osorio" userId="8e4efa7b-2b65-4416-be9a-357b44ae9a3d" providerId="ADAL" clId="{BB876E6C-0233-46FD-98AD-680AFF0AC4B0}" dt="2022-06-22T01:04:50.488" v="1057" actId="20577"/>
+          <ac:chgData name="Miguel Osorio" userId="8e4efa7b-2b65-4416-be9a-357b44ae9a3d" providerId="ADAL" clId="{BB876E6C-0233-46FD-98AD-680AFF0AC4B0}" dt="2022-06-30T02:58:02.166" v="2418" actId="20577"/>
           <ac:spMkLst>
             <pc:docMk/>
             <pc:sldMk cId="2976620247" sldId="269"/>
@@ -490,6 +493,2822 @@
 </pc:chgInfo>
 </file>
 
+<file path=ppt/diagrams/colors1.xml><?xml version="1.0" encoding="utf-8"?>
+<dgm:colorsDef xmlns:dgm="http://schemas.openxmlformats.org/drawingml/2006/diagram" xmlns:a="http://schemas.openxmlformats.org/drawingml/2006/main" uniqueId="urn:microsoft.com/office/officeart/2005/8/colors/accent1_2">
+  <dgm:title val=""/>
+  <dgm:desc val=""/>
+  <dgm:catLst>
+    <dgm:cat type="accent1" pri="11200"/>
+  </dgm:catLst>
+  <dgm:styleLbl name="node0">
+    <dgm:fillClrLst meth="repeat">
+      <a:schemeClr val="accent1"/>
+    </dgm:fillClrLst>
+    <dgm:linClrLst meth="repeat">
+      <a:schemeClr val="lt1"/>
+    </dgm:linClrLst>
+    <dgm:effectClrLst/>
+    <dgm:txLinClrLst/>
+    <dgm:txFillClrLst/>
+    <dgm:txEffectClrLst/>
+  </dgm:styleLbl>
+  <dgm:styleLbl name="alignNode1">
+    <dgm:fillClrLst meth="repeat">
+      <a:schemeClr val="accent1"/>
+    </dgm:fillClrLst>
+    <dgm:linClrLst meth="repeat">
+      <a:schemeClr val="accent1"/>
+    </dgm:linClrLst>
+    <dgm:effectClrLst/>
+    <dgm:txLinClrLst/>
+    <dgm:txFillClrLst/>
+    <dgm:txEffectClrLst/>
+  </dgm:styleLbl>
+  <dgm:styleLbl name="node1">
+    <dgm:fillClrLst meth="repeat">
+      <a:schemeClr val="accent1"/>
+    </dgm:fillClrLst>
+    <dgm:linClrLst meth="repeat">
+      <a:schemeClr val="lt1"/>
+    </dgm:linClrLst>
+    <dgm:effectClrLst/>
+    <dgm:txLinClrLst/>
+    <dgm:txFillClrLst/>
+    <dgm:txEffectClrLst/>
+  </dgm:styleLbl>
+  <dgm:styleLbl name="lnNode1">
+    <dgm:fillClrLst meth="repeat">
+      <a:schemeClr val="accent1"/>
+    </dgm:fillClrLst>
+    <dgm:linClrLst meth="repeat">
+      <a:schemeClr val="lt1"/>
+    </dgm:linClrLst>
+    <dgm:effectClrLst/>
+    <dgm:txLinClrLst/>
+    <dgm:txFillClrLst/>
+    <dgm:txEffectClrLst/>
+  </dgm:styleLbl>
+  <dgm:styleLbl name="vennNode1">
+    <dgm:fillClrLst meth="repeat">
+      <a:schemeClr val="accent1">
+        <a:alpha val="50000"/>
+      </a:schemeClr>
+    </dgm:fillClrLst>
+    <dgm:linClrLst meth="repeat">
+      <a:schemeClr val="lt1"/>
+    </dgm:linClrLst>
+    <dgm:effectClrLst/>
+    <dgm:txLinClrLst/>
+    <dgm:txFillClrLst/>
+    <dgm:txEffectClrLst/>
+  </dgm:styleLbl>
+  <dgm:styleLbl name="node2">
+    <dgm:fillClrLst meth="repeat">
+      <a:schemeClr val="accent1"/>
+    </dgm:fillClrLst>
+    <dgm:linClrLst meth="repeat">
+      <a:schemeClr val="lt1"/>
+    </dgm:linClrLst>
+    <dgm:effectClrLst/>
+    <dgm:txLinClrLst/>
+    <dgm:txFillClrLst/>
+    <dgm:txEffectClrLst/>
+  </dgm:styleLbl>
+  <dgm:styleLbl name="node3">
+    <dgm:fillClrLst meth="repeat">
+      <a:schemeClr val="accent1"/>
+    </dgm:fillClrLst>
+    <dgm:linClrLst meth="repeat">
+      <a:schemeClr val="lt1"/>
+    </dgm:linClrLst>
+    <dgm:effectClrLst/>
+    <dgm:txLinClrLst/>
+    <dgm:txFillClrLst/>
+    <dgm:txEffectClrLst/>
+  </dgm:styleLbl>
+  <dgm:styleLbl name="node4">
+    <dgm:fillClrLst meth="repeat">
+      <a:schemeClr val="accent1"/>
+    </dgm:fillClrLst>
+    <dgm:linClrLst meth="repeat">
+      <a:schemeClr val="lt1"/>
+    </dgm:linClrLst>
+    <dgm:effectClrLst/>
+    <dgm:txLinClrLst/>
+    <dgm:txFillClrLst/>
+    <dgm:txEffectClrLst/>
+  </dgm:styleLbl>
+  <dgm:styleLbl name="fgImgPlace1">
+    <dgm:fillClrLst meth="repeat">
+      <a:schemeClr val="accent1">
+        <a:tint val="50000"/>
+      </a:schemeClr>
+    </dgm:fillClrLst>
+    <dgm:linClrLst meth="repeat">
+      <a:schemeClr val="lt1"/>
+    </dgm:linClrLst>
+    <dgm:effectClrLst/>
+    <dgm:txLinClrLst/>
+    <dgm:txFillClrLst meth="repeat">
+      <a:schemeClr val="lt1"/>
+    </dgm:txFillClrLst>
+    <dgm:txEffectClrLst/>
+  </dgm:styleLbl>
+  <dgm:styleLbl name="alignImgPlace1">
+    <dgm:fillClrLst meth="repeat">
+      <a:schemeClr val="accent1">
+        <a:tint val="50000"/>
+      </a:schemeClr>
+    </dgm:fillClrLst>
+    <dgm:linClrLst meth="repeat">
+      <a:schemeClr val="lt1"/>
+    </dgm:linClrLst>
+    <dgm:effectClrLst/>
+    <dgm:txLinClrLst/>
+    <dgm:txFillClrLst meth="repeat">
+      <a:schemeClr val="lt1"/>
+    </dgm:txFillClrLst>
+    <dgm:txEffectClrLst/>
+  </dgm:styleLbl>
+  <dgm:styleLbl name="bgImgPlace1">
+    <dgm:fillClrLst meth="repeat">
+      <a:schemeClr val="accent1">
+        <a:tint val="50000"/>
+      </a:schemeClr>
+    </dgm:fillClrLst>
+    <dgm:linClrLst meth="repeat">
+      <a:schemeClr val="lt1"/>
+    </dgm:linClrLst>
+    <dgm:effectClrLst/>
+    <dgm:txLinClrLst/>
+    <dgm:txFillClrLst meth="repeat">
+      <a:schemeClr val="lt1"/>
+    </dgm:txFillClrLst>
+    <dgm:txEffectClrLst/>
+  </dgm:styleLbl>
+  <dgm:styleLbl name="sibTrans2D1">
+    <dgm:fillClrLst meth="repeat">
+      <a:schemeClr val="accent1">
+        <a:tint val="60000"/>
+      </a:schemeClr>
+    </dgm:fillClrLst>
+    <dgm:linClrLst meth="repeat">
+      <a:schemeClr val="accent1">
+        <a:tint val="60000"/>
+      </a:schemeClr>
+    </dgm:linClrLst>
+    <dgm:effectClrLst/>
+    <dgm:txLinClrLst/>
+    <dgm:txFillClrLst/>
+    <dgm:txEffectClrLst/>
+  </dgm:styleLbl>
+  <dgm:styleLbl name="fgSibTrans2D1">
+    <dgm:fillClrLst meth="repeat">
+      <a:schemeClr val="accent1">
+        <a:tint val="60000"/>
+      </a:schemeClr>
+    </dgm:fillClrLst>
+    <dgm:linClrLst meth="repeat">
+      <a:schemeClr val="accent1">
+        <a:tint val="60000"/>
+      </a:schemeClr>
+    </dgm:linClrLst>
+    <dgm:effectClrLst/>
+    <dgm:txLinClrLst/>
+    <dgm:txFillClrLst/>
+    <dgm:txEffectClrLst/>
+  </dgm:styleLbl>
+  <dgm:styleLbl name="bgSibTrans2D1">
+    <dgm:fillClrLst meth="repeat">
+      <a:schemeClr val="accent1">
+        <a:tint val="60000"/>
+      </a:schemeClr>
+    </dgm:fillClrLst>
+    <dgm:linClrLst meth="repeat">
+      <a:schemeClr val="accent1">
+        <a:tint val="60000"/>
+      </a:schemeClr>
+    </dgm:linClrLst>
+    <dgm:effectClrLst/>
+    <dgm:txLinClrLst/>
+    <dgm:txFillClrLst/>
+    <dgm:txEffectClrLst/>
+  </dgm:styleLbl>
+  <dgm:styleLbl name="sibTrans1D1">
+    <dgm:fillClrLst meth="repeat">
+      <a:schemeClr val="accent1"/>
+    </dgm:fillClrLst>
+    <dgm:linClrLst meth="repeat">
+      <a:schemeClr val="accent1"/>
+    </dgm:linClrLst>
+    <dgm:effectClrLst/>
+    <dgm:txLinClrLst/>
+    <dgm:txFillClrLst meth="repeat">
+      <a:schemeClr val="tx1"/>
+    </dgm:txFillClrLst>
+    <dgm:txEffectClrLst/>
+  </dgm:styleLbl>
+  <dgm:styleLbl name="callout">
+    <dgm:fillClrLst meth="repeat">
+      <a:schemeClr val="accent1"/>
+    </dgm:fillClrLst>
+    <dgm:linClrLst meth="repeat">
+      <a:schemeClr val="accent1">
+        <a:tint val="50000"/>
+      </a:schemeClr>
+    </dgm:linClrLst>
+    <dgm:effectClrLst/>
+    <dgm:txLinClrLst/>
+    <dgm:txFillClrLst meth="repeat">
+      <a:schemeClr val="tx1"/>
+    </dgm:txFillClrLst>
+    <dgm:txEffectClrLst/>
+  </dgm:styleLbl>
+  <dgm:styleLbl name="asst0">
+    <dgm:fillClrLst meth="repeat">
+      <a:schemeClr val="accent1"/>
+    </dgm:fillClrLst>
+    <dgm:linClrLst meth="repeat">
+      <a:schemeClr val="lt1"/>
+    </dgm:linClrLst>
+    <dgm:effectClrLst/>
+    <dgm:txLinClrLst/>
+    <dgm:txFillClrLst/>
+    <dgm:txEffectClrLst/>
+  </dgm:styleLbl>
+  <dgm:styleLbl name="asst1">
+    <dgm:fillClrLst meth="repeat">
+      <a:schemeClr val="accent1"/>
+    </dgm:fillClrLst>
+    <dgm:linClrLst meth="repeat">
+      <a:schemeClr val="lt1"/>
+    </dgm:linClrLst>
+    <dgm:effectClrLst/>
+    <dgm:txLinClrLst/>
+    <dgm:txFillClrLst/>
+    <dgm:txEffectClrLst/>
+  </dgm:styleLbl>
+  <dgm:styleLbl name="asst2">
+    <dgm:fillClrLst meth="repeat">
+      <a:schemeClr val="accent1"/>
+    </dgm:fillClrLst>
+    <dgm:linClrLst meth="repeat">
+      <a:schemeClr val="lt1"/>
+    </dgm:linClrLst>
+    <dgm:effectClrLst/>
+    <dgm:txLinClrLst/>
+    <dgm:txFillClrLst/>
+    <dgm:txEffectClrLst/>
+  </dgm:styleLbl>
+  <dgm:styleLbl name="asst3">
+    <dgm:fillClrLst meth="repeat">
+      <a:schemeClr val="accent1"/>
+    </dgm:fillClrLst>
+    <dgm:linClrLst meth="repeat">
+      <a:schemeClr val="lt1"/>
+    </dgm:linClrLst>
+    <dgm:effectClrLst/>
+    <dgm:txLinClrLst/>
+    <dgm:txFillClrLst/>
+    <dgm:txEffectClrLst/>
+  </dgm:styleLbl>
+  <dgm:styleLbl name="asst4">
+    <dgm:fillClrLst meth="repeat">
+      <a:schemeClr val="accent1"/>
+    </dgm:fillClrLst>
+    <dgm:linClrLst meth="repeat">
+      <a:schemeClr val="lt1"/>
+    </dgm:linClrLst>
+    <dgm:effectClrLst/>
+    <dgm:txLinClrLst/>
+    <dgm:txFillClrLst/>
+    <dgm:txEffectClrLst/>
+  </dgm:styleLbl>
+  <dgm:styleLbl name="parChTrans2D1">
+    <dgm:fillClrLst meth="repeat">
+      <a:schemeClr val="accent1">
+        <a:tint val="60000"/>
+      </a:schemeClr>
+    </dgm:fillClrLst>
+    <dgm:linClrLst meth="repeat">
+      <a:schemeClr val="accent1">
+        <a:tint val="60000"/>
+      </a:schemeClr>
+    </dgm:linClrLst>
+    <dgm:effectClrLst/>
+    <dgm:txLinClrLst/>
+    <dgm:txFillClrLst meth="repeat">
+      <a:schemeClr val="lt1"/>
+    </dgm:txFillClrLst>
+    <dgm:txEffectClrLst/>
+  </dgm:styleLbl>
+  <dgm:styleLbl name="parChTrans2D2">
+    <dgm:fillClrLst meth="repeat">
+      <a:schemeClr val="accent1"/>
+    </dgm:fillClrLst>
+    <dgm:linClrLst meth="repeat">
+      <a:schemeClr val="accent1"/>
+    </dgm:linClrLst>
+    <dgm:effectClrLst/>
+    <dgm:txLinClrLst/>
+    <dgm:txFillClrLst meth="repeat">
+      <a:schemeClr val="lt1"/>
+    </dgm:txFillClrLst>
+    <dgm:txEffectClrLst/>
+  </dgm:styleLbl>
+  <dgm:styleLbl name="parChTrans2D3">
+    <dgm:fillClrLst meth="repeat">
+      <a:schemeClr val="accent1"/>
+    </dgm:fillClrLst>
+    <dgm:linClrLst meth="repeat">
+      <a:schemeClr val="accent1"/>
+    </dgm:linClrLst>
+    <dgm:effectClrLst/>
+    <dgm:txLinClrLst/>
+    <dgm:txFillClrLst meth="repeat">
+      <a:schemeClr val="lt1"/>
+    </dgm:txFillClrLst>
+    <dgm:txEffectClrLst/>
+  </dgm:styleLbl>
+  <dgm:styleLbl name="parChTrans2D4">
+    <dgm:fillClrLst meth="repeat">
+      <a:schemeClr val="accent1"/>
+    </dgm:fillClrLst>
+    <dgm:linClrLst meth="repeat">
+      <a:schemeClr val="accent1"/>
+    </dgm:linClrLst>
+    <dgm:effectClrLst/>
+    <dgm:txLinClrLst/>
+    <dgm:txFillClrLst meth="repeat">
+      <a:schemeClr val="lt1"/>
+    </dgm:txFillClrLst>
+    <dgm:txEffectClrLst/>
+  </dgm:styleLbl>
+  <dgm:styleLbl name="parChTrans1D1">
+    <dgm:fillClrLst meth="repeat">
+      <a:schemeClr val="accent1"/>
+    </dgm:fillClrLst>
+    <dgm:linClrLst meth="repeat">
+      <a:schemeClr val="accent1">
+        <a:shade val="60000"/>
+      </a:schemeClr>
+    </dgm:linClrLst>
+    <dgm:effectClrLst/>
+    <dgm:txLinClrLst/>
+    <dgm:txFillClrLst meth="repeat">
+      <a:schemeClr val="tx1"/>
+    </dgm:txFillClrLst>
+    <dgm:txEffectClrLst/>
+  </dgm:styleLbl>
+  <dgm:styleLbl name="parChTrans1D2">
+    <dgm:fillClrLst meth="repeat">
+      <a:schemeClr val="accent1"/>
+    </dgm:fillClrLst>
+    <dgm:linClrLst meth="repeat">
+      <a:schemeClr val="accent1">
+        <a:shade val="60000"/>
+      </a:schemeClr>
+    </dgm:linClrLst>
+    <dgm:effectClrLst/>
+    <dgm:txLinClrLst/>
+    <dgm:txFillClrLst meth="repeat">
+      <a:schemeClr val="tx1"/>
+    </dgm:txFillClrLst>
+    <dgm:txEffectClrLst/>
+  </dgm:styleLbl>
+  <dgm:styleLbl name="parChTrans1D3">
+    <dgm:fillClrLst meth="repeat">
+      <a:schemeClr val="accent1"/>
+    </dgm:fillClrLst>
+    <dgm:linClrLst meth="repeat">
+      <a:schemeClr val="accent1">
+        <a:shade val="80000"/>
+      </a:schemeClr>
+    </dgm:linClrLst>
+    <dgm:effectClrLst/>
+    <dgm:txLinClrLst/>
+    <dgm:txFillClrLst meth="repeat">
+      <a:schemeClr val="tx1"/>
+    </dgm:txFillClrLst>
+    <dgm:txEffectClrLst/>
+  </dgm:styleLbl>
+  <dgm:styleLbl name="parChTrans1D4">
+    <dgm:fillClrLst meth="repeat">
+      <a:schemeClr val="accent1"/>
+    </dgm:fillClrLst>
+    <dgm:linClrLst meth="repeat">
+      <a:schemeClr val="accent1">
+        <a:shade val="80000"/>
+      </a:schemeClr>
+    </dgm:linClrLst>
+    <dgm:effectClrLst/>
+    <dgm:txLinClrLst/>
+    <dgm:txFillClrLst meth="repeat">
+      <a:schemeClr val="tx1"/>
+    </dgm:txFillClrLst>
+    <dgm:txEffectClrLst/>
+  </dgm:styleLbl>
+  <dgm:styleLbl name="fgAcc1">
+    <dgm:fillClrLst meth="repeat">
+      <a:schemeClr val="lt1">
+        <a:alpha val="90000"/>
+      </a:schemeClr>
+    </dgm:fillClrLst>
+    <dgm:linClrLst meth="repeat">
+      <a:schemeClr val="accent1"/>
+    </dgm:linClrLst>
+    <dgm:effectClrLst/>
+    <dgm:txLinClrLst/>
+    <dgm:txFillClrLst meth="repeat">
+      <a:schemeClr val="dk1"/>
+    </dgm:txFillClrLst>
+    <dgm:txEffectClrLst/>
+  </dgm:styleLbl>
+  <dgm:styleLbl name="conFgAcc1">
+    <dgm:fillClrLst meth="repeat">
+      <a:schemeClr val="lt1">
+        <a:alpha val="90000"/>
+      </a:schemeClr>
+    </dgm:fillClrLst>
+    <dgm:linClrLst meth="repeat">
+      <a:schemeClr val="accent1"/>
+    </dgm:linClrLst>
+    <dgm:effectClrLst/>
+    <dgm:txLinClrLst/>
+    <dgm:txFillClrLst meth="repeat">
+      <a:schemeClr val="dk1"/>
+    </dgm:txFillClrLst>
+    <dgm:txEffectClrLst/>
+  </dgm:styleLbl>
+  <dgm:styleLbl name="alignAcc1">
+    <dgm:fillClrLst meth="repeat">
+      <a:schemeClr val="lt1">
+        <a:alpha val="90000"/>
+      </a:schemeClr>
+    </dgm:fillClrLst>
+    <dgm:linClrLst meth="repeat">
+      <a:schemeClr val="accent1"/>
+    </dgm:linClrLst>
+    <dgm:effectClrLst/>
+    <dgm:txLinClrLst/>
+    <dgm:txFillClrLst meth="repeat">
+      <a:schemeClr val="dk1"/>
+    </dgm:txFillClrLst>
+    <dgm:txEffectClrLst/>
+  </dgm:styleLbl>
+  <dgm:styleLbl name="trAlignAcc1">
+    <dgm:fillClrLst meth="repeat">
+      <a:schemeClr val="lt1">
+        <a:alpha val="40000"/>
+      </a:schemeClr>
+    </dgm:fillClrLst>
+    <dgm:linClrLst meth="repeat">
+      <a:schemeClr val="accent1"/>
+    </dgm:linClrLst>
+    <dgm:effectClrLst/>
+    <dgm:txLinClrLst/>
+    <dgm:txFillClrLst meth="repeat">
+      <a:schemeClr val="dk1"/>
+    </dgm:txFillClrLst>
+    <dgm:txEffectClrLst/>
+  </dgm:styleLbl>
+  <dgm:styleLbl name="bgAcc1">
+    <dgm:fillClrLst meth="repeat">
+      <a:schemeClr val="lt1">
+        <a:alpha val="90000"/>
+      </a:schemeClr>
+    </dgm:fillClrLst>
+    <dgm:linClrLst meth="repeat">
+      <a:schemeClr val="accent1"/>
+    </dgm:linClrLst>
+    <dgm:effectClrLst/>
+    <dgm:txLinClrLst/>
+    <dgm:txFillClrLst meth="repeat">
+      <a:schemeClr val="dk1"/>
+    </dgm:txFillClrLst>
+    <dgm:txEffectClrLst/>
+  </dgm:styleLbl>
+  <dgm:styleLbl name="solidFgAcc1">
+    <dgm:fillClrLst meth="repeat">
+      <a:schemeClr val="lt1"/>
+    </dgm:fillClrLst>
+    <dgm:linClrLst meth="repeat">
+      <a:schemeClr val="accent1"/>
+    </dgm:linClrLst>
+    <dgm:effectClrLst/>
+    <dgm:txLinClrLst/>
+    <dgm:txFillClrLst meth="repeat">
+      <a:schemeClr val="dk1"/>
+    </dgm:txFillClrLst>
+    <dgm:txEffectClrLst/>
+  </dgm:styleLbl>
+  <dgm:styleLbl name="solidAlignAcc1">
+    <dgm:fillClrLst meth="repeat">
+      <a:schemeClr val="lt1"/>
+    </dgm:fillClrLst>
+    <dgm:linClrLst meth="repeat">
+      <a:schemeClr val="accent1"/>
+    </dgm:linClrLst>
+    <dgm:effectClrLst/>
+    <dgm:txLinClrLst/>
+    <dgm:txFillClrLst meth="repeat">
+      <a:schemeClr val="dk1"/>
+    </dgm:txFillClrLst>
+    <dgm:txEffectClrLst/>
+  </dgm:styleLbl>
+  <dgm:styleLbl name="solidBgAcc1">
+    <dgm:fillClrLst meth="repeat">
+      <a:schemeClr val="lt1"/>
+    </dgm:fillClrLst>
+    <dgm:linClrLst meth="repeat">
+      <a:schemeClr val="accent1"/>
+    </dgm:linClrLst>
+    <dgm:effectClrLst/>
+    <dgm:txLinClrLst/>
+    <dgm:txFillClrLst meth="repeat">
+      <a:schemeClr val="dk1"/>
+    </dgm:txFillClrLst>
+    <dgm:txEffectClrLst/>
+  </dgm:styleLbl>
+  <dgm:styleLbl name="fgAccFollowNode1">
+    <dgm:fillClrLst meth="repeat">
+      <a:schemeClr val="accent1">
+        <a:alpha val="90000"/>
+        <a:tint val="40000"/>
+      </a:schemeClr>
+    </dgm:fillClrLst>
+    <dgm:linClrLst meth="repeat">
+      <a:schemeClr val="accent1">
+        <a:alpha val="90000"/>
+        <a:tint val="40000"/>
+      </a:schemeClr>
+    </dgm:linClrLst>
+    <dgm:effectClrLst/>
+    <dgm:txLinClrLst/>
+    <dgm:txFillClrLst meth="repeat">
+      <a:schemeClr val="dk1"/>
+    </dgm:txFillClrLst>
+    <dgm:txEffectClrLst/>
+  </dgm:styleLbl>
+  <dgm:styleLbl name="alignAccFollowNode1">
+    <dgm:fillClrLst meth="repeat">
+      <a:schemeClr val="accent1">
+        <a:alpha val="90000"/>
+        <a:tint val="40000"/>
+      </a:schemeClr>
+    </dgm:fillClrLst>
+    <dgm:linClrLst meth="repeat">
+      <a:schemeClr val="accent1">
+        <a:alpha val="90000"/>
+        <a:tint val="40000"/>
+      </a:schemeClr>
+    </dgm:linClrLst>
+    <dgm:effectClrLst/>
+    <dgm:txLinClrLst/>
+    <dgm:txFillClrLst meth="repeat">
+      <a:schemeClr val="dk1"/>
+    </dgm:txFillClrLst>
+    <dgm:txEffectClrLst/>
+  </dgm:styleLbl>
+  <dgm:styleLbl name="bgAccFollowNode1">
+    <dgm:fillClrLst meth="repeat">
+      <a:schemeClr val="accent1">
+        <a:alpha val="90000"/>
+        <a:tint val="40000"/>
+      </a:schemeClr>
+    </dgm:fillClrLst>
+    <dgm:linClrLst meth="repeat">
+      <a:schemeClr val="accent1">
+        <a:alpha val="90000"/>
+        <a:tint val="40000"/>
+      </a:schemeClr>
+    </dgm:linClrLst>
+    <dgm:effectClrLst/>
+    <dgm:txLinClrLst/>
+    <dgm:txFillClrLst meth="repeat">
+      <a:schemeClr val="dk1"/>
+    </dgm:txFillClrLst>
+    <dgm:txEffectClrLst/>
+  </dgm:styleLbl>
+  <dgm:styleLbl name="fgAcc0">
+    <dgm:fillClrLst meth="repeat">
+      <a:schemeClr val="lt1">
+        <a:alpha val="90000"/>
+      </a:schemeClr>
+    </dgm:fillClrLst>
+    <dgm:linClrLst meth="repeat">
+      <a:schemeClr val="accent1"/>
+    </dgm:linClrLst>
+    <dgm:effectClrLst/>
+    <dgm:txLinClrLst/>
+    <dgm:txFillClrLst meth="repeat">
+      <a:schemeClr val="dk1"/>
+    </dgm:txFillClrLst>
+    <dgm:txEffectClrLst/>
+  </dgm:styleLbl>
+  <dgm:styleLbl name="fgAcc2">
+    <dgm:fillClrLst meth="repeat">
+      <a:schemeClr val="lt1">
+        <a:alpha val="90000"/>
+      </a:schemeClr>
+    </dgm:fillClrLst>
+    <dgm:linClrLst meth="repeat">
+      <a:schemeClr val="accent1"/>
+    </dgm:linClrLst>
+    <dgm:effectClrLst/>
+    <dgm:txLinClrLst/>
+    <dgm:txFillClrLst meth="repeat">
+      <a:schemeClr val="dk1"/>
+    </dgm:txFillClrLst>
+    <dgm:txEffectClrLst/>
+  </dgm:styleLbl>
+  <dgm:styleLbl name="fgAcc3">
+    <dgm:fillClrLst meth="repeat">
+      <a:schemeClr val="lt1">
+        <a:alpha val="90000"/>
+      </a:schemeClr>
+    </dgm:fillClrLst>
+    <dgm:linClrLst meth="repeat">
+      <a:schemeClr val="accent1"/>
+    </dgm:linClrLst>
+    <dgm:effectClrLst/>
+    <dgm:txLinClrLst/>
+    <dgm:txFillClrLst meth="repeat">
+      <a:schemeClr val="dk1"/>
+    </dgm:txFillClrLst>
+    <dgm:txEffectClrLst/>
+  </dgm:styleLbl>
+  <dgm:styleLbl name="fgAcc4">
+    <dgm:fillClrLst meth="repeat">
+      <a:schemeClr val="lt1">
+        <a:alpha val="90000"/>
+      </a:schemeClr>
+    </dgm:fillClrLst>
+    <dgm:linClrLst meth="repeat">
+      <a:schemeClr val="accent1"/>
+    </dgm:linClrLst>
+    <dgm:effectClrLst/>
+    <dgm:txLinClrLst/>
+    <dgm:txFillClrLst meth="repeat">
+      <a:schemeClr val="dk1"/>
+    </dgm:txFillClrLst>
+    <dgm:txEffectClrLst/>
+  </dgm:styleLbl>
+  <dgm:styleLbl name="bgShp">
+    <dgm:fillClrLst meth="repeat">
+      <a:schemeClr val="accent1">
+        <a:tint val="40000"/>
+      </a:schemeClr>
+    </dgm:fillClrLst>
+    <dgm:linClrLst meth="repeat">
+      <a:schemeClr val="accent1"/>
+    </dgm:linClrLst>
+    <dgm:effectClrLst/>
+    <dgm:txLinClrLst/>
+    <dgm:txFillClrLst meth="repeat">
+      <a:schemeClr val="dk1"/>
+    </dgm:txFillClrLst>
+    <dgm:txEffectClrLst/>
+  </dgm:styleLbl>
+  <dgm:styleLbl name="dkBgShp">
+    <dgm:fillClrLst meth="repeat">
+      <a:schemeClr val="accent1">
+        <a:shade val="80000"/>
+      </a:schemeClr>
+    </dgm:fillClrLst>
+    <dgm:linClrLst meth="repeat">
+      <a:schemeClr val="accent1"/>
+    </dgm:linClrLst>
+    <dgm:effectClrLst/>
+    <dgm:txLinClrLst/>
+    <dgm:txFillClrLst meth="repeat">
+      <a:schemeClr val="lt1"/>
+    </dgm:txFillClrLst>
+    <dgm:txEffectClrLst/>
+  </dgm:styleLbl>
+  <dgm:styleLbl name="trBgShp">
+    <dgm:fillClrLst meth="repeat">
+      <a:schemeClr val="accent1">
+        <a:tint val="50000"/>
+        <a:alpha val="40000"/>
+      </a:schemeClr>
+    </dgm:fillClrLst>
+    <dgm:linClrLst meth="repeat">
+      <a:schemeClr val="accent1"/>
+    </dgm:linClrLst>
+    <dgm:effectClrLst/>
+    <dgm:txLinClrLst/>
+    <dgm:txFillClrLst meth="repeat">
+      <a:schemeClr val="lt1"/>
+    </dgm:txFillClrLst>
+    <dgm:txEffectClrLst/>
+  </dgm:styleLbl>
+  <dgm:styleLbl name="fgShp">
+    <dgm:fillClrLst meth="repeat">
+      <a:schemeClr val="accent1">
+        <a:tint val="60000"/>
+      </a:schemeClr>
+    </dgm:fillClrLst>
+    <dgm:linClrLst meth="repeat">
+      <a:schemeClr val="lt1"/>
+    </dgm:linClrLst>
+    <dgm:effectClrLst/>
+    <dgm:txLinClrLst/>
+    <dgm:txFillClrLst meth="repeat">
+      <a:schemeClr val="dk1"/>
+    </dgm:txFillClrLst>
+    <dgm:txEffectClrLst/>
+  </dgm:styleLbl>
+  <dgm:styleLbl name="revTx">
+    <dgm:fillClrLst meth="repeat">
+      <a:schemeClr val="lt1">
+        <a:alpha val="0"/>
+      </a:schemeClr>
+    </dgm:fillClrLst>
+    <dgm:linClrLst meth="repeat">
+      <a:schemeClr val="dk1">
+        <a:alpha val="0"/>
+      </a:schemeClr>
+    </dgm:linClrLst>
+    <dgm:effectClrLst/>
+    <dgm:txLinClrLst/>
+    <dgm:txFillClrLst meth="repeat">
+      <a:schemeClr val="tx1"/>
+    </dgm:txFillClrLst>
+    <dgm:txEffectClrLst/>
+  </dgm:styleLbl>
+</dgm:colorsDef>
+</file>
+
+<file path=ppt/diagrams/data1.xml><?xml version="1.0" encoding="utf-8"?>
+<dgm:dataModel xmlns:dgm="http://schemas.openxmlformats.org/drawingml/2006/diagram" xmlns:a="http://schemas.openxmlformats.org/drawingml/2006/main">
+  <dgm:ptLst>
+    <dgm:pt modelId="{D00D33FF-50DD-4F24-B8FE-BDCAB705CB45}" type="doc">
+      <dgm:prSet loTypeId="urn:microsoft.com/office/officeart/2005/8/layout/cycle5" loCatId="cycle" qsTypeId="urn:microsoft.com/office/officeart/2005/8/quickstyle/simple1" qsCatId="simple" csTypeId="urn:microsoft.com/office/officeart/2005/8/colors/accent1_2" csCatId="accent1" phldr="1"/>
+      <dgm:spPr/>
+      <dgm:t>
+        <a:bodyPr/>
+        <a:lstStyle/>
+        <a:p>
+          <a:endParaRPr lang="es-MX"/>
+        </a:p>
+      </dgm:t>
+    </dgm:pt>
+    <dgm:pt modelId="{537AEDF3-AD30-4B2C-B9C1-7853EAB3EED2}">
+      <dgm:prSet phldrT="[Text]"/>
+      <dgm:spPr/>
+      <dgm:t>
+        <a:bodyPr/>
+        <a:lstStyle/>
+        <a:p>
+          <a:r>
+            <a:rPr lang="en-US" dirty="0"/>
+            <a:t>Thread 1</a:t>
+          </a:r>
+          <a:endParaRPr lang="es-MX" dirty="0"/>
+        </a:p>
+      </dgm:t>
+    </dgm:pt>
+    <dgm:pt modelId="{953C81B3-0954-4185-8F64-BED1C070E476}" type="parTrans" cxnId="{8FFBD55C-A564-4832-980B-1918498E02D1}">
+      <dgm:prSet/>
+      <dgm:spPr/>
+      <dgm:t>
+        <a:bodyPr/>
+        <a:lstStyle/>
+        <a:p>
+          <a:endParaRPr lang="es-MX"/>
+        </a:p>
+      </dgm:t>
+    </dgm:pt>
+    <dgm:pt modelId="{6DC8F95F-1528-4A51-AE4D-8287F3946D5C}" type="sibTrans" cxnId="{8FFBD55C-A564-4832-980B-1918498E02D1}">
+      <dgm:prSet/>
+      <dgm:spPr/>
+      <dgm:t>
+        <a:bodyPr/>
+        <a:lstStyle/>
+        <a:p>
+          <a:endParaRPr lang="es-MX"/>
+        </a:p>
+      </dgm:t>
+    </dgm:pt>
+    <dgm:pt modelId="{5491C14A-CB89-4229-AD4D-1AAA9C097334}">
+      <dgm:prSet phldrT="[Text]">
+        <dgm:style>
+          <a:lnRef idx="3">
+            <a:schemeClr val="lt1"/>
+          </a:lnRef>
+          <a:fillRef idx="1">
+            <a:schemeClr val="accent4"/>
+          </a:fillRef>
+          <a:effectRef idx="1">
+            <a:schemeClr val="accent4"/>
+          </a:effectRef>
+          <a:fontRef idx="minor">
+            <a:schemeClr val="lt1"/>
+          </a:fontRef>
+        </dgm:style>
+      </dgm:prSet>
+      <dgm:spPr/>
+      <dgm:t>
+        <a:bodyPr/>
+        <a:lstStyle/>
+        <a:p>
+          <a:r>
+            <a:rPr lang="en-US" dirty="0"/>
+            <a:t>Resource 2</a:t>
+          </a:r>
+          <a:endParaRPr lang="es-MX" dirty="0"/>
+        </a:p>
+      </dgm:t>
+    </dgm:pt>
+    <dgm:pt modelId="{1DD3A1E5-3CC7-4683-91EF-C677F6C5323C}" type="parTrans" cxnId="{25A66CB3-F862-4D2A-A6AD-13F1C79EE504}">
+      <dgm:prSet/>
+      <dgm:spPr/>
+      <dgm:t>
+        <a:bodyPr/>
+        <a:lstStyle/>
+        <a:p>
+          <a:endParaRPr lang="es-MX"/>
+        </a:p>
+      </dgm:t>
+    </dgm:pt>
+    <dgm:pt modelId="{8DBE5D5C-A537-4564-9992-D05742D8B179}" type="sibTrans" cxnId="{25A66CB3-F862-4D2A-A6AD-13F1C79EE504}">
+      <dgm:prSet/>
+      <dgm:spPr/>
+      <dgm:t>
+        <a:bodyPr/>
+        <a:lstStyle/>
+        <a:p>
+          <a:endParaRPr lang="es-MX"/>
+        </a:p>
+      </dgm:t>
+    </dgm:pt>
+    <dgm:pt modelId="{C222ACD9-3379-4EE4-9C48-B9DC18BAEBDC}">
+      <dgm:prSet phldrT="[Text]"/>
+      <dgm:spPr/>
+      <dgm:t>
+        <a:bodyPr/>
+        <a:lstStyle/>
+        <a:p>
+          <a:r>
+            <a:rPr lang="en-US" dirty="0"/>
+            <a:t>Thread 2</a:t>
+          </a:r>
+          <a:endParaRPr lang="es-MX" dirty="0"/>
+        </a:p>
+      </dgm:t>
+    </dgm:pt>
+    <dgm:pt modelId="{22E32DE9-EBE3-403A-AC38-BAA9F25AFE8E}" type="parTrans" cxnId="{178FD721-65B4-4BB6-BC7B-EFCB5EC4A751}">
+      <dgm:prSet/>
+      <dgm:spPr/>
+      <dgm:t>
+        <a:bodyPr/>
+        <a:lstStyle/>
+        <a:p>
+          <a:endParaRPr lang="es-MX"/>
+        </a:p>
+      </dgm:t>
+    </dgm:pt>
+    <dgm:pt modelId="{2B75B3DE-6E79-4D9B-9F4E-DFC3F38B570D}" type="sibTrans" cxnId="{178FD721-65B4-4BB6-BC7B-EFCB5EC4A751}">
+      <dgm:prSet/>
+      <dgm:spPr/>
+      <dgm:t>
+        <a:bodyPr/>
+        <a:lstStyle/>
+        <a:p>
+          <a:endParaRPr lang="es-MX"/>
+        </a:p>
+      </dgm:t>
+    </dgm:pt>
+    <dgm:pt modelId="{7299D9E9-F512-404B-9886-6603C2E45FC2}">
+      <dgm:prSet phldrT="[Text]">
+        <dgm:style>
+          <a:lnRef idx="3">
+            <a:schemeClr val="lt1"/>
+          </a:lnRef>
+          <a:fillRef idx="1">
+            <a:schemeClr val="accent4"/>
+          </a:fillRef>
+          <a:effectRef idx="1">
+            <a:schemeClr val="accent4"/>
+          </a:effectRef>
+          <a:fontRef idx="minor">
+            <a:schemeClr val="lt1"/>
+          </a:fontRef>
+        </dgm:style>
+      </dgm:prSet>
+      <dgm:spPr/>
+      <dgm:t>
+        <a:bodyPr/>
+        <a:lstStyle/>
+        <a:p>
+          <a:r>
+            <a:rPr lang="en-US" dirty="0"/>
+            <a:t>Resource 1</a:t>
+          </a:r>
+          <a:endParaRPr lang="es-MX" dirty="0"/>
+        </a:p>
+      </dgm:t>
+    </dgm:pt>
+    <dgm:pt modelId="{4E49458B-6581-41B5-878B-943B4CD4FEC9}" type="parTrans" cxnId="{DF50CDE5-B254-445B-8602-0C562F91B0E5}">
+      <dgm:prSet/>
+      <dgm:spPr/>
+      <dgm:t>
+        <a:bodyPr/>
+        <a:lstStyle/>
+        <a:p>
+          <a:endParaRPr lang="es-MX"/>
+        </a:p>
+      </dgm:t>
+    </dgm:pt>
+    <dgm:pt modelId="{72B9B446-19E2-4242-B2FB-F38B45202EDB}" type="sibTrans" cxnId="{DF50CDE5-B254-445B-8602-0C562F91B0E5}">
+      <dgm:prSet/>
+      <dgm:spPr/>
+      <dgm:t>
+        <a:bodyPr/>
+        <a:lstStyle/>
+        <a:p>
+          <a:endParaRPr lang="es-MX"/>
+        </a:p>
+      </dgm:t>
+    </dgm:pt>
+    <dgm:pt modelId="{D1278B97-B2E2-4382-ADE8-25E4BC07E6ED}" type="pres">
+      <dgm:prSet presAssocID="{D00D33FF-50DD-4F24-B8FE-BDCAB705CB45}" presName="cycle" presStyleCnt="0">
+        <dgm:presLayoutVars>
+          <dgm:dir/>
+          <dgm:resizeHandles val="exact"/>
+        </dgm:presLayoutVars>
+      </dgm:prSet>
+      <dgm:spPr/>
+    </dgm:pt>
+    <dgm:pt modelId="{A394F60E-6A26-4167-A3B8-9DB4231EEE43}" type="pres">
+      <dgm:prSet presAssocID="{537AEDF3-AD30-4B2C-B9C1-7853EAB3EED2}" presName="node" presStyleLbl="node1" presStyleIdx="0" presStyleCnt="4">
+        <dgm:presLayoutVars>
+          <dgm:bulletEnabled val="1"/>
+        </dgm:presLayoutVars>
+      </dgm:prSet>
+      <dgm:spPr>
+        <a:prstGeom prst="ellipse">
+          <a:avLst/>
+        </a:prstGeom>
+      </dgm:spPr>
+    </dgm:pt>
+    <dgm:pt modelId="{9CF38F2B-2C81-4236-AFF1-820A2A238463}" type="pres">
+      <dgm:prSet presAssocID="{537AEDF3-AD30-4B2C-B9C1-7853EAB3EED2}" presName="spNode" presStyleCnt="0"/>
+      <dgm:spPr/>
+    </dgm:pt>
+    <dgm:pt modelId="{D46413A0-6894-447B-8EB3-FDFCF8697FBE}" type="pres">
+      <dgm:prSet presAssocID="{6DC8F95F-1528-4A51-AE4D-8287F3946D5C}" presName="sibTrans" presStyleLbl="sibTrans1D1" presStyleIdx="0" presStyleCnt="4"/>
+      <dgm:spPr/>
+    </dgm:pt>
+    <dgm:pt modelId="{6319570A-2CB5-4D3E-8957-180114DA42AC}" type="pres">
+      <dgm:prSet presAssocID="{5491C14A-CB89-4229-AD4D-1AAA9C097334}" presName="node" presStyleLbl="node1" presStyleIdx="1" presStyleCnt="4">
+        <dgm:presLayoutVars>
+          <dgm:bulletEnabled val="1"/>
+        </dgm:presLayoutVars>
+      </dgm:prSet>
+      <dgm:spPr/>
+    </dgm:pt>
+    <dgm:pt modelId="{1E10A8AC-1F0B-41E8-BCDB-139BE8403CCD}" type="pres">
+      <dgm:prSet presAssocID="{5491C14A-CB89-4229-AD4D-1AAA9C097334}" presName="spNode" presStyleCnt="0"/>
+      <dgm:spPr/>
+    </dgm:pt>
+    <dgm:pt modelId="{9E6E2DDC-8757-4976-A4BB-5B7DA437A913}" type="pres">
+      <dgm:prSet presAssocID="{8DBE5D5C-A537-4564-9992-D05742D8B179}" presName="sibTrans" presStyleLbl="sibTrans1D1" presStyleIdx="1" presStyleCnt="4"/>
+      <dgm:spPr/>
+    </dgm:pt>
+    <dgm:pt modelId="{AE9C2A2F-1B9C-40BA-8E15-F742F8EC9081}" type="pres">
+      <dgm:prSet presAssocID="{C222ACD9-3379-4EE4-9C48-B9DC18BAEBDC}" presName="node" presStyleLbl="node1" presStyleIdx="2" presStyleCnt="4">
+        <dgm:presLayoutVars>
+          <dgm:bulletEnabled val="1"/>
+        </dgm:presLayoutVars>
+      </dgm:prSet>
+      <dgm:spPr>
+        <a:prstGeom prst="ellipse">
+          <a:avLst/>
+        </a:prstGeom>
+      </dgm:spPr>
+    </dgm:pt>
+    <dgm:pt modelId="{25D49033-A398-44AB-A980-A7DD0CE41325}" type="pres">
+      <dgm:prSet presAssocID="{C222ACD9-3379-4EE4-9C48-B9DC18BAEBDC}" presName="spNode" presStyleCnt="0"/>
+      <dgm:spPr/>
+    </dgm:pt>
+    <dgm:pt modelId="{22604BC2-06F4-45F2-9C0E-7112F484734F}" type="pres">
+      <dgm:prSet presAssocID="{2B75B3DE-6E79-4D9B-9F4E-DFC3F38B570D}" presName="sibTrans" presStyleLbl="sibTrans1D1" presStyleIdx="2" presStyleCnt="4"/>
+      <dgm:spPr/>
+    </dgm:pt>
+    <dgm:pt modelId="{054231F4-49FE-496E-B743-3069211FB6F8}" type="pres">
+      <dgm:prSet presAssocID="{7299D9E9-F512-404B-9886-6603C2E45FC2}" presName="node" presStyleLbl="node1" presStyleIdx="3" presStyleCnt="4">
+        <dgm:presLayoutVars>
+          <dgm:bulletEnabled val="1"/>
+        </dgm:presLayoutVars>
+      </dgm:prSet>
+      <dgm:spPr/>
+    </dgm:pt>
+    <dgm:pt modelId="{3E4E1C3B-EE26-4225-B648-C2D40913B571}" type="pres">
+      <dgm:prSet presAssocID="{7299D9E9-F512-404B-9886-6603C2E45FC2}" presName="spNode" presStyleCnt="0"/>
+      <dgm:spPr/>
+    </dgm:pt>
+    <dgm:pt modelId="{98D7A02C-6427-4F53-BD0E-A76DB9FC79A6}" type="pres">
+      <dgm:prSet presAssocID="{72B9B446-19E2-4242-B2FB-F38B45202EDB}" presName="sibTrans" presStyleLbl="sibTrans1D1" presStyleIdx="3" presStyleCnt="4"/>
+      <dgm:spPr/>
+    </dgm:pt>
+  </dgm:ptLst>
+  <dgm:cxnLst>
+    <dgm:cxn modelId="{5CDA550C-A6FA-4314-9A0B-12D60D890213}" type="presOf" srcId="{7299D9E9-F512-404B-9886-6603C2E45FC2}" destId="{054231F4-49FE-496E-B743-3069211FB6F8}" srcOrd="0" destOrd="0" presId="urn:microsoft.com/office/officeart/2005/8/layout/cycle5"/>
+    <dgm:cxn modelId="{178FD721-65B4-4BB6-BC7B-EFCB5EC4A751}" srcId="{D00D33FF-50DD-4F24-B8FE-BDCAB705CB45}" destId="{C222ACD9-3379-4EE4-9C48-B9DC18BAEBDC}" srcOrd="2" destOrd="0" parTransId="{22E32DE9-EBE3-403A-AC38-BAA9F25AFE8E}" sibTransId="{2B75B3DE-6E79-4D9B-9F4E-DFC3F38B570D}"/>
+    <dgm:cxn modelId="{FE39542E-74AD-4C48-AA16-6E45F864F006}" type="presOf" srcId="{72B9B446-19E2-4242-B2FB-F38B45202EDB}" destId="{98D7A02C-6427-4F53-BD0E-A76DB9FC79A6}" srcOrd="0" destOrd="0" presId="urn:microsoft.com/office/officeart/2005/8/layout/cycle5"/>
+    <dgm:cxn modelId="{DA2E8B5C-5684-4A6E-93CE-54DC3E073BC8}" type="presOf" srcId="{8DBE5D5C-A537-4564-9992-D05742D8B179}" destId="{9E6E2DDC-8757-4976-A4BB-5B7DA437A913}" srcOrd="0" destOrd="0" presId="urn:microsoft.com/office/officeart/2005/8/layout/cycle5"/>
+    <dgm:cxn modelId="{8FFBD55C-A564-4832-980B-1918498E02D1}" srcId="{D00D33FF-50DD-4F24-B8FE-BDCAB705CB45}" destId="{537AEDF3-AD30-4B2C-B9C1-7853EAB3EED2}" srcOrd="0" destOrd="0" parTransId="{953C81B3-0954-4185-8F64-BED1C070E476}" sibTransId="{6DC8F95F-1528-4A51-AE4D-8287F3946D5C}"/>
+    <dgm:cxn modelId="{A4C6835A-4D74-4AAE-B88C-3423DA9B85FA}" type="presOf" srcId="{2B75B3DE-6E79-4D9B-9F4E-DFC3F38B570D}" destId="{22604BC2-06F4-45F2-9C0E-7112F484734F}" srcOrd="0" destOrd="0" presId="urn:microsoft.com/office/officeart/2005/8/layout/cycle5"/>
+    <dgm:cxn modelId="{ADC8BAB2-80BE-4FD4-9128-B03141A60456}" type="presOf" srcId="{5491C14A-CB89-4229-AD4D-1AAA9C097334}" destId="{6319570A-2CB5-4D3E-8957-180114DA42AC}" srcOrd="0" destOrd="0" presId="urn:microsoft.com/office/officeart/2005/8/layout/cycle5"/>
+    <dgm:cxn modelId="{25A66CB3-F862-4D2A-A6AD-13F1C79EE504}" srcId="{D00D33FF-50DD-4F24-B8FE-BDCAB705CB45}" destId="{5491C14A-CB89-4229-AD4D-1AAA9C097334}" srcOrd="1" destOrd="0" parTransId="{1DD3A1E5-3CC7-4683-91EF-C677F6C5323C}" sibTransId="{8DBE5D5C-A537-4564-9992-D05742D8B179}"/>
+    <dgm:cxn modelId="{0A4980B6-071A-417D-AC4F-4E38C4643088}" type="presOf" srcId="{C222ACD9-3379-4EE4-9C48-B9DC18BAEBDC}" destId="{AE9C2A2F-1B9C-40BA-8E15-F742F8EC9081}" srcOrd="0" destOrd="0" presId="urn:microsoft.com/office/officeart/2005/8/layout/cycle5"/>
+    <dgm:cxn modelId="{4878CCC2-580E-4647-8ABE-18D0EA5C194A}" type="presOf" srcId="{D00D33FF-50DD-4F24-B8FE-BDCAB705CB45}" destId="{D1278B97-B2E2-4382-ADE8-25E4BC07E6ED}" srcOrd="0" destOrd="0" presId="urn:microsoft.com/office/officeart/2005/8/layout/cycle5"/>
+    <dgm:cxn modelId="{CB8035CC-95D7-4C38-8781-8750895EE341}" type="presOf" srcId="{6DC8F95F-1528-4A51-AE4D-8287F3946D5C}" destId="{D46413A0-6894-447B-8EB3-FDFCF8697FBE}" srcOrd="0" destOrd="0" presId="urn:microsoft.com/office/officeart/2005/8/layout/cycle5"/>
+    <dgm:cxn modelId="{DF50CDE5-B254-445B-8602-0C562F91B0E5}" srcId="{D00D33FF-50DD-4F24-B8FE-BDCAB705CB45}" destId="{7299D9E9-F512-404B-9886-6603C2E45FC2}" srcOrd="3" destOrd="0" parTransId="{4E49458B-6581-41B5-878B-943B4CD4FEC9}" sibTransId="{72B9B446-19E2-4242-B2FB-F38B45202EDB}"/>
+    <dgm:cxn modelId="{0B081BFF-3DF2-461E-B732-BB7CB0FE1DF7}" type="presOf" srcId="{537AEDF3-AD30-4B2C-B9C1-7853EAB3EED2}" destId="{A394F60E-6A26-4167-A3B8-9DB4231EEE43}" srcOrd="0" destOrd="0" presId="urn:microsoft.com/office/officeart/2005/8/layout/cycle5"/>
+    <dgm:cxn modelId="{25F1D9AF-51A7-47A7-B5B2-21C9DBEF1791}" type="presParOf" srcId="{D1278B97-B2E2-4382-ADE8-25E4BC07E6ED}" destId="{A394F60E-6A26-4167-A3B8-9DB4231EEE43}" srcOrd="0" destOrd="0" presId="urn:microsoft.com/office/officeart/2005/8/layout/cycle5"/>
+    <dgm:cxn modelId="{1AB1415D-C521-40F9-B975-60409ADA0D39}" type="presParOf" srcId="{D1278B97-B2E2-4382-ADE8-25E4BC07E6ED}" destId="{9CF38F2B-2C81-4236-AFF1-820A2A238463}" srcOrd="1" destOrd="0" presId="urn:microsoft.com/office/officeart/2005/8/layout/cycle5"/>
+    <dgm:cxn modelId="{55613856-C170-4523-A0B0-3955424281A9}" type="presParOf" srcId="{D1278B97-B2E2-4382-ADE8-25E4BC07E6ED}" destId="{D46413A0-6894-447B-8EB3-FDFCF8697FBE}" srcOrd="2" destOrd="0" presId="urn:microsoft.com/office/officeart/2005/8/layout/cycle5"/>
+    <dgm:cxn modelId="{1A9148B4-6CB2-4947-94CC-5A8F04EEF0EC}" type="presParOf" srcId="{D1278B97-B2E2-4382-ADE8-25E4BC07E6ED}" destId="{6319570A-2CB5-4D3E-8957-180114DA42AC}" srcOrd="3" destOrd="0" presId="urn:microsoft.com/office/officeart/2005/8/layout/cycle5"/>
+    <dgm:cxn modelId="{CF7692DF-2C2A-436B-95F2-FDC42E8A2374}" type="presParOf" srcId="{D1278B97-B2E2-4382-ADE8-25E4BC07E6ED}" destId="{1E10A8AC-1F0B-41E8-BCDB-139BE8403CCD}" srcOrd="4" destOrd="0" presId="urn:microsoft.com/office/officeart/2005/8/layout/cycle5"/>
+    <dgm:cxn modelId="{485B8342-CD0A-477E-99E2-CF1A2503FD5C}" type="presParOf" srcId="{D1278B97-B2E2-4382-ADE8-25E4BC07E6ED}" destId="{9E6E2DDC-8757-4976-A4BB-5B7DA437A913}" srcOrd="5" destOrd="0" presId="urn:microsoft.com/office/officeart/2005/8/layout/cycle5"/>
+    <dgm:cxn modelId="{1E421B9A-2F85-408B-A39B-176D50F96545}" type="presParOf" srcId="{D1278B97-B2E2-4382-ADE8-25E4BC07E6ED}" destId="{AE9C2A2F-1B9C-40BA-8E15-F742F8EC9081}" srcOrd="6" destOrd="0" presId="urn:microsoft.com/office/officeart/2005/8/layout/cycle5"/>
+    <dgm:cxn modelId="{FC02E632-DB83-498B-AE76-17639489C73E}" type="presParOf" srcId="{D1278B97-B2E2-4382-ADE8-25E4BC07E6ED}" destId="{25D49033-A398-44AB-A980-A7DD0CE41325}" srcOrd="7" destOrd="0" presId="urn:microsoft.com/office/officeart/2005/8/layout/cycle5"/>
+    <dgm:cxn modelId="{C11E3C8A-5B65-4F62-8B38-E026F62B5B6F}" type="presParOf" srcId="{D1278B97-B2E2-4382-ADE8-25E4BC07E6ED}" destId="{22604BC2-06F4-45F2-9C0E-7112F484734F}" srcOrd="8" destOrd="0" presId="urn:microsoft.com/office/officeart/2005/8/layout/cycle5"/>
+    <dgm:cxn modelId="{9DFCF638-C56B-4A96-A80A-C2E4C62F11D5}" type="presParOf" srcId="{D1278B97-B2E2-4382-ADE8-25E4BC07E6ED}" destId="{054231F4-49FE-496E-B743-3069211FB6F8}" srcOrd="9" destOrd="0" presId="urn:microsoft.com/office/officeart/2005/8/layout/cycle5"/>
+    <dgm:cxn modelId="{C52F40D8-263F-49DA-B4C3-BEA138853D5F}" type="presParOf" srcId="{D1278B97-B2E2-4382-ADE8-25E4BC07E6ED}" destId="{3E4E1C3B-EE26-4225-B648-C2D40913B571}" srcOrd="10" destOrd="0" presId="urn:microsoft.com/office/officeart/2005/8/layout/cycle5"/>
+    <dgm:cxn modelId="{4DEF2982-FBC9-4A44-9DCE-EB2AC04874AB}" type="presParOf" srcId="{D1278B97-B2E2-4382-ADE8-25E4BC07E6ED}" destId="{98D7A02C-6427-4F53-BD0E-A76DB9FC79A6}" srcOrd="11" destOrd="0" presId="urn:microsoft.com/office/officeart/2005/8/layout/cycle5"/>
+  </dgm:cxnLst>
+  <dgm:bg/>
+  <dgm:whole/>
+  <dgm:extLst>
+    <a:ext uri="http://schemas.microsoft.com/office/drawing/2008/diagram">
+      <dsp:dataModelExt xmlns:dsp="http://schemas.microsoft.com/office/drawing/2008/diagram" relId="rId9" minVer="http://schemas.openxmlformats.org/drawingml/2006/diagram"/>
+    </a:ext>
+  </dgm:extLst>
+</dgm:dataModel>
+</file>
+
+<file path=ppt/diagrams/drawing1.xml><?xml version="1.0" encoding="utf-8"?>
+<dsp:drawing xmlns:dgm="http://schemas.openxmlformats.org/drawingml/2006/diagram" xmlns:dsp="http://schemas.microsoft.com/office/drawing/2008/diagram" xmlns:a="http://schemas.openxmlformats.org/drawingml/2006/main">
+  <dsp:spTree>
+    <dsp:nvGrpSpPr>
+      <dsp:cNvPr id="0" name=""/>
+      <dsp:cNvGrpSpPr/>
+    </dsp:nvGrpSpPr>
+    <dsp:grpSpPr/>
+    <dsp:sp modelId="{A394F60E-6A26-4167-A3B8-9DB4231EEE43}">
+      <dsp:nvSpPr>
+        <dsp:cNvPr id="0" name=""/>
+        <dsp:cNvSpPr/>
+      </dsp:nvSpPr>
+      <dsp:spPr>
+        <a:xfrm>
+          <a:off x="1602883" y="120"/>
+          <a:ext cx="1002829" cy="651839"/>
+        </a:xfrm>
+        <a:prstGeom prst="ellipse">
+          <a:avLst/>
+        </a:prstGeom>
+        <a:solidFill>
+          <a:schemeClr val="accent1">
+            <a:hueOff val="0"/>
+            <a:satOff val="0"/>
+            <a:lumOff val="0"/>
+            <a:alphaOff val="0"/>
+          </a:schemeClr>
+        </a:solidFill>
+        <a:ln w="19050" cap="rnd" cmpd="sng" algn="ctr">
+          <a:solidFill>
+            <a:schemeClr val="lt1">
+              <a:hueOff val="0"/>
+              <a:satOff val="0"/>
+              <a:lumOff val="0"/>
+              <a:alphaOff val="0"/>
+            </a:schemeClr>
+          </a:solidFill>
+          <a:prstDash val="solid"/>
+        </a:ln>
+        <a:effectLst/>
+      </dsp:spPr>
+      <dsp:style>
+        <a:lnRef idx="2">
+          <a:scrgbClr r="0" g="0" b="0"/>
+        </a:lnRef>
+        <a:fillRef idx="1">
+          <a:scrgbClr r="0" g="0" b="0"/>
+        </a:fillRef>
+        <a:effectRef idx="0">
+          <a:scrgbClr r="0" g="0" b="0"/>
+        </a:effectRef>
+        <a:fontRef idx="minor">
+          <a:schemeClr val="lt1"/>
+        </a:fontRef>
+      </dsp:style>
+      <dsp:txBody>
+        <a:bodyPr spcFirstLastPara="0" vert="horz" wrap="square" lIns="45720" tIns="45720" rIns="45720" bIns="45720" numCol="1" spcCol="1270" anchor="ctr" anchorCtr="0">
+          <a:noAutofit/>
+        </a:bodyPr>
+        <a:lstStyle/>
+        <a:p>
+          <a:pPr marL="0" lvl="0" indent="0" algn="ctr" defTabSz="533400">
+            <a:lnSpc>
+              <a:spcPct val="90000"/>
+            </a:lnSpc>
+            <a:spcBef>
+              <a:spcPct val="0"/>
+            </a:spcBef>
+            <a:spcAft>
+              <a:spcPct val="35000"/>
+            </a:spcAft>
+            <a:buNone/>
+          </a:pPr>
+          <a:r>
+            <a:rPr lang="en-US" sz="1200" kern="1200" dirty="0"/>
+            <a:t>Thread 1</a:t>
+          </a:r>
+          <a:endParaRPr lang="es-MX" sz="1200" kern="1200" dirty="0"/>
+        </a:p>
+      </dsp:txBody>
+      <dsp:txXfrm>
+        <a:off x="1749744" y="95580"/>
+        <a:ext cx="709107" cy="460919"/>
+      </dsp:txXfrm>
+    </dsp:sp>
+    <dsp:sp modelId="{D46413A0-6894-447B-8EB3-FDFCF8697FBE}">
+      <dsp:nvSpPr>
+        <dsp:cNvPr id="0" name=""/>
+        <dsp:cNvSpPr/>
+      </dsp:nvSpPr>
+      <dsp:spPr>
+        <a:xfrm>
+          <a:off x="1027473" y="326040"/>
+          <a:ext cx="2153650" cy="2153650"/>
+        </a:xfrm>
+        <a:custGeom>
+          <a:avLst/>
+          <a:gdLst/>
+          <a:ahLst/>
+          <a:cxnLst/>
+          <a:rect l="0" t="0" r="0" b="0"/>
+          <a:pathLst>
+            <a:path>
+              <a:moveTo>
+                <a:pt x="1716648" y="210696"/>
+              </a:moveTo>
+              <a:arcTo wR="1076825" hR="1076825" stAng="18387233" swAng="1633569"/>
+            </a:path>
+          </a:pathLst>
+        </a:custGeom>
+        <a:noFill/>
+        <a:ln w="9525" cap="rnd" cmpd="sng" algn="ctr">
+          <a:solidFill>
+            <a:schemeClr val="accent1">
+              <a:hueOff val="0"/>
+              <a:satOff val="0"/>
+              <a:lumOff val="0"/>
+              <a:alphaOff val="0"/>
+            </a:schemeClr>
+          </a:solidFill>
+          <a:prstDash val="solid"/>
+          <a:tailEnd type="arrow"/>
+        </a:ln>
+        <a:effectLst/>
+      </dsp:spPr>
+      <dsp:style>
+        <a:lnRef idx="1">
+          <a:scrgbClr r="0" g="0" b="0"/>
+        </a:lnRef>
+        <a:fillRef idx="0">
+          <a:scrgbClr r="0" g="0" b="0"/>
+        </a:fillRef>
+        <a:effectRef idx="0">
+          <a:scrgbClr r="0" g="0" b="0"/>
+        </a:effectRef>
+        <a:fontRef idx="minor"/>
+      </dsp:style>
+    </dsp:sp>
+    <dsp:sp modelId="{6319570A-2CB5-4D3E-8957-180114DA42AC}">
+      <dsp:nvSpPr>
+        <dsp:cNvPr id="0" name=""/>
+        <dsp:cNvSpPr/>
+      </dsp:nvSpPr>
+      <dsp:spPr>
+        <a:xfrm>
+          <a:off x="2679709" y="1076945"/>
+          <a:ext cx="1002829" cy="651839"/>
+        </a:xfrm>
+        <a:prstGeom prst="roundRect">
+          <a:avLst/>
+        </a:prstGeom>
+        <a:solidFill>
+          <a:schemeClr val="accent4"/>
+        </a:solidFill>
+        <a:ln w="28575" cap="rnd" cmpd="sng" algn="ctr">
+          <a:solidFill>
+            <a:schemeClr val="lt1"/>
+          </a:solidFill>
+          <a:prstDash val="solid"/>
+        </a:ln>
+        <a:effectLst/>
+      </dsp:spPr>
+      <dsp:style>
+        <a:lnRef idx="3">
+          <a:schemeClr val="lt1"/>
+        </a:lnRef>
+        <a:fillRef idx="1">
+          <a:schemeClr val="accent4"/>
+        </a:fillRef>
+        <a:effectRef idx="1">
+          <a:schemeClr val="accent4"/>
+        </a:effectRef>
+        <a:fontRef idx="minor">
+          <a:schemeClr val="lt1"/>
+        </a:fontRef>
+      </dsp:style>
+      <dsp:txBody>
+        <a:bodyPr spcFirstLastPara="0" vert="horz" wrap="square" lIns="45720" tIns="45720" rIns="45720" bIns="45720" numCol="1" spcCol="1270" anchor="ctr" anchorCtr="0">
+          <a:noAutofit/>
+        </a:bodyPr>
+        <a:lstStyle/>
+        <a:p>
+          <a:pPr marL="0" lvl="0" indent="0" algn="ctr" defTabSz="533400">
+            <a:lnSpc>
+              <a:spcPct val="90000"/>
+            </a:lnSpc>
+            <a:spcBef>
+              <a:spcPct val="0"/>
+            </a:spcBef>
+            <a:spcAft>
+              <a:spcPct val="35000"/>
+            </a:spcAft>
+            <a:buNone/>
+          </a:pPr>
+          <a:r>
+            <a:rPr lang="en-US" sz="1200" kern="1200" dirty="0"/>
+            <a:t>Resource 2</a:t>
+          </a:r>
+          <a:endParaRPr lang="es-MX" sz="1200" kern="1200" dirty="0"/>
+        </a:p>
+      </dsp:txBody>
+      <dsp:txXfrm>
+        <a:off x="2711529" y="1108765"/>
+        <a:ext cx="939189" cy="588199"/>
+      </dsp:txXfrm>
+    </dsp:sp>
+    <dsp:sp modelId="{9E6E2DDC-8757-4976-A4BB-5B7DA437A913}">
+      <dsp:nvSpPr>
+        <dsp:cNvPr id="0" name=""/>
+        <dsp:cNvSpPr/>
+      </dsp:nvSpPr>
+      <dsp:spPr>
+        <a:xfrm>
+          <a:off x="1027473" y="326040"/>
+          <a:ext cx="2153650" cy="2153650"/>
+        </a:xfrm>
+        <a:custGeom>
+          <a:avLst/>
+          <a:gdLst/>
+          <a:ahLst/>
+          <a:cxnLst/>
+          <a:rect l="0" t="0" r="0" b="0"/>
+          <a:pathLst>
+            <a:path>
+              <a:moveTo>
+                <a:pt x="2042018" y="1554272"/>
+              </a:moveTo>
+              <a:arcTo wR="1076825" hR="1076825" stAng="1579199" swAng="1633569"/>
+            </a:path>
+          </a:pathLst>
+        </a:custGeom>
+        <a:noFill/>
+        <a:ln w="9525" cap="rnd" cmpd="sng" algn="ctr">
+          <a:solidFill>
+            <a:schemeClr val="accent1">
+              <a:hueOff val="0"/>
+              <a:satOff val="0"/>
+              <a:lumOff val="0"/>
+              <a:alphaOff val="0"/>
+            </a:schemeClr>
+          </a:solidFill>
+          <a:prstDash val="solid"/>
+          <a:tailEnd type="arrow"/>
+        </a:ln>
+        <a:effectLst/>
+      </dsp:spPr>
+      <dsp:style>
+        <a:lnRef idx="1">
+          <a:scrgbClr r="0" g="0" b="0"/>
+        </a:lnRef>
+        <a:fillRef idx="0">
+          <a:scrgbClr r="0" g="0" b="0"/>
+        </a:fillRef>
+        <a:effectRef idx="0">
+          <a:scrgbClr r="0" g="0" b="0"/>
+        </a:effectRef>
+        <a:fontRef idx="minor"/>
+      </dsp:style>
+    </dsp:sp>
+    <dsp:sp modelId="{AE9C2A2F-1B9C-40BA-8E15-F742F8EC9081}">
+      <dsp:nvSpPr>
+        <dsp:cNvPr id="0" name=""/>
+        <dsp:cNvSpPr/>
+      </dsp:nvSpPr>
+      <dsp:spPr>
+        <a:xfrm>
+          <a:off x="1602883" y="2153771"/>
+          <a:ext cx="1002829" cy="651839"/>
+        </a:xfrm>
+        <a:prstGeom prst="ellipse">
+          <a:avLst/>
+        </a:prstGeom>
+        <a:solidFill>
+          <a:schemeClr val="accent1">
+            <a:hueOff val="0"/>
+            <a:satOff val="0"/>
+            <a:lumOff val="0"/>
+            <a:alphaOff val="0"/>
+          </a:schemeClr>
+        </a:solidFill>
+        <a:ln w="19050" cap="rnd" cmpd="sng" algn="ctr">
+          <a:solidFill>
+            <a:schemeClr val="lt1">
+              <a:hueOff val="0"/>
+              <a:satOff val="0"/>
+              <a:lumOff val="0"/>
+              <a:alphaOff val="0"/>
+            </a:schemeClr>
+          </a:solidFill>
+          <a:prstDash val="solid"/>
+        </a:ln>
+        <a:effectLst/>
+      </dsp:spPr>
+      <dsp:style>
+        <a:lnRef idx="2">
+          <a:scrgbClr r="0" g="0" b="0"/>
+        </a:lnRef>
+        <a:fillRef idx="1">
+          <a:scrgbClr r="0" g="0" b="0"/>
+        </a:fillRef>
+        <a:effectRef idx="0">
+          <a:scrgbClr r="0" g="0" b="0"/>
+        </a:effectRef>
+        <a:fontRef idx="minor">
+          <a:schemeClr val="lt1"/>
+        </a:fontRef>
+      </dsp:style>
+      <dsp:txBody>
+        <a:bodyPr spcFirstLastPara="0" vert="horz" wrap="square" lIns="45720" tIns="45720" rIns="45720" bIns="45720" numCol="1" spcCol="1270" anchor="ctr" anchorCtr="0">
+          <a:noAutofit/>
+        </a:bodyPr>
+        <a:lstStyle/>
+        <a:p>
+          <a:pPr marL="0" lvl="0" indent="0" algn="ctr" defTabSz="533400">
+            <a:lnSpc>
+              <a:spcPct val="90000"/>
+            </a:lnSpc>
+            <a:spcBef>
+              <a:spcPct val="0"/>
+            </a:spcBef>
+            <a:spcAft>
+              <a:spcPct val="35000"/>
+            </a:spcAft>
+            <a:buNone/>
+          </a:pPr>
+          <a:r>
+            <a:rPr lang="en-US" sz="1200" kern="1200" dirty="0"/>
+            <a:t>Thread 2</a:t>
+          </a:r>
+          <a:endParaRPr lang="es-MX" sz="1200" kern="1200" dirty="0"/>
+        </a:p>
+      </dsp:txBody>
+      <dsp:txXfrm>
+        <a:off x="1749744" y="2249231"/>
+        <a:ext cx="709107" cy="460919"/>
+      </dsp:txXfrm>
+    </dsp:sp>
+    <dsp:sp modelId="{22604BC2-06F4-45F2-9C0E-7112F484734F}">
+      <dsp:nvSpPr>
+        <dsp:cNvPr id="0" name=""/>
+        <dsp:cNvSpPr/>
+      </dsp:nvSpPr>
+      <dsp:spPr>
+        <a:xfrm>
+          <a:off x="1027473" y="326040"/>
+          <a:ext cx="2153650" cy="2153650"/>
+        </a:xfrm>
+        <a:custGeom>
+          <a:avLst/>
+          <a:gdLst/>
+          <a:ahLst/>
+          <a:cxnLst/>
+          <a:rect l="0" t="0" r="0" b="0"/>
+          <a:pathLst>
+            <a:path>
+              <a:moveTo>
+                <a:pt x="437002" y="1942954"/>
+              </a:moveTo>
+              <a:arcTo wR="1076825" hR="1076825" stAng="7587233" swAng="1633569"/>
+            </a:path>
+          </a:pathLst>
+        </a:custGeom>
+        <a:noFill/>
+        <a:ln w="9525" cap="rnd" cmpd="sng" algn="ctr">
+          <a:solidFill>
+            <a:schemeClr val="accent1">
+              <a:hueOff val="0"/>
+              <a:satOff val="0"/>
+              <a:lumOff val="0"/>
+              <a:alphaOff val="0"/>
+            </a:schemeClr>
+          </a:solidFill>
+          <a:prstDash val="solid"/>
+          <a:tailEnd type="arrow"/>
+        </a:ln>
+        <a:effectLst/>
+      </dsp:spPr>
+      <dsp:style>
+        <a:lnRef idx="1">
+          <a:scrgbClr r="0" g="0" b="0"/>
+        </a:lnRef>
+        <a:fillRef idx="0">
+          <a:scrgbClr r="0" g="0" b="0"/>
+        </a:fillRef>
+        <a:effectRef idx="0">
+          <a:scrgbClr r="0" g="0" b="0"/>
+        </a:effectRef>
+        <a:fontRef idx="minor"/>
+      </dsp:style>
+    </dsp:sp>
+    <dsp:sp modelId="{054231F4-49FE-496E-B743-3069211FB6F8}">
+      <dsp:nvSpPr>
+        <dsp:cNvPr id="0" name=""/>
+        <dsp:cNvSpPr/>
+      </dsp:nvSpPr>
+      <dsp:spPr>
+        <a:xfrm>
+          <a:off x="526058" y="1076945"/>
+          <a:ext cx="1002829" cy="651839"/>
+        </a:xfrm>
+        <a:prstGeom prst="roundRect">
+          <a:avLst/>
+        </a:prstGeom>
+        <a:solidFill>
+          <a:schemeClr val="accent4"/>
+        </a:solidFill>
+        <a:ln w="28575" cap="rnd" cmpd="sng" algn="ctr">
+          <a:solidFill>
+            <a:schemeClr val="lt1"/>
+          </a:solidFill>
+          <a:prstDash val="solid"/>
+        </a:ln>
+        <a:effectLst/>
+      </dsp:spPr>
+      <dsp:style>
+        <a:lnRef idx="3">
+          <a:schemeClr val="lt1"/>
+        </a:lnRef>
+        <a:fillRef idx="1">
+          <a:schemeClr val="accent4"/>
+        </a:fillRef>
+        <a:effectRef idx="1">
+          <a:schemeClr val="accent4"/>
+        </a:effectRef>
+        <a:fontRef idx="minor">
+          <a:schemeClr val="lt1"/>
+        </a:fontRef>
+      </dsp:style>
+      <dsp:txBody>
+        <a:bodyPr spcFirstLastPara="0" vert="horz" wrap="square" lIns="45720" tIns="45720" rIns="45720" bIns="45720" numCol="1" spcCol="1270" anchor="ctr" anchorCtr="0">
+          <a:noAutofit/>
+        </a:bodyPr>
+        <a:lstStyle/>
+        <a:p>
+          <a:pPr marL="0" lvl="0" indent="0" algn="ctr" defTabSz="533400">
+            <a:lnSpc>
+              <a:spcPct val="90000"/>
+            </a:lnSpc>
+            <a:spcBef>
+              <a:spcPct val="0"/>
+            </a:spcBef>
+            <a:spcAft>
+              <a:spcPct val="35000"/>
+            </a:spcAft>
+            <a:buNone/>
+          </a:pPr>
+          <a:r>
+            <a:rPr lang="en-US" sz="1200" kern="1200" dirty="0"/>
+            <a:t>Resource 1</a:t>
+          </a:r>
+          <a:endParaRPr lang="es-MX" sz="1200" kern="1200" dirty="0"/>
+        </a:p>
+      </dsp:txBody>
+      <dsp:txXfrm>
+        <a:off x="557878" y="1108765"/>
+        <a:ext cx="939189" cy="588199"/>
+      </dsp:txXfrm>
+    </dsp:sp>
+    <dsp:sp modelId="{98D7A02C-6427-4F53-BD0E-A76DB9FC79A6}">
+      <dsp:nvSpPr>
+        <dsp:cNvPr id="0" name=""/>
+        <dsp:cNvSpPr/>
+      </dsp:nvSpPr>
+      <dsp:spPr>
+        <a:xfrm>
+          <a:off x="1027473" y="326040"/>
+          <a:ext cx="2153650" cy="2153650"/>
+        </a:xfrm>
+        <a:custGeom>
+          <a:avLst/>
+          <a:gdLst/>
+          <a:ahLst/>
+          <a:cxnLst/>
+          <a:rect l="0" t="0" r="0" b="0"/>
+          <a:pathLst>
+            <a:path>
+              <a:moveTo>
+                <a:pt x="111632" y="599378"/>
+              </a:moveTo>
+              <a:arcTo wR="1076825" hR="1076825" stAng="12379199" swAng="1633569"/>
+            </a:path>
+          </a:pathLst>
+        </a:custGeom>
+        <a:noFill/>
+        <a:ln w="9525" cap="rnd" cmpd="sng" algn="ctr">
+          <a:solidFill>
+            <a:schemeClr val="accent1">
+              <a:hueOff val="0"/>
+              <a:satOff val="0"/>
+              <a:lumOff val="0"/>
+              <a:alphaOff val="0"/>
+            </a:schemeClr>
+          </a:solidFill>
+          <a:prstDash val="solid"/>
+          <a:tailEnd type="arrow"/>
+        </a:ln>
+        <a:effectLst/>
+      </dsp:spPr>
+      <dsp:style>
+        <a:lnRef idx="1">
+          <a:scrgbClr r="0" g="0" b="0"/>
+        </a:lnRef>
+        <a:fillRef idx="0">
+          <a:scrgbClr r="0" g="0" b="0"/>
+        </a:fillRef>
+        <a:effectRef idx="0">
+          <a:scrgbClr r="0" g="0" b="0"/>
+        </a:effectRef>
+        <a:fontRef idx="minor"/>
+      </dsp:style>
+    </dsp:sp>
+  </dsp:spTree>
+</dsp:drawing>
+</file>
+
+<file path=ppt/diagrams/layout1.xml><?xml version="1.0" encoding="utf-8"?>
+<dgm:layoutDef xmlns:dgm="http://schemas.openxmlformats.org/drawingml/2006/diagram" xmlns:a="http://schemas.openxmlformats.org/drawingml/2006/main" uniqueId="urn:microsoft.com/office/officeart/2005/8/layout/cycle5">
+  <dgm:title val=""/>
+  <dgm:desc val=""/>
+  <dgm:catLst>
+    <dgm:cat type="cycle" pri="3000"/>
+  </dgm:catLst>
+  <dgm:sampData>
+    <dgm:dataModel>
+      <dgm:ptLst>
+        <dgm:pt modelId="0" type="doc"/>
+        <dgm:pt modelId="1">
+          <dgm:prSet phldr="1"/>
+        </dgm:pt>
+        <dgm:pt modelId="2">
+          <dgm:prSet phldr="1"/>
+        </dgm:pt>
+        <dgm:pt modelId="3">
+          <dgm:prSet phldr="1"/>
+        </dgm:pt>
+        <dgm:pt modelId="4">
+          <dgm:prSet phldr="1"/>
+        </dgm:pt>
+        <dgm:pt modelId="5">
+          <dgm:prSet phldr="1"/>
+        </dgm:pt>
+      </dgm:ptLst>
+      <dgm:cxnLst>
+        <dgm:cxn modelId="6" srcId="0" destId="1" srcOrd="0" destOrd="0"/>
+        <dgm:cxn modelId="7" srcId="0" destId="2" srcOrd="1" destOrd="0"/>
+        <dgm:cxn modelId="8" srcId="0" destId="3" srcOrd="2" destOrd="0"/>
+        <dgm:cxn modelId="9" srcId="0" destId="4" srcOrd="3" destOrd="0"/>
+        <dgm:cxn modelId="10" srcId="0" destId="5" srcOrd="4" destOrd="0"/>
+      </dgm:cxnLst>
+      <dgm:bg/>
+      <dgm:whole/>
+    </dgm:dataModel>
+  </dgm:sampData>
+  <dgm:styleData>
+    <dgm:dataModel>
+      <dgm:ptLst>
+        <dgm:pt modelId="0" type="doc"/>
+        <dgm:pt modelId="1"/>
+        <dgm:pt modelId="2"/>
+        <dgm:pt modelId="3"/>
+      </dgm:ptLst>
+      <dgm:cxnLst>
+        <dgm:cxn modelId="4" srcId="0" destId="1" srcOrd="0" destOrd="0"/>
+        <dgm:cxn modelId="5" srcId="0" destId="2" srcOrd="1" destOrd="0"/>
+        <dgm:cxn modelId="6" srcId="0" destId="3" srcOrd="2" destOrd="0"/>
+      </dgm:cxnLst>
+      <dgm:bg/>
+      <dgm:whole/>
+    </dgm:dataModel>
+  </dgm:styleData>
+  <dgm:clrData>
+    <dgm:dataModel>
+      <dgm:ptLst>
+        <dgm:pt modelId="0" type="doc"/>
+        <dgm:pt modelId="1"/>
+        <dgm:pt modelId="2"/>
+        <dgm:pt modelId="3"/>
+        <dgm:pt modelId="4"/>
+        <dgm:pt modelId="5"/>
+        <dgm:pt modelId="6"/>
+      </dgm:ptLst>
+      <dgm:cxnLst>
+        <dgm:cxn modelId="7" srcId="0" destId="1" srcOrd="0" destOrd="0"/>
+        <dgm:cxn modelId="8" srcId="0" destId="2" srcOrd="1" destOrd="0"/>
+        <dgm:cxn modelId="9" srcId="0" destId="3" srcOrd="2" destOrd="0"/>
+        <dgm:cxn modelId="10" srcId="0" destId="4" srcOrd="3" destOrd="0"/>
+        <dgm:cxn modelId="11" srcId="0" destId="5" srcOrd="4" destOrd="0"/>
+        <dgm:cxn modelId="12" srcId="0" destId="6" srcOrd="5" destOrd="0"/>
+      </dgm:cxnLst>
+      <dgm:bg/>
+      <dgm:whole/>
+    </dgm:dataModel>
+  </dgm:clrData>
+  <dgm:layoutNode name="cycle">
+    <dgm:varLst>
+      <dgm:dir/>
+      <dgm:resizeHandles val="exact"/>
+    </dgm:varLst>
+    <dgm:choose name="Name0">
+      <dgm:if name="Name1" func="var" arg="dir" op="equ" val="norm">
+        <dgm:choose name="Name2">
+          <dgm:if name="Name3" axis="ch" ptType="node" func="cnt" op="gt" val="2">
+            <dgm:alg type="cycle">
+              <dgm:param type="stAng" val="0"/>
+              <dgm:param type="spanAng" val="360"/>
+            </dgm:alg>
+          </dgm:if>
+          <dgm:else name="Name4">
+            <dgm:alg type="cycle">
+              <dgm:param type="stAng" val="-90"/>
+              <dgm:param type="spanAng" val="360"/>
+            </dgm:alg>
+          </dgm:else>
+        </dgm:choose>
+      </dgm:if>
+      <dgm:else name="Name5">
+        <dgm:choose name="Name6">
+          <dgm:if name="Name7" axis="ch" ptType="node" func="cnt" op="gt" val="2">
+            <dgm:alg type="cycle">
+              <dgm:param type="stAng" val="0"/>
+              <dgm:param type="spanAng" val="-360"/>
+            </dgm:alg>
+          </dgm:if>
+          <dgm:else name="Name8">
+            <dgm:alg type="cycle">
+              <dgm:param type="stAng" val="90"/>
+              <dgm:param type="spanAng" val="-360"/>
+            </dgm:alg>
+          </dgm:else>
+        </dgm:choose>
+      </dgm:else>
+    </dgm:choose>
+    <dgm:shape xmlns:r="http://schemas.openxmlformats.org/officeDocument/2006/relationships" r:blip="">
+      <dgm:adjLst/>
+    </dgm:shape>
+    <dgm:presOf/>
+    <dgm:choose name="Name9">
+      <dgm:if name="Name10" func="var" arg="dir" op="equ" val="norm">
+        <dgm:constrLst>
+          <dgm:constr type="w" for="ch" forName="node" refType="w"/>
+          <dgm:constr type="w" for="ch" ptType="sibTrans" refType="w" refFor="ch" refForName="node" op="equ" fact="0.3"/>
+          <dgm:constr type="diam" for="ch" ptType="sibTrans" refType="diam" op="equ"/>
+          <dgm:constr type="sibSp" refType="w" refFor="ch" refForName="node" op="equ" fact="0.15"/>
+          <dgm:constr type="w" for="ch" forName="spNode" refType="sibSp" fact="1.6"/>
+          <dgm:constr type="primFontSz" for="ch" forName="node" op="equ" val="65"/>
+        </dgm:constrLst>
+      </dgm:if>
+      <dgm:else name="Name11">
+        <dgm:constrLst>
+          <dgm:constr type="w" for="ch" forName="node" refType="w"/>
+          <dgm:constr type="w" for="ch" ptType="sibTrans" refType="w" refFor="ch" refForName="node" op="equ" fact="0.3"/>
+          <dgm:constr type="diam" for="ch" ptType="sibTrans" refType="diam" fact="-1"/>
+          <dgm:constr type="diam" for="ch" refType="diam" op="equ" fact="-1"/>
+          <dgm:constr type="sibSp" refType="w" refFor="ch" refForName="node" op="equ" fact="0.15"/>
+          <dgm:constr type="w" for="ch" forName="spNode" refType="sibSp" fact="1.6"/>
+          <dgm:constr type="primFontSz" for="ch" forName="node" op="equ" val="65"/>
+        </dgm:constrLst>
+      </dgm:else>
+    </dgm:choose>
+    <dgm:ruleLst/>
+    <dgm:forEach name="Name12" axis="ch" ptType="node">
+      <dgm:layoutNode name="node">
+        <dgm:varLst>
+          <dgm:bulletEnabled val="1"/>
+        </dgm:varLst>
+        <dgm:alg type="tx"/>
+        <dgm:shape xmlns:r="http://schemas.openxmlformats.org/officeDocument/2006/relationships" type="roundRect" r:blip="">
+          <dgm:adjLst/>
+        </dgm:shape>
+        <dgm:presOf axis="desOrSelf" ptType="node"/>
+        <dgm:constrLst>
+          <dgm:constr type="h" refType="w" fact="0.65"/>
+          <dgm:constr type="tMarg" refType="primFontSz" fact="0.3"/>
+          <dgm:constr type="bMarg" refType="primFontSz" fact="0.3"/>
+          <dgm:constr type="lMarg" refType="primFontSz" fact="0.3"/>
+          <dgm:constr type="rMarg" refType="primFontSz" fact="0.3"/>
+        </dgm:constrLst>
+        <dgm:ruleLst>
+          <dgm:rule type="primFontSz" val="5" fact="NaN" max="NaN"/>
+        </dgm:ruleLst>
+      </dgm:layoutNode>
+      <dgm:choose name="Name13">
+        <dgm:if name="Name14" axis="par ch" ptType="doc node" func="cnt" op="gt" val="1">
+          <dgm:layoutNode name="spNode">
+            <dgm:alg type="sp"/>
+            <dgm:shape xmlns:r="http://schemas.openxmlformats.org/officeDocument/2006/relationships" r:blip="">
+              <dgm:adjLst/>
+            </dgm:shape>
+            <dgm:presOf/>
+            <dgm:constrLst>
+              <dgm:constr type="h" refType="w"/>
+            </dgm:constrLst>
+            <dgm:ruleLst/>
+          </dgm:layoutNode>
+          <dgm:forEach name="Name15" axis="followSib" ptType="sibTrans" hideLastTrans="0" cnt="1">
+            <dgm:layoutNode name="sibTrans">
+              <dgm:alg type="conn">
+                <dgm:param type="dim" val="1D"/>
+                <dgm:param type="connRout" val="curve"/>
+                <dgm:param type="begPts" val="radial"/>
+                <dgm:param type="endPts" val="radial"/>
+              </dgm:alg>
+              <dgm:shape xmlns:r="http://schemas.openxmlformats.org/officeDocument/2006/relationships" type="conn" r:blip="">
+                <dgm:adjLst/>
+              </dgm:shape>
+              <dgm:presOf axis="self"/>
+              <dgm:constrLst>
+                <dgm:constr type="h" refType="w" fact="0.65"/>
+                <dgm:constr type="connDist"/>
+                <dgm:constr type="begPad" refType="connDist" fact="0.2"/>
+                <dgm:constr type="endPad" refType="connDist" fact="0.2"/>
+              </dgm:constrLst>
+              <dgm:ruleLst/>
+            </dgm:layoutNode>
+          </dgm:forEach>
+        </dgm:if>
+        <dgm:else name="Name16"/>
+      </dgm:choose>
+    </dgm:forEach>
+  </dgm:layoutNode>
+</dgm:layoutDef>
+</file>
+
+<file path=ppt/diagrams/quickStyle1.xml><?xml version="1.0" encoding="utf-8"?>
+<dgm:styleDef xmlns:dgm="http://schemas.openxmlformats.org/drawingml/2006/diagram" xmlns:a="http://schemas.openxmlformats.org/drawingml/2006/main" uniqueId="urn:microsoft.com/office/officeart/2005/8/quickstyle/simple1">
+  <dgm:title val=""/>
+  <dgm:desc val=""/>
+  <dgm:catLst>
+    <dgm:cat type="simple" pri="10100"/>
+  </dgm:catLst>
+  <dgm:scene3d>
+    <a:camera prst="orthographicFront"/>
+    <a:lightRig rig="threePt" dir="t"/>
+  </dgm:scene3d>
+  <dgm:styleLbl name="node0">
+    <dgm:scene3d>
+      <a:camera prst="orthographicFront"/>
+      <a:lightRig rig="threePt" dir="t"/>
+    </dgm:scene3d>
+    <dgm:sp3d/>
+    <dgm:txPr/>
+    <dgm:style>
+      <a:lnRef idx="2">
+        <a:scrgbClr r="0" g="0" b="0"/>
+      </a:lnRef>
+      <a:fillRef idx="1">
+        <a:scrgbClr r="0" g="0" b="0"/>
+      </a:fillRef>
+      <a:effectRef idx="0">
+        <a:scrgbClr r="0" g="0" b="0"/>
+      </a:effectRef>
+      <a:fontRef idx="minor">
+        <a:schemeClr val="lt1"/>
+      </a:fontRef>
+    </dgm:style>
+  </dgm:styleLbl>
+  <dgm:styleLbl name="lnNode1">
+    <dgm:scene3d>
+      <a:camera prst="orthographicFront"/>
+      <a:lightRig rig="threePt" dir="t"/>
+    </dgm:scene3d>
+    <dgm:sp3d/>
+    <dgm:txPr/>
+    <dgm:style>
+      <a:lnRef idx="2">
+        <a:scrgbClr r="0" g="0" b="0"/>
+      </a:lnRef>
+      <a:fillRef idx="1">
+        <a:scrgbClr r="0" g="0" b="0"/>
+      </a:fillRef>
+      <a:effectRef idx="0">
+        <a:scrgbClr r="0" g="0" b="0"/>
+      </a:effectRef>
+      <a:fontRef idx="minor">
+        <a:schemeClr val="lt1"/>
+      </a:fontRef>
+    </dgm:style>
+  </dgm:styleLbl>
+  <dgm:styleLbl name="vennNode1">
+    <dgm:scene3d>
+      <a:camera prst="orthographicFront"/>
+      <a:lightRig rig="threePt" dir="t"/>
+    </dgm:scene3d>
+    <dgm:sp3d/>
+    <dgm:txPr/>
+    <dgm:style>
+      <a:lnRef idx="2">
+        <a:scrgbClr r="0" g="0" b="0"/>
+      </a:lnRef>
+      <a:fillRef idx="1">
+        <a:scrgbClr r="0" g="0" b="0"/>
+      </a:fillRef>
+      <a:effectRef idx="0">
+        <a:scrgbClr r="0" g="0" b="0"/>
+      </a:effectRef>
+      <a:fontRef idx="minor">
+        <a:schemeClr val="tx1"/>
+      </a:fontRef>
+    </dgm:style>
+  </dgm:styleLbl>
+  <dgm:styleLbl name="alignNode1">
+    <dgm:scene3d>
+      <a:camera prst="orthographicFront"/>
+      <a:lightRig rig="threePt" dir="t"/>
+    </dgm:scene3d>
+    <dgm:sp3d/>
+    <dgm:txPr/>
+    <dgm:style>
+      <a:lnRef idx="2">
+        <a:scrgbClr r="0" g="0" b="0"/>
+      </a:lnRef>
+      <a:fillRef idx="1">
+        <a:scrgbClr r="0" g="0" b="0"/>
+      </a:fillRef>
+      <a:effectRef idx="0">
+        <a:scrgbClr r="0" g="0" b="0"/>
+      </a:effectRef>
+      <a:fontRef idx="minor">
+        <a:schemeClr val="lt1"/>
+      </a:fontRef>
+    </dgm:style>
+  </dgm:styleLbl>
+  <dgm:styleLbl name="node1">
+    <dgm:scene3d>
+      <a:camera prst="orthographicFront"/>
+      <a:lightRig rig="threePt" dir="t"/>
+    </dgm:scene3d>
+    <dgm:sp3d/>
+    <dgm:txPr/>
+    <dgm:style>
+      <a:lnRef idx="2">
+        <a:scrgbClr r="0" g="0" b="0"/>
+      </a:lnRef>
+      <a:fillRef idx="1">
+        <a:scrgbClr r="0" g="0" b="0"/>
+      </a:fillRef>
+      <a:effectRef idx="0">
+        <a:scrgbClr r="0" g="0" b="0"/>
+      </a:effectRef>
+      <a:fontRef idx="minor">
+        <a:schemeClr val="lt1"/>
+      </a:fontRef>
+    </dgm:style>
+  </dgm:styleLbl>
+  <dgm:styleLbl name="node2">
+    <dgm:scene3d>
+      <a:camera prst="orthographicFront"/>
+      <a:lightRig rig="threePt" dir="t"/>
+    </dgm:scene3d>
+    <dgm:sp3d/>
+    <dgm:txPr/>
+    <dgm:style>
+      <a:lnRef idx="2">
+        <a:scrgbClr r="0" g="0" b="0"/>
+      </a:lnRef>
+      <a:fillRef idx="1">
+        <a:scrgbClr r="0" g="0" b="0"/>
+      </a:fillRef>
+      <a:effectRef idx="0">
+        <a:scrgbClr r="0" g="0" b="0"/>
+      </a:effectRef>
+      <a:fontRef idx="minor">
+        <a:schemeClr val="lt1"/>
+      </a:fontRef>
+    </dgm:style>
+  </dgm:styleLbl>
+  <dgm:styleLbl name="node3">
+    <dgm:scene3d>
+      <a:camera prst="orthographicFront"/>
+      <a:lightRig rig="threePt" dir="t"/>
+    </dgm:scene3d>
+    <dgm:sp3d/>
+    <dgm:txPr/>
+    <dgm:style>
+      <a:lnRef idx="2">
+        <a:scrgbClr r="0" g="0" b="0"/>
+      </a:lnRef>
+      <a:fillRef idx="1">
+        <a:scrgbClr r="0" g="0" b="0"/>
+      </a:fillRef>
+      <a:effectRef idx="0">
+        <a:scrgbClr r="0" g="0" b="0"/>
+      </a:effectRef>
+      <a:fontRef idx="minor">
+        <a:schemeClr val="lt1"/>
+      </a:fontRef>
+    </dgm:style>
+  </dgm:styleLbl>
+  <dgm:styleLbl name="node4">
+    <dgm:scene3d>
+      <a:camera prst="orthographicFront"/>
+      <a:lightRig rig="threePt" dir="t"/>
+    </dgm:scene3d>
+    <dgm:sp3d/>
+    <dgm:txPr/>
+    <dgm:style>
+      <a:lnRef idx="2">
+        <a:scrgbClr r="0" g="0" b="0"/>
+      </a:lnRef>
+      <a:fillRef idx="1">
+        <a:scrgbClr r="0" g="0" b="0"/>
+      </a:fillRef>
+      <a:effectRef idx="0">
+        <a:scrgbClr r="0" g="0" b="0"/>
+      </a:effectRef>
+      <a:fontRef idx="minor">
+        <a:schemeClr val="lt1"/>
+      </a:fontRef>
+    </dgm:style>
+  </dgm:styleLbl>
+  <dgm:styleLbl name="fgImgPlace1">
+    <dgm:scene3d>
+      <a:camera prst="orthographicFront"/>
+      <a:lightRig rig="threePt" dir="t"/>
+    </dgm:scene3d>
+    <dgm:sp3d/>
+    <dgm:txPr/>
+    <dgm:style>
+      <a:lnRef idx="2">
+        <a:scrgbClr r="0" g="0" b="0"/>
+      </a:lnRef>
+      <a:fillRef idx="1">
+        <a:scrgbClr r="0" g="0" b="0"/>
+      </a:fillRef>
+      <a:effectRef idx="0">
+        <a:scrgbClr r="0" g="0" b="0"/>
+      </a:effectRef>
+      <a:fontRef idx="minor"/>
+    </dgm:style>
+  </dgm:styleLbl>
+  <dgm:styleLbl name="alignImgPlace1">
+    <dgm:scene3d>
+      <a:camera prst="orthographicFront"/>
+      <a:lightRig rig="threePt" dir="t"/>
+    </dgm:scene3d>
+    <dgm:sp3d/>
+    <dgm:txPr/>
+    <dgm:style>
+      <a:lnRef idx="2">
+        <a:scrgbClr r="0" g="0" b="0"/>
+      </a:lnRef>
+      <a:fillRef idx="1">
+        <a:scrgbClr r="0" g="0" b="0"/>
+      </a:fillRef>
+      <a:effectRef idx="0">
+        <a:scrgbClr r="0" g="0" b="0"/>
+      </a:effectRef>
+      <a:fontRef idx="minor"/>
+    </dgm:style>
+  </dgm:styleLbl>
+  <dgm:styleLbl name="bgImgPlace1">
+    <dgm:scene3d>
+      <a:camera prst="orthographicFront"/>
+      <a:lightRig rig="threePt" dir="t"/>
+    </dgm:scene3d>
+    <dgm:sp3d/>
+    <dgm:txPr/>
+    <dgm:style>
+      <a:lnRef idx="2">
+        <a:scrgbClr r="0" g="0" b="0"/>
+      </a:lnRef>
+      <a:fillRef idx="1">
+        <a:scrgbClr r="0" g="0" b="0"/>
+      </a:fillRef>
+      <a:effectRef idx="0">
+        <a:scrgbClr r="0" g="0" b="0"/>
+      </a:effectRef>
+      <a:fontRef idx="minor"/>
+    </dgm:style>
+  </dgm:styleLbl>
+  <dgm:styleLbl name="sibTrans2D1">
+    <dgm:scene3d>
+      <a:camera prst="orthographicFront"/>
+      <a:lightRig rig="threePt" dir="t"/>
+    </dgm:scene3d>
+    <dgm:sp3d/>
+    <dgm:txPr/>
+    <dgm:style>
+      <a:lnRef idx="0">
+        <a:scrgbClr r="0" g="0" b="0"/>
+      </a:lnRef>
+      <a:fillRef idx="1">
+        <a:scrgbClr r="0" g="0" b="0"/>
+      </a:fillRef>
+      <a:effectRef idx="0">
+        <a:scrgbClr r="0" g="0" b="0"/>
+      </a:effectRef>
+      <a:fontRef idx="minor">
+        <a:schemeClr val="lt1"/>
+      </a:fontRef>
+    </dgm:style>
+  </dgm:styleLbl>
+  <dgm:styleLbl name="fgSibTrans2D1">
+    <dgm:scene3d>
+      <a:camera prst="orthographicFront"/>
+      <a:lightRig rig="threePt" dir="t"/>
+    </dgm:scene3d>
+    <dgm:sp3d/>
+    <dgm:txPr/>
+    <dgm:style>
+      <a:lnRef idx="0">
+        <a:scrgbClr r="0" g="0" b="0"/>
+      </a:lnRef>
+      <a:fillRef idx="1">
+        <a:scrgbClr r="0" g="0" b="0"/>
+      </a:fillRef>
+      <a:effectRef idx="0">
+        <a:scrgbClr r="0" g="0" b="0"/>
+      </a:effectRef>
+      <a:fontRef idx="minor">
+        <a:schemeClr val="lt1"/>
+      </a:fontRef>
+    </dgm:style>
+  </dgm:styleLbl>
+  <dgm:styleLbl name="bgSibTrans2D1">
+    <dgm:scene3d>
+      <a:camera prst="orthographicFront"/>
+      <a:lightRig rig="threePt" dir="t"/>
+    </dgm:scene3d>
+    <dgm:sp3d/>
+    <dgm:txPr/>
+    <dgm:style>
+      <a:lnRef idx="0">
+        <a:scrgbClr r="0" g="0" b="0"/>
+      </a:lnRef>
+      <a:fillRef idx="1">
+        <a:scrgbClr r="0" g="0" b="0"/>
+      </a:fillRef>
+      <a:effectRef idx="0">
+        <a:scrgbClr r="0" g="0" b="0"/>
+      </a:effectRef>
+      <a:fontRef idx="minor">
+        <a:schemeClr val="lt1"/>
+      </a:fontRef>
+    </dgm:style>
+  </dgm:styleLbl>
+  <dgm:styleLbl name="sibTrans1D1">
+    <dgm:scene3d>
+      <a:camera prst="orthographicFront"/>
+      <a:lightRig rig="threePt" dir="t"/>
+    </dgm:scene3d>
+    <dgm:sp3d/>
+    <dgm:txPr/>
+    <dgm:style>
+      <a:lnRef idx="1">
+        <a:scrgbClr r="0" g="0" b="0"/>
+      </a:lnRef>
+      <a:fillRef idx="0">
+        <a:scrgbClr r="0" g="0" b="0"/>
+      </a:fillRef>
+      <a:effectRef idx="0">
+        <a:scrgbClr r="0" g="0" b="0"/>
+      </a:effectRef>
+      <a:fontRef idx="minor"/>
+    </dgm:style>
+  </dgm:styleLbl>
+  <dgm:styleLbl name="callout">
+    <dgm:scene3d>
+      <a:camera prst="orthographicFront"/>
+      <a:lightRig rig="threePt" dir="t"/>
+    </dgm:scene3d>
+    <dgm:sp3d/>
+    <dgm:txPr/>
+    <dgm:style>
+      <a:lnRef idx="2">
+        <a:scrgbClr r="0" g="0" b="0"/>
+      </a:lnRef>
+      <a:fillRef idx="1">
+        <a:scrgbClr r="0" g="0" b="0"/>
+      </a:fillRef>
+      <a:effectRef idx="0">
+        <a:scrgbClr r="0" g="0" b="0"/>
+      </a:effectRef>
+      <a:fontRef idx="minor"/>
+    </dgm:style>
+  </dgm:styleLbl>
+  <dgm:styleLbl name="asst0">
+    <dgm:scene3d>
+      <a:camera prst="orthographicFront"/>
+      <a:lightRig rig="threePt" dir="t"/>
+    </dgm:scene3d>
+    <dgm:sp3d/>
+    <dgm:txPr/>
+    <dgm:style>
+      <a:lnRef idx="2">
+        <a:scrgbClr r="0" g="0" b="0"/>
+      </a:lnRef>
+      <a:fillRef idx="1">
+        <a:scrgbClr r="0" g="0" b="0"/>
+      </a:fillRef>
+      <a:effectRef idx="0">
+        <a:scrgbClr r="0" g="0" b="0"/>
+      </a:effectRef>
+      <a:fontRef idx="minor">
+        <a:schemeClr val="lt1"/>
+      </a:fontRef>
+    </dgm:style>
+  </dgm:styleLbl>
+  <dgm:styleLbl name="asst1">
+    <dgm:scene3d>
+      <a:camera prst="orthographicFront"/>
+      <a:lightRig rig="threePt" dir="t"/>
+    </dgm:scene3d>
+    <dgm:sp3d/>
+    <dgm:txPr/>
+    <dgm:style>
+      <a:lnRef idx="2">
+        <a:scrgbClr r="0" g="0" b="0"/>
+      </a:lnRef>
+      <a:fillRef idx="1">
+        <a:scrgbClr r="0" g="0" b="0"/>
+      </a:fillRef>
+      <a:effectRef idx="0">
+        <a:scrgbClr r="0" g="0" b="0"/>
+      </a:effectRef>
+      <a:fontRef idx="minor">
+        <a:schemeClr val="lt1"/>
+      </a:fontRef>
+    </dgm:style>
+  </dgm:styleLbl>
+  <dgm:styleLbl name="asst2">
+    <dgm:scene3d>
+      <a:camera prst="orthographicFront"/>
+      <a:lightRig rig="threePt" dir="t"/>
+    </dgm:scene3d>
+    <dgm:sp3d/>
+    <dgm:txPr/>
+    <dgm:style>
+      <a:lnRef idx="2">
+        <a:scrgbClr r="0" g="0" b="0"/>
+      </a:lnRef>
+      <a:fillRef idx="1">
+        <a:scrgbClr r="0" g="0" b="0"/>
+      </a:fillRef>
+      <a:effectRef idx="0">
+        <a:scrgbClr r="0" g="0" b="0"/>
+      </a:effectRef>
+      <a:fontRef idx="minor">
+        <a:schemeClr val="lt1"/>
+      </a:fontRef>
+    </dgm:style>
+  </dgm:styleLbl>
+  <dgm:styleLbl name="asst3">
+    <dgm:scene3d>
+      <a:camera prst="orthographicFront"/>
+      <a:lightRig rig="threePt" dir="t"/>
+    </dgm:scene3d>
+    <dgm:sp3d/>
+    <dgm:txPr/>
+    <dgm:style>
+      <a:lnRef idx="2">
+        <a:scrgbClr r="0" g="0" b="0"/>
+      </a:lnRef>
+      <a:fillRef idx="1">
+        <a:scrgbClr r="0" g="0" b="0"/>
+      </a:fillRef>
+      <a:effectRef idx="0">
+        <a:scrgbClr r="0" g="0" b="0"/>
+      </a:effectRef>
+      <a:fontRef idx="minor">
+        <a:schemeClr val="lt1"/>
+      </a:fontRef>
+    </dgm:style>
+  </dgm:styleLbl>
+  <dgm:styleLbl name="asst4">
+    <dgm:scene3d>
+      <a:camera prst="orthographicFront"/>
+      <a:lightRig rig="threePt" dir="t"/>
+    </dgm:scene3d>
+    <dgm:sp3d/>
+    <dgm:txPr/>
+    <dgm:style>
+      <a:lnRef idx="2">
+        <a:scrgbClr r="0" g="0" b="0"/>
+      </a:lnRef>
+      <a:fillRef idx="1">
+        <a:scrgbClr r="0" g="0" b="0"/>
+      </a:fillRef>
+      <a:effectRef idx="0">
+        <a:scrgbClr r="0" g="0" b="0"/>
+      </a:effectRef>
+      <a:fontRef idx="minor">
+        <a:schemeClr val="lt1"/>
+      </a:fontRef>
+    </dgm:style>
+  </dgm:styleLbl>
+  <dgm:styleLbl name="parChTrans2D1">
+    <dgm:scene3d>
+      <a:camera prst="orthographicFront"/>
+      <a:lightRig rig="threePt" dir="t"/>
+    </dgm:scene3d>
+    <dgm:sp3d/>
+    <dgm:txPr/>
+    <dgm:style>
+      <a:lnRef idx="2">
+        <a:scrgbClr r="0" g="0" b="0"/>
+      </a:lnRef>
+      <a:fillRef idx="1">
+        <a:scrgbClr r="0" g="0" b="0"/>
+      </a:fillRef>
+      <a:effectRef idx="0">
+        <a:scrgbClr r="0" g="0" b="0"/>
+      </a:effectRef>
+      <a:fontRef idx="minor">
+        <a:schemeClr val="lt1"/>
+      </a:fontRef>
+    </dgm:style>
+  </dgm:styleLbl>
+  <dgm:styleLbl name="parChTrans2D2">
+    <dgm:scene3d>
+      <a:camera prst="orthographicFront"/>
+      <a:lightRig rig="threePt" dir="t"/>
+    </dgm:scene3d>
+    <dgm:sp3d/>
+    <dgm:txPr/>
+    <dgm:style>
+      <a:lnRef idx="2">
+        <a:scrgbClr r="0" g="0" b="0"/>
+      </a:lnRef>
+      <a:fillRef idx="1">
+        <a:scrgbClr r="0" g="0" b="0"/>
+      </a:fillRef>
+      <a:effectRef idx="0">
+        <a:scrgbClr r="0" g="0" b="0"/>
+      </a:effectRef>
+      <a:fontRef idx="minor">
+        <a:schemeClr val="lt1"/>
+      </a:fontRef>
+    </dgm:style>
+  </dgm:styleLbl>
+  <dgm:styleLbl name="parChTrans2D3">
+    <dgm:scene3d>
+      <a:camera prst="orthographicFront"/>
+      <a:lightRig rig="threePt" dir="t"/>
+    </dgm:scene3d>
+    <dgm:sp3d/>
+    <dgm:txPr/>
+    <dgm:style>
+      <a:lnRef idx="2">
+        <a:scrgbClr r="0" g="0" b="0"/>
+      </a:lnRef>
+      <a:fillRef idx="1">
+        <a:scrgbClr r="0" g="0" b="0"/>
+      </a:fillRef>
+      <a:effectRef idx="0">
+        <a:scrgbClr r="0" g="0" b="0"/>
+      </a:effectRef>
+      <a:fontRef idx="minor">
+        <a:schemeClr val="lt1"/>
+      </a:fontRef>
+    </dgm:style>
+  </dgm:styleLbl>
+  <dgm:styleLbl name="parChTrans2D4">
+    <dgm:scene3d>
+      <a:camera prst="orthographicFront"/>
+      <a:lightRig rig="threePt" dir="t"/>
+    </dgm:scene3d>
+    <dgm:sp3d/>
+    <dgm:txPr/>
+    <dgm:style>
+      <a:lnRef idx="2">
+        <a:scrgbClr r="0" g="0" b="0"/>
+      </a:lnRef>
+      <a:fillRef idx="1">
+        <a:scrgbClr r="0" g="0" b="0"/>
+      </a:fillRef>
+      <a:effectRef idx="0">
+        <a:scrgbClr r="0" g="0" b="0"/>
+      </a:effectRef>
+      <a:fontRef idx="minor">
+        <a:schemeClr val="lt1"/>
+      </a:fontRef>
+    </dgm:style>
+  </dgm:styleLbl>
+  <dgm:styleLbl name="parChTrans1D1">
+    <dgm:scene3d>
+      <a:camera prst="orthographicFront"/>
+      <a:lightRig rig="threePt" dir="t"/>
+    </dgm:scene3d>
+    <dgm:sp3d/>
+    <dgm:txPr/>
+    <dgm:style>
+      <a:lnRef idx="2">
+        <a:scrgbClr r="0" g="0" b="0"/>
+      </a:lnRef>
+      <a:fillRef idx="0">
+        <a:scrgbClr r="0" g="0" b="0"/>
+      </a:fillRef>
+      <a:effectRef idx="0">
+        <a:scrgbClr r="0" g="0" b="0"/>
+      </a:effectRef>
+      <a:fontRef idx="minor"/>
+    </dgm:style>
+  </dgm:styleLbl>
+  <dgm:styleLbl name="parChTrans1D2">
+    <dgm:scene3d>
+      <a:camera prst="orthographicFront"/>
+      <a:lightRig rig="threePt" dir="t"/>
+    </dgm:scene3d>
+    <dgm:sp3d/>
+    <dgm:txPr/>
+    <dgm:style>
+      <a:lnRef idx="2">
+        <a:scrgbClr r="0" g="0" b="0"/>
+      </a:lnRef>
+      <a:fillRef idx="0">
+        <a:scrgbClr r="0" g="0" b="0"/>
+      </a:fillRef>
+      <a:effectRef idx="0">
+        <a:scrgbClr r="0" g="0" b="0"/>
+      </a:effectRef>
+      <a:fontRef idx="minor"/>
+    </dgm:style>
+  </dgm:styleLbl>
+  <dgm:styleLbl name="parChTrans1D3">
+    <dgm:scene3d>
+      <a:camera prst="orthographicFront"/>
+      <a:lightRig rig="threePt" dir="t"/>
+    </dgm:scene3d>
+    <dgm:sp3d/>
+    <dgm:txPr/>
+    <dgm:style>
+      <a:lnRef idx="2">
+        <a:scrgbClr r="0" g="0" b="0"/>
+      </a:lnRef>
+      <a:fillRef idx="0">
+        <a:scrgbClr r="0" g="0" b="0"/>
+      </a:fillRef>
+      <a:effectRef idx="0">
+        <a:scrgbClr r="0" g="0" b="0"/>
+      </a:effectRef>
+      <a:fontRef idx="minor"/>
+    </dgm:style>
+  </dgm:styleLbl>
+  <dgm:styleLbl name="parChTrans1D4">
+    <dgm:scene3d>
+      <a:camera prst="orthographicFront"/>
+      <a:lightRig rig="threePt" dir="t"/>
+    </dgm:scene3d>
+    <dgm:sp3d/>
+    <dgm:txPr/>
+    <dgm:style>
+      <a:lnRef idx="2">
+        <a:scrgbClr r="0" g="0" b="0"/>
+      </a:lnRef>
+      <a:fillRef idx="0">
+        <a:scrgbClr r="0" g="0" b="0"/>
+      </a:fillRef>
+      <a:effectRef idx="0">
+        <a:scrgbClr r="0" g="0" b="0"/>
+      </a:effectRef>
+      <a:fontRef idx="minor"/>
+    </dgm:style>
+  </dgm:styleLbl>
+  <dgm:styleLbl name="fgAcc1">
+    <dgm:scene3d>
+      <a:camera prst="orthographicFront"/>
+      <a:lightRig rig="threePt" dir="t"/>
+    </dgm:scene3d>
+    <dgm:sp3d/>
+    <dgm:txPr/>
+    <dgm:style>
+      <a:lnRef idx="2">
+        <a:scrgbClr r="0" g="0" b="0"/>
+      </a:lnRef>
+      <a:fillRef idx="1">
+        <a:scrgbClr r="0" g="0" b="0"/>
+      </a:fillRef>
+      <a:effectRef idx="0">
+        <a:scrgbClr r="0" g="0" b="0"/>
+      </a:effectRef>
+      <a:fontRef idx="minor"/>
+    </dgm:style>
+  </dgm:styleLbl>
+  <dgm:styleLbl name="conFgAcc1">
+    <dgm:scene3d>
+      <a:camera prst="orthographicFront"/>
+      <a:lightRig rig="threePt" dir="t"/>
+    </dgm:scene3d>
+    <dgm:sp3d/>
+    <dgm:txPr/>
+    <dgm:style>
+      <a:lnRef idx="2">
+        <a:scrgbClr r="0" g="0" b="0"/>
+      </a:lnRef>
+      <a:fillRef idx="1">
+        <a:scrgbClr r="0" g="0" b="0"/>
+      </a:fillRef>
+      <a:effectRef idx="0">
+        <a:scrgbClr r="0" g="0" b="0"/>
+      </a:effectRef>
+      <a:fontRef idx="minor"/>
+    </dgm:style>
+  </dgm:styleLbl>
+  <dgm:styleLbl name="alignAcc1">
+    <dgm:scene3d>
+      <a:camera prst="orthographicFront"/>
+      <a:lightRig rig="threePt" dir="t"/>
+    </dgm:scene3d>
+    <dgm:sp3d/>
+    <dgm:txPr/>
+    <dgm:style>
+      <a:lnRef idx="2">
+        <a:scrgbClr r="0" g="0" b="0"/>
+      </a:lnRef>
+      <a:fillRef idx="1">
+        <a:scrgbClr r="0" g="0" b="0"/>
+      </a:fillRef>
+      <a:effectRef idx="0">
+        <a:scrgbClr r="0" g="0" b="0"/>
+      </a:effectRef>
+      <a:fontRef idx="minor"/>
+    </dgm:style>
+  </dgm:styleLbl>
+  <dgm:styleLbl name="trAlignAcc1">
+    <dgm:scene3d>
+      <a:camera prst="orthographicFront"/>
+      <a:lightRig rig="threePt" dir="t"/>
+    </dgm:scene3d>
+    <dgm:sp3d/>
+    <dgm:txPr/>
+    <dgm:style>
+      <a:lnRef idx="1">
+        <a:scrgbClr r="0" g="0" b="0"/>
+      </a:lnRef>
+      <a:fillRef idx="1">
+        <a:scrgbClr r="0" g="0" b="0"/>
+      </a:fillRef>
+      <a:effectRef idx="0">
+        <a:scrgbClr r="0" g="0" b="0"/>
+      </a:effectRef>
+      <a:fontRef idx="minor"/>
+    </dgm:style>
+  </dgm:styleLbl>
+  <dgm:styleLbl name="bgAcc1">
+    <dgm:scene3d>
+      <a:camera prst="orthographicFront"/>
+      <a:lightRig rig="threePt" dir="t"/>
+    </dgm:scene3d>
+    <dgm:sp3d/>
+    <dgm:txPr/>
+    <dgm:style>
+      <a:lnRef idx="2">
+        <a:scrgbClr r="0" g="0" b="0"/>
+      </a:lnRef>
+      <a:fillRef idx="1">
+        <a:scrgbClr r="0" g="0" b="0"/>
+      </a:fillRef>
+      <a:effectRef idx="0">
+        <a:scrgbClr r="0" g="0" b="0"/>
+      </a:effectRef>
+      <a:fontRef idx="minor"/>
+    </dgm:style>
+  </dgm:styleLbl>
+  <dgm:styleLbl name="solidFgAcc1">
+    <dgm:scene3d>
+      <a:camera prst="orthographicFront"/>
+      <a:lightRig rig="threePt" dir="t"/>
+    </dgm:scene3d>
+    <dgm:sp3d/>
+    <dgm:txPr/>
+    <dgm:style>
+      <a:lnRef idx="2">
+        <a:scrgbClr r="0" g="0" b="0"/>
+      </a:lnRef>
+      <a:fillRef idx="1">
+        <a:scrgbClr r="0" g="0" b="0"/>
+      </a:fillRef>
+      <a:effectRef idx="0">
+        <a:scrgbClr r="0" g="0" b="0"/>
+      </a:effectRef>
+      <a:fontRef idx="minor"/>
+    </dgm:style>
+  </dgm:styleLbl>
+  <dgm:styleLbl name="solidAlignAcc1">
+    <dgm:scene3d>
+      <a:camera prst="orthographicFront"/>
+      <a:lightRig rig="threePt" dir="t"/>
+    </dgm:scene3d>
+    <dgm:sp3d/>
+    <dgm:txPr/>
+    <dgm:style>
+      <a:lnRef idx="2">
+        <a:scrgbClr r="0" g="0" b="0"/>
+      </a:lnRef>
+      <a:fillRef idx="1">
+        <a:scrgbClr r="0" g="0" b="0"/>
+      </a:fillRef>
+      <a:effectRef idx="0">
+        <a:scrgbClr r="0" g="0" b="0"/>
+      </a:effectRef>
+      <a:fontRef idx="minor"/>
+    </dgm:style>
+  </dgm:styleLbl>
+  <dgm:styleLbl name="solidBgAcc1">
+    <dgm:scene3d>
+      <a:camera prst="orthographicFront"/>
+      <a:lightRig rig="threePt" dir="t"/>
+    </dgm:scene3d>
+    <dgm:sp3d/>
+    <dgm:txPr/>
+    <dgm:style>
+      <a:lnRef idx="2">
+        <a:scrgbClr r="0" g="0" b="0"/>
+      </a:lnRef>
+      <a:fillRef idx="1">
+        <a:scrgbClr r="0" g="0" b="0"/>
+      </a:fillRef>
+      <a:effectRef idx="0">
+        <a:scrgbClr r="0" g="0" b="0"/>
+      </a:effectRef>
+      <a:fontRef idx="minor"/>
+    </dgm:style>
+  </dgm:styleLbl>
+  <dgm:styleLbl name="fgAccFollowNode1">
+    <dgm:scene3d>
+      <a:camera prst="orthographicFront"/>
+      <a:lightRig rig="threePt" dir="t"/>
+    </dgm:scene3d>
+    <dgm:sp3d/>
+    <dgm:txPr/>
+    <dgm:style>
+      <a:lnRef idx="2">
+        <a:scrgbClr r="0" g="0" b="0"/>
+      </a:lnRef>
+      <a:fillRef idx="1">
+        <a:scrgbClr r="0" g="0" b="0"/>
+      </a:fillRef>
+      <a:effectRef idx="0">
+        <a:scrgbClr r="0" g="0" b="0"/>
+      </a:effectRef>
+      <a:fontRef idx="minor"/>
+    </dgm:style>
+  </dgm:styleLbl>
+  <dgm:styleLbl name="alignAccFollowNode1">
+    <dgm:scene3d>
+      <a:camera prst="orthographicFront"/>
+      <a:lightRig rig="threePt" dir="t"/>
+    </dgm:scene3d>
+    <dgm:sp3d/>
+    <dgm:txPr/>
+    <dgm:style>
+      <a:lnRef idx="2">
+        <a:scrgbClr r="0" g="0" b="0"/>
+      </a:lnRef>
+      <a:fillRef idx="1">
+        <a:scrgbClr r="0" g="0" b="0"/>
+      </a:fillRef>
+      <a:effectRef idx="0">
+        <a:scrgbClr r="0" g="0" b="0"/>
+      </a:effectRef>
+      <a:fontRef idx="minor"/>
+    </dgm:style>
+  </dgm:styleLbl>
+  <dgm:styleLbl name="bgAccFollowNode1">
+    <dgm:scene3d>
+      <a:camera prst="orthographicFront"/>
+      <a:lightRig rig="threePt" dir="t"/>
+    </dgm:scene3d>
+    <dgm:sp3d/>
+    <dgm:txPr/>
+    <dgm:style>
+      <a:lnRef idx="2">
+        <a:scrgbClr r="0" g="0" b="0"/>
+      </a:lnRef>
+      <a:fillRef idx="1">
+        <a:scrgbClr r="0" g="0" b="0"/>
+      </a:fillRef>
+      <a:effectRef idx="0">
+        <a:scrgbClr r="0" g="0" b="0"/>
+      </a:effectRef>
+      <a:fontRef idx="minor"/>
+    </dgm:style>
+  </dgm:styleLbl>
+  <dgm:styleLbl name="fgAcc0">
+    <dgm:scene3d>
+      <a:camera prst="orthographicFront"/>
+      <a:lightRig rig="threePt" dir="t"/>
+    </dgm:scene3d>
+    <dgm:sp3d/>
+    <dgm:txPr/>
+    <dgm:style>
+      <a:lnRef idx="2">
+        <a:scrgbClr r="0" g="0" b="0"/>
+      </a:lnRef>
+      <a:fillRef idx="1">
+        <a:scrgbClr r="0" g="0" b="0"/>
+      </a:fillRef>
+      <a:effectRef idx="0">
+        <a:scrgbClr r="0" g="0" b="0"/>
+      </a:effectRef>
+      <a:fontRef idx="minor"/>
+    </dgm:style>
+  </dgm:styleLbl>
+  <dgm:styleLbl name="fgAcc2">
+    <dgm:scene3d>
+      <a:camera prst="orthographicFront"/>
+      <a:lightRig rig="threePt" dir="t"/>
+    </dgm:scene3d>
+    <dgm:sp3d/>
+    <dgm:txPr/>
+    <dgm:style>
+      <a:lnRef idx="2">
+        <a:scrgbClr r="0" g="0" b="0"/>
+      </a:lnRef>
+      <a:fillRef idx="1">
+        <a:scrgbClr r="0" g="0" b="0"/>
+      </a:fillRef>
+      <a:effectRef idx="0">
+        <a:scrgbClr r="0" g="0" b="0"/>
+      </a:effectRef>
+      <a:fontRef idx="minor"/>
+    </dgm:style>
+  </dgm:styleLbl>
+  <dgm:styleLbl name="fgAcc3">
+    <dgm:scene3d>
+      <a:camera prst="orthographicFront"/>
+      <a:lightRig rig="threePt" dir="t"/>
+    </dgm:scene3d>
+    <dgm:sp3d/>
+    <dgm:txPr/>
+    <dgm:style>
+      <a:lnRef idx="2">
+        <a:scrgbClr r="0" g="0" b="0"/>
+      </a:lnRef>
+      <a:fillRef idx="1">
+        <a:scrgbClr r="0" g="0" b="0"/>
+      </a:fillRef>
+      <a:effectRef idx="0">
+        <a:scrgbClr r="0" g="0" b="0"/>
+      </a:effectRef>
+      <a:fontRef idx="minor"/>
+    </dgm:style>
+  </dgm:styleLbl>
+  <dgm:styleLbl name="fgAcc4">
+    <dgm:scene3d>
+      <a:camera prst="orthographicFront"/>
+      <a:lightRig rig="threePt" dir="t"/>
+    </dgm:scene3d>
+    <dgm:sp3d/>
+    <dgm:txPr/>
+    <dgm:style>
+      <a:lnRef idx="2">
+        <a:scrgbClr r="0" g="0" b="0"/>
+      </a:lnRef>
+      <a:fillRef idx="1">
+        <a:scrgbClr r="0" g="0" b="0"/>
+      </a:fillRef>
+      <a:effectRef idx="0">
+        <a:scrgbClr r="0" g="0" b="0"/>
+      </a:effectRef>
+      <a:fontRef idx="minor"/>
+    </dgm:style>
+  </dgm:styleLbl>
+  <dgm:styleLbl name="bgShp">
+    <dgm:scene3d>
+      <a:camera prst="orthographicFront"/>
+      <a:lightRig rig="threePt" dir="t"/>
+    </dgm:scene3d>
+    <dgm:sp3d/>
+    <dgm:txPr/>
+    <dgm:style>
+      <a:lnRef idx="0">
+        <a:scrgbClr r="0" g="0" b="0"/>
+      </a:lnRef>
+      <a:fillRef idx="1">
+        <a:scrgbClr r="0" g="0" b="0"/>
+      </a:fillRef>
+      <a:effectRef idx="0">
+        <a:scrgbClr r="0" g="0" b="0"/>
+      </a:effectRef>
+      <a:fontRef idx="minor"/>
+    </dgm:style>
+  </dgm:styleLbl>
+  <dgm:styleLbl name="dkBgShp">
+    <dgm:scene3d>
+      <a:camera prst="orthographicFront"/>
+      <a:lightRig rig="threePt" dir="t"/>
+    </dgm:scene3d>
+    <dgm:sp3d/>
+    <dgm:txPr/>
+    <dgm:style>
+      <a:lnRef idx="0">
+        <a:scrgbClr r="0" g="0" b="0"/>
+      </a:lnRef>
+      <a:fillRef idx="1">
+        <a:scrgbClr r="0" g="0" b="0"/>
+      </a:fillRef>
+      <a:effectRef idx="0">
+        <a:scrgbClr r="0" g="0" b="0"/>
+      </a:effectRef>
+      <a:fontRef idx="minor"/>
+    </dgm:style>
+  </dgm:styleLbl>
+  <dgm:styleLbl name="trBgShp">
+    <dgm:scene3d>
+      <a:camera prst="orthographicFront"/>
+      <a:lightRig rig="threePt" dir="t"/>
+    </dgm:scene3d>
+    <dgm:sp3d/>
+    <dgm:txPr/>
+    <dgm:style>
+      <a:lnRef idx="0">
+        <a:scrgbClr r="0" g="0" b="0"/>
+      </a:lnRef>
+      <a:fillRef idx="1">
+        <a:scrgbClr r="0" g="0" b="0"/>
+      </a:fillRef>
+      <a:effectRef idx="0">
+        <a:scrgbClr r="0" g="0" b="0"/>
+      </a:effectRef>
+      <a:fontRef idx="minor"/>
+    </dgm:style>
+  </dgm:styleLbl>
+  <dgm:styleLbl name="fgShp">
+    <dgm:scene3d>
+      <a:camera prst="orthographicFront"/>
+      <a:lightRig rig="threePt" dir="t"/>
+    </dgm:scene3d>
+    <dgm:sp3d/>
+    <dgm:txPr/>
+    <dgm:style>
+      <a:lnRef idx="2">
+        <a:scrgbClr r="0" g="0" b="0"/>
+      </a:lnRef>
+      <a:fillRef idx="1">
+        <a:scrgbClr r="0" g="0" b="0"/>
+      </a:fillRef>
+      <a:effectRef idx="0">
+        <a:scrgbClr r="0" g="0" b="0"/>
+      </a:effectRef>
+      <a:fontRef idx="minor"/>
+    </dgm:style>
+  </dgm:styleLbl>
+  <dgm:styleLbl name="revTx">
+    <dgm:scene3d>
+      <a:camera prst="orthographicFront"/>
+      <a:lightRig rig="threePt" dir="t"/>
+    </dgm:scene3d>
+    <dgm:sp3d/>
+    <dgm:txPr/>
+    <dgm:style>
+      <a:lnRef idx="0">
+        <a:scrgbClr r="0" g="0" b="0"/>
+      </a:lnRef>
+      <a:fillRef idx="0">
+        <a:scrgbClr r="0" g="0" b="0"/>
+      </a:fillRef>
+      <a:effectRef idx="0">
+        <a:scrgbClr r="0" g="0" b="0"/>
+      </a:effectRef>
+      <a:fontRef idx="minor"/>
+    </dgm:style>
+  </dgm:styleLbl>
+</dgm:styleDef>
+</file>
+
 <file path=ppt/notesMasters/notesMaster1.xml><?xml version="1.0" encoding="utf-8"?>
 <p:notesMaster xmlns:a="http://schemas.openxmlformats.org/drawingml/2006/main" xmlns:r="http://schemas.openxmlformats.org/officeDocument/2006/relationships" xmlns:p="http://schemas.openxmlformats.org/presentationml/2006/main">
   <p:cSld>
@@ -572,7 +3391,7 @@
           <a:p>
             <a:fld id="{B71A931A-0B79-4098-AB6E-030871FDAEA4}" type="datetimeFigureOut">
               <a:rPr lang="es-MX" smtClean="0"/>
-              <a:t>29/06/2022</a:t>
+              <a:t>06/09/2022</a:t>
             </a:fld>
             <a:endParaRPr lang="es-MX"/>
           </a:p>
@@ -1026,7 +3845,7 @@
           <a:p>
             <a:fld id="{9EB384DE-2EFA-4E82-B27A-C2945118920A}" type="datetime1">
               <a:rPr lang="es-MX" smtClean="0"/>
-              <a:t>29/06/2022</a:t>
+              <a:t>06/09/2022</a:t>
             </a:fld>
             <a:endParaRPr lang="es-MX"/>
           </a:p>
@@ -1301,7 +4120,7 @@
           <a:p>
             <a:fld id="{F310FE04-A30A-47B7-8914-766571DBD731}" type="datetime1">
               <a:rPr lang="es-MX" smtClean="0"/>
-              <a:t>29/06/2022</a:t>
+              <a:t>06/09/2022</a:t>
             </a:fld>
             <a:endParaRPr lang="es-MX"/>
           </a:p>
@@ -1495,7 +4314,7 @@
           <a:p>
             <a:fld id="{E3F5F7B1-9DE1-448E-938A-C5C44875E503}" type="datetime1">
               <a:rPr lang="es-MX" smtClean="0"/>
-              <a:t>29/06/2022</a:t>
+              <a:t>06/09/2022</a:t>
             </a:fld>
             <a:endParaRPr lang="es-MX"/>
           </a:p>
@@ -1768,7 +4587,7 @@
           <a:p>
             <a:fld id="{5EE23002-E631-4EC6-84FC-C1B9034DF491}" type="datetime1">
               <a:rPr lang="es-MX" smtClean="0"/>
-              <a:t>29/06/2022</a:t>
+              <a:t>06/09/2022</a:t>
             </a:fld>
             <a:endParaRPr lang="es-MX"/>
           </a:p>
@@ -2109,7 +4928,7 @@
           <a:p>
             <a:fld id="{E3CA3697-D950-4D14-BF83-EF5B1ECB7A30}" type="datetime1">
               <a:rPr lang="es-MX" smtClean="0"/>
-              <a:t>29/06/2022</a:t>
+              <a:t>06/09/2022</a:t>
             </a:fld>
             <a:endParaRPr lang="es-MX"/>
           </a:p>
@@ -2732,7 +5551,7 @@
           <a:p>
             <a:fld id="{9C4E0E6B-DAFC-4B79-90CE-D3D3ECFBE4C2}" type="datetime1">
               <a:rPr lang="es-MX" smtClean="0"/>
-              <a:t>29/06/2022</a:t>
+              <a:t>06/09/2022</a:t>
             </a:fld>
             <a:endParaRPr lang="es-MX"/>
           </a:p>
@@ -3592,7 +6411,7 @@
           <a:p>
             <a:fld id="{DBF09B2B-AA34-46BA-A9E7-488C97881BDB}" type="datetime1">
               <a:rPr lang="es-MX" smtClean="0"/>
-              <a:t>29/06/2022</a:t>
+              <a:t>06/09/2022</a:t>
             </a:fld>
             <a:endParaRPr lang="es-MX"/>
           </a:p>
@@ -3762,7 +6581,7 @@
           <a:p>
             <a:fld id="{70F7DE5F-029E-42A6-B701-51772ED7D6ED}" type="datetime1">
               <a:rPr lang="es-MX" smtClean="0"/>
-              <a:t>29/06/2022</a:t>
+              <a:t>06/09/2022</a:t>
             </a:fld>
             <a:endParaRPr lang="es-MX"/>
           </a:p>
@@ -3942,7 +6761,7 @@
           <a:p>
             <a:fld id="{D1589D14-D0E4-4249-972F-753038C753F1}" type="datetime1">
               <a:rPr lang="es-MX" smtClean="0"/>
-              <a:t>29/06/2022</a:t>
+              <a:t>06/09/2022</a:t>
             </a:fld>
             <a:endParaRPr lang="es-MX"/>
           </a:p>
@@ -4112,7 +6931,7 @@
           <a:p>
             <a:fld id="{82846FB1-B46C-41CC-B967-AFC98DF0D710}" type="datetime1">
               <a:rPr lang="es-MX" smtClean="0"/>
-              <a:t>29/06/2022</a:t>
+              <a:t>06/09/2022</a:t>
             </a:fld>
             <a:endParaRPr lang="es-MX"/>
           </a:p>
@@ -4359,7 +7178,7 @@
           <a:p>
             <a:fld id="{7BB02440-77F9-446B-A778-B9F557749A52}" type="datetime1">
               <a:rPr lang="es-MX" smtClean="0"/>
-              <a:t>29/06/2022</a:t>
+              <a:t>06/09/2022</a:t>
             </a:fld>
             <a:endParaRPr lang="es-MX"/>
           </a:p>
@@ -4651,7 +7470,7 @@
           <a:p>
             <a:fld id="{DA5D594E-69B4-49A1-8267-349863B031DF}" type="datetime1">
               <a:rPr lang="es-MX" smtClean="0"/>
-              <a:t>29/06/2022</a:t>
+              <a:t>06/09/2022</a:t>
             </a:fld>
             <a:endParaRPr lang="es-MX"/>
           </a:p>
@@ -5095,7 +7914,7 @@
           <a:p>
             <a:fld id="{F952930E-2328-4F3E-B47C-E26AF1A71E03}" type="datetime1">
               <a:rPr lang="es-MX" smtClean="0"/>
-              <a:t>29/06/2022</a:t>
+              <a:t>06/09/2022</a:t>
             </a:fld>
             <a:endParaRPr lang="es-MX"/>
           </a:p>
@@ -5213,7 +8032,7 @@
           <a:p>
             <a:fld id="{B5F2A555-8D63-43F5-A125-6AE77355BD70}" type="datetime1">
               <a:rPr lang="es-MX" smtClean="0"/>
-              <a:t>29/06/2022</a:t>
+              <a:t>06/09/2022</a:t>
             </a:fld>
             <a:endParaRPr lang="es-MX"/>
           </a:p>
@@ -5308,7 +8127,7 @@
           <a:p>
             <a:fld id="{355C870A-B6C2-45F1-AACF-B194C0ABC146}" type="datetime1">
               <a:rPr lang="es-MX" smtClean="0"/>
-              <a:t>29/06/2022</a:t>
+              <a:t>06/09/2022</a:t>
             </a:fld>
             <a:endParaRPr lang="es-MX"/>
           </a:p>
@@ -5587,7 +8406,7 @@
           <a:p>
             <a:fld id="{2437EAB9-F1C0-4982-979F-DD3A52642144}" type="datetime1">
               <a:rPr lang="es-MX" smtClean="0"/>
-              <a:t>29/06/2022</a:t>
+              <a:t>06/09/2022</a:t>
             </a:fld>
             <a:endParaRPr lang="es-MX"/>
           </a:p>
@@ -5862,7 +8681,7 @@
           <a:p>
             <a:fld id="{0A791244-17D6-401B-AFBD-33938CAB2877}" type="datetime1">
               <a:rPr lang="es-MX" smtClean="0"/>
-              <a:t>29/06/2022</a:t>
+              <a:t>06/09/2022</a:t>
             </a:fld>
             <a:endParaRPr lang="es-MX"/>
           </a:p>
@@ -6291,7 +9110,7 @@
           <a:p>
             <a:fld id="{1D6EC386-7C1E-42C0-81CB-CAA1D43CC5B7}" type="datetime1">
               <a:rPr lang="es-MX" smtClean="0"/>
-              <a:t>29/06/2022</a:t>
+              <a:t>06/09/2022</a:t>
             </a:fld>
             <a:endParaRPr lang="es-MX"/>
           </a:p>
@@ -8163,7 +10982,7 @@
         <p:spPr>
           <a:xfrm>
             <a:off x="0" y="6592901"/>
-            <a:ext cx="3231975" cy="200055"/>
+            <a:ext cx="3065263" cy="200055"/>
           </a:xfrm>
           <a:prstGeom prst="rect">
             <a:avLst/>
@@ -8177,8 +10996,14 @@
           <a:lstStyle/>
           <a:p>
             <a:r>
+              <a:rPr lang="es-MX" sz="700" dirty="0">
+                <a:hlinkClick r:id="rId2"/>
+              </a:rPr>
+              <a:t>https://docs.oracle.com/cd/E19205-01/820-0619/geojs/index.html</a:t>
+            </a:r>
+            <a:r>
               <a:rPr lang="es-MX" sz="700" dirty="0"/>
-              <a:t>https://www.techtarget.com/searchstorage/definition/race-condition</a:t>
+              <a:t> </a:t>
             </a:r>
           </a:p>
         </p:txBody>
@@ -10445,8 +13270,14 @@
           <a:lstStyle/>
           <a:p>
             <a:r>
+              <a:rPr lang="es-MX" sz="700" dirty="0">
+                <a:hlinkClick r:id="rId2"/>
+              </a:rPr>
+              <a:t>https://docs.oracle.com/javase/tutorial/essential/concurrency/locksync.html</a:t>
+            </a:r>
+            <a:r>
               <a:rPr lang="es-MX" sz="700" dirty="0"/>
-              <a:t>https://docs.oracle.com/javase/tutorial/essential/concurrency/locksync.html</a:t>
+              <a:t> </a:t>
             </a:r>
           </a:p>
         </p:txBody>
@@ -12504,8 +15335,14 @@
           <a:lstStyle/>
           <a:p>
             <a:r>
+              <a:rPr lang="es-MX" sz="700" dirty="0">
+                <a:hlinkClick r:id="rId2"/>
+              </a:rPr>
+              <a:t>https://www.concretepage.com/java/reentrantlock-java-example-with-lock-unlock-trylock-lockinterruptibly-isheldbycurrentthread-and-getholdcount</a:t>
+            </a:r>
+            <a:r>
               <a:rPr lang="es-MX" sz="700" dirty="0"/>
-              <a:t>https://www.concretepage.com/java/reentrantlock-java-example-with-lock-unlock-trylock-lockinterruptibly-isheldbycurrentthread-and-getholdcount</a:t>
+              <a:t> </a:t>
             </a:r>
           </a:p>
         </p:txBody>
@@ -16029,7 +18866,7 @@
           <a:p>
             <a:r>
               <a:rPr lang="en-US" dirty="0"/>
-              <a:t>Liveness</a:t>
+              <a:t>Liveness vs Deadlock</a:t>
             </a:r>
             <a:endParaRPr lang="es-MX" dirty="0"/>
           </a:p>
@@ -16051,7 +18888,12 @@
             <p:ph idx="1"/>
           </p:nvPr>
         </p:nvSpPr>
-        <p:spPr/>
+        <p:spPr>
+          <a:xfrm>
+            <a:off x="495620" y="2052918"/>
+            <a:ext cx="7833872" cy="4195481"/>
+          </a:xfrm>
+        </p:spPr>
         <p:txBody>
           <a:bodyPr>
             <a:normAutofit/>
@@ -16060,9 +18902,48 @@
           <a:p>
             <a:r>
               <a:rPr lang="en-US" b="1" dirty="0"/>
-              <a:t>a</a:t>
+              <a:t>Liveness</a:t>
             </a:r>
             <a:endParaRPr lang="en-US" dirty="0"/>
+          </a:p>
+          <a:p>
+            <a:pPr lvl="1"/>
+            <a:r>
+              <a:rPr lang="en-US" dirty="0"/>
+              <a:t>A concurrent application's ability to execute in a timely manner. </a:t>
+            </a:r>
+          </a:p>
+          <a:p>
+            <a:pPr lvl="1"/>
+            <a:r>
+              <a:rPr lang="en-US" dirty="0"/>
+              <a:t>A set of properties that require a system to make progress. </a:t>
+            </a:r>
+          </a:p>
+          <a:p>
+            <a:pPr lvl="1"/>
+            <a:r>
+              <a:rPr lang="en-US" dirty="0"/>
+              <a:t>Members may have to take turns in critical sections.</a:t>
+            </a:r>
+            <a:endParaRPr lang="en-US" b="1" dirty="0"/>
+          </a:p>
+          <a:p>
+            <a:endParaRPr lang="en-US" b="1" dirty="0"/>
+          </a:p>
+          <a:p>
+            <a:r>
+              <a:rPr lang="en-US" b="1" dirty="0"/>
+              <a:t>Deadlock</a:t>
+            </a:r>
+            <a:br>
+              <a:rPr lang="en-US" b="1" dirty="0"/>
+            </a:br>
+            <a:r>
+              <a:rPr lang="en-US" dirty="0"/>
+              <a:t>A situation where a set of processes are blocked because each process/thread is holding a resource and waiting for another resource acquired by some other process/thread.</a:t>
+            </a:r>
+            <a:endParaRPr lang="en-US" b="1" dirty="0"/>
           </a:p>
         </p:txBody>
       </p:sp>
@@ -16109,8 +18990,8 @@
         </p:nvSpPr>
         <p:spPr>
           <a:xfrm>
-            <a:off x="0" y="6592901"/>
-            <a:ext cx="3480440" cy="200055"/>
+            <a:off x="0" y="6496850"/>
+            <a:ext cx="3607078" cy="307777"/>
           </a:xfrm>
           <a:prstGeom prst="rect">
             <a:avLst/>
@@ -16124,12 +19005,347 @@
           <a:lstStyle/>
           <a:p>
             <a:r>
+              <a:rPr lang="es-MX" sz="700" dirty="0">
+                <a:hlinkClick r:id="rId2"/>
+              </a:rPr>
+              <a:t>https://www.geeksforgeeks.org/introduction-of-deadlock-in-operating-system/</a:t>
+            </a:r>
+            <a:r>
               <a:rPr lang="es-MX" sz="700" dirty="0"/>
+              <a:t> </a:t>
+            </a:r>
+          </a:p>
+          <a:p>
+            <a:r>
+              <a:rPr lang="es-MX" sz="700" dirty="0">
+                <a:hlinkClick r:id="rId3"/>
+              </a:rPr>
               <a:t>https://docs.oracle.com/javase/tutorial/essential/concurrency/liveness.html</a:t>
             </a:r>
+            <a:r>
+              <a:rPr lang="es-MX" sz="700" dirty="0"/>
+              <a:t> </a:t>
+            </a:r>
           </a:p>
         </p:txBody>
       </p:sp>
+      <p:sp>
+        <p:nvSpPr>
+          <p:cNvPr id="12" name="AutoShape 4">
+            <a:extLst>
+              <a:ext uri="{FF2B5EF4-FFF2-40B4-BE49-F238E27FC236}">
+                <a16:creationId xmlns:a16="http://schemas.microsoft.com/office/drawing/2014/main" id="{8951935B-6C0B-98A4-1E56-CD2B2BC62A0F}"/>
+              </a:ext>
+            </a:extLst>
+          </p:cNvPr>
+          <p:cNvSpPr>
+            <a:spLocks noChangeAspect="1" noChangeArrowheads="1"/>
+          </p:cNvSpPr>
+          <p:nvPr/>
+        </p:nvSpPr>
+        <p:spPr bwMode="auto">
+          <a:xfrm>
+            <a:off x="8662236" y="4352173"/>
+            <a:ext cx="138863" cy="138863"/>
+          </a:xfrm>
+          <a:prstGeom prst="rect">
+            <a:avLst/>
+          </a:prstGeom>
+          <a:noFill/>
+          <a:extLst>
+            <a:ext uri="{909E8E84-426E-40DD-AFC4-6F175D3DCCD1}">
+              <a14:hiddenFill xmlns:a14="http://schemas.microsoft.com/office/drawing/2010/main">
+                <a:solidFill>
+                  <a:srgbClr val="FFFFFF"/>
+                </a:solidFill>
+              </a14:hiddenFill>
+            </a:ext>
+          </a:extLst>
+        </p:spPr>
+        <p:txBody>
+          <a:bodyPr vert="horz" wrap="square" lIns="91440" tIns="45720" rIns="91440" bIns="45720" numCol="1" anchor="t" anchorCtr="0" compatLnSpc="1">
+            <a:prstTxWarp prst="textNoShape">
+              <a:avLst/>
+            </a:prstTxWarp>
+          </a:bodyPr>
+          <a:lstStyle/>
+          <a:p>
+            <a:endParaRPr lang="es-MX"/>
+          </a:p>
+        </p:txBody>
+      </p:sp>
+      <p:pic>
+        <p:nvPicPr>
+          <p:cNvPr id="1030" name="Picture 6">
+            <a:extLst>
+              <a:ext uri="{FF2B5EF4-FFF2-40B4-BE49-F238E27FC236}">
+                <a16:creationId xmlns:a16="http://schemas.microsoft.com/office/drawing/2014/main" id="{417EFAC1-6A79-3645-60DA-C0A6C3BB5EDB}"/>
+              </a:ext>
+            </a:extLst>
+          </p:cNvPr>
+          <p:cNvPicPr>
+            <a:picLocks noChangeAspect="1" noChangeArrowheads="1"/>
+          </p:cNvPicPr>
+          <p:nvPr/>
+        </p:nvPicPr>
+        <p:blipFill>
+          <a:blip r:embed="rId4">
+            <a:extLst>
+              <a:ext uri="{28A0092B-C50C-407E-A947-70E740481C1C}">
+                <a14:useLocalDpi xmlns:a14="http://schemas.microsoft.com/office/drawing/2010/main" val="0"/>
+              </a:ext>
+            </a:extLst>
+          </a:blip>
+          <a:srcRect/>
+          <a:stretch>
+            <a:fillRect/>
+          </a:stretch>
+        </p:blipFill>
+        <p:spPr bwMode="auto">
+          <a:xfrm>
+            <a:off x="8963425" y="4562414"/>
+            <a:ext cx="3228575" cy="2295586"/>
+          </a:xfrm>
+          <a:prstGeom prst="rect">
+            <a:avLst/>
+          </a:prstGeom>
+          <a:noFill/>
+          <a:extLst>
+            <a:ext uri="{909E8E84-426E-40DD-AFC4-6F175D3DCCD1}">
+              <a14:hiddenFill xmlns:a14="http://schemas.microsoft.com/office/drawing/2010/main">
+                <a:solidFill>
+                  <a:srgbClr val="FFFFFF"/>
+                </a:solidFill>
+              </a14:hiddenFill>
+            </a:ext>
+          </a:extLst>
+        </p:spPr>
+      </p:pic>
+      <p:grpSp>
+        <p:nvGrpSpPr>
+          <p:cNvPr id="20" name="Group 19">
+            <a:extLst>
+              <a:ext uri="{FF2B5EF4-FFF2-40B4-BE49-F238E27FC236}">
+                <a16:creationId xmlns:a16="http://schemas.microsoft.com/office/drawing/2014/main" id="{E6AF08C4-33A4-2A3E-B526-548453BA156F}"/>
+              </a:ext>
+            </a:extLst>
+          </p:cNvPr>
+          <p:cNvGrpSpPr/>
+          <p:nvPr/>
+        </p:nvGrpSpPr>
+        <p:grpSpPr>
+          <a:xfrm>
+            <a:off x="8387864" y="1450942"/>
+            <a:ext cx="4208597" cy="2805731"/>
+            <a:chOff x="4267974" y="1600311"/>
+            <a:chExt cx="4208597" cy="2805731"/>
+          </a:xfrm>
+        </p:grpSpPr>
+        <p:graphicFrame>
+          <p:nvGraphicFramePr>
+            <p:cNvPr id="18" name="Diagram 17">
+              <a:extLst>
+                <a:ext uri="{FF2B5EF4-FFF2-40B4-BE49-F238E27FC236}">
+                  <a16:creationId xmlns:a16="http://schemas.microsoft.com/office/drawing/2014/main" id="{DE186EE0-0D1D-B451-D23C-5B7ACD8C6D12}"/>
+                </a:ext>
+              </a:extLst>
+            </p:cNvPr>
+            <p:cNvGraphicFramePr/>
+            <p:nvPr>
+              <p:extLst>
+                <p:ext uri="{D42A27DB-BD31-4B8C-83A1-F6EECF244321}">
+                  <p14:modId xmlns:p14="http://schemas.microsoft.com/office/powerpoint/2010/main" val="2080196097"/>
+                </p:ext>
+              </p:extLst>
+            </p:nvPr>
+          </p:nvGraphicFramePr>
+          <p:xfrm>
+            <a:off x="4267974" y="1600311"/>
+            <a:ext cx="4208597" cy="2805731"/>
+          </p:xfrm>
+          <a:graphic>
+            <a:graphicData uri="http://schemas.openxmlformats.org/drawingml/2006/diagram">
+              <dgm:relIds xmlns:dgm="http://schemas.openxmlformats.org/drawingml/2006/diagram" xmlns:r="http://schemas.openxmlformats.org/officeDocument/2006/relationships" r:dm="rId5" r:lo="rId6" r:qs="rId7" r:cs="rId8"/>
+            </a:graphicData>
+          </a:graphic>
+        </p:graphicFrame>
+        <p:sp>
+          <p:nvSpPr>
+            <p:cNvPr id="19" name="TextBox 18">
+              <a:extLst>
+                <a:ext uri="{FF2B5EF4-FFF2-40B4-BE49-F238E27FC236}">
+                  <a16:creationId xmlns:a16="http://schemas.microsoft.com/office/drawing/2014/main" id="{4C75A028-490D-DFAD-97B4-0A647D7DE05C}"/>
+                </a:ext>
+              </a:extLst>
+            </p:cNvPr>
+            <p:cNvSpPr txBox="1"/>
+            <p:nvPr/>
+          </p:nvSpPr>
+          <p:spPr>
+            <a:xfrm>
+              <a:off x="4906975" y="2109268"/>
+              <a:ext cx="713657" cy="215444"/>
+            </a:xfrm>
+            <a:prstGeom prst="rect">
+              <a:avLst/>
+            </a:prstGeom>
+            <a:noFill/>
+          </p:spPr>
+          <p:txBody>
+            <a:bodyPr wrap="none" rtlCol="0">
+              <a:spAutoFit/>
+            </a:bodyPr>
+            <a:lstStyle/>
+            <a:p>
+              <a:r>
+                <a:rPr lang="en-US" sz="800" dirty="0">
+                  <a:solidFill>
+                    <a:srgbClr val="FF0000"/>
+                  </a:solidFill>
+                </a:rPr>
+                <a:t>Owned by</a:t>
+              </a:r>
+              <a:endParaRPr lang="es-MX" sz="800" dirty="0">
+                <a:solidFill>
+                  <a:srgbClr val="FF0000"/>
+                </a:solidFill>
+              </a:endParaRPr>
+            </a:p>
+          </p:txBody>
+        </p:sp>
+        <p:sp>
+          <p:nvSpPr>
+            <p:cNvPr id="21" name="TextBox 20">
+              <a:extLst>
+                <a:ext uri="{FF2B5EF4-FFF2-40B4-BE49-F238E27FC236}">
+                  <a16:creationId xmlns:a16="http://schemas.microsoft.com/office/drawing/2014/main" id="{9A83A498-12EC-4332-F469-2128642437B8}"/>
+                </a:ext>
+              </a:extLst>
+            </p:cNvPr>
+            <p:cNvSpPr txBox="1"/>
+            <p:nvPr/>
+          </p:nvSpPr>
+          <p:spPr>
+            <a:xfrm>
+              <a:off x="7201995" y="3606550"/>
+              <a:ext cx="713657" cy="215444"/>
+            </a:xfrm>
+            <a:prstGeom prst="rect">
+              <a:avLst/>
+            </a:prstGeom>
+            <a:noFill/>
+          </p:spPr>
+          <p:txBody>
+            <a:bodyPr wrap="none" rtlCol="0">
+              <a:spAutoFit/>
+            </a:bodyPr>
+            <a:lstStyle/>
+            <a:p>
+              <a:r>
+                <a:rPr lang="en-US" sz="800" dirty="0">
+                  <a:solidFill>
+                    <a:srgbClr val="FF0000"/>
+                  </a:solidFill>
+                </a:rPr>
+                <a:t>Owned by</a:t>
+              </a:r>
+              <a:endParaRPr lang="es-MX" sz="800" dirty="0">
+                <a:solidFill>
+                  <a:srgbClr val="FF0000"/>
+                </a:solidFill>
+              </a:endParaRPr>
+            </a:p>
+          </p:txBody>
+        </p:sp>
+        <p:sp>
+          <p:nvSpPr>
+            <p:cNvPr id="22" name="TextBox 21">
+              <a:extLst>
+                <a:ext uri="{FF2B5EF4-FFF2-40B4-BE49-F238E27FC236}">
+                  <a16:creationId xmlns:a16="http://schemas.microsoft.com/office/drawing/2014/main" id="{FE964C92-F24E-9911-0073-EBAD20CECE85}"/>
+                </a:ext>
+              </a:extLst>
+            </p:cNvPr>
+            <p:cNvSpPr txBox="1"/>
+            <p:nvPr/>
+          </p:nvSpPr>
+          <p:spPr>
+            <a:xfrm>
+              <a:off x="7195583" y="2141461"/>
+              <a:ext cx="720069" cy="215444"/>
+            </a:xfrm>
+            <a:prstGeom prst="rect">
+              <a:avLst/>
+            </a:prstGeom>
+            <a:noFill/>
+          </p:spPr>
+          <p:txBody>
+            <a:bodyPr wrap="none" rtlCol="0">
+              <a:spAutoFit/>
+            </a:bodyPr>
+            <a:lstStyle/>
+            <a:p>
+              <a:r>
+                <a:rPr lang="en-US" sz="800" dirty="0">
+                  <a:solidFill>
+                    <a:srgbClr val="FF0000"/>
+                  </a:solidFill>
+                </a:rPr>
+                <a:t>Waiting for</a:t>
+              </a:r>
+              <a:endParaRPr lang="es-MX" sz="800" dirty="0">
+                <a:solidFill>
+                  <a:srgbClr val="FF0000"/>
+                </a:solidFill>
+              </a:endParaRPr>
+            </a:p>
+          </p:txBody>
+        </p:sp>
+        <p:sp>
+          <p:nvSpPr>
+            <p:cNvPr id="23" name="TextBox 22">
+              <a:extLst>
+                <a:ext uri="{FF2B5EF4-FFF2-40B4-BE49-F238E27FC236}">
+                  <a16:creationId xmlns:a16="http://schemas.microsoft.com/office/drawing/2014/main" id="{DFC159DB-9DAC-17C5-4826-E36BD51ECA4B}"/>
+                </a:ext>
+              </a:extLst>
+            </p:cNvPr>
+            <p:cNvSpPr txBox="1"/>
+            <p:nvPr/>
+          </p:nvSpPr>
+          <p:spPr>
+            <a:xfrm>
+              <a:off x="4899595" y="3714272"/>
+              <a:ext cx="720069" cy="215444"/>
+            </a:xfrm>
+            <a:prstGeom prst="rect">
+              <a:avLst/>
+            </a:prstGeom>
+            <a:noFill/>
+          </p:spPr>
+          <p:txBody>
+            <a:bodyPr wrap="none" rtlCol="0">
+              <a:spAutoFit/>
+            </a:bodyPr>
+            <a:lstStyle/>
+            <a:p>
+              <a:r>
+                <a:rPr lang="en-US" sz="800" dirty="0">
+                  <a:solidFill>
+                    <a:srgbClr val="FF0000"/>
+                  </a:solidFill>
+                </a:rPr>
+                <a:t>Waiting for</a:t>
+              </a:r>
+              <a:endParaRPr lang="es-MX" sz="800" dirty="0">
+                <a:solidFill>
+                  <a:srgbClr val="FF0000"/>
+                </a:solidFill>
+              </a:endParaRPr>
+            </a:p>
+          </p:txBody>
+        </p:sp>
+      </p:grpSp>
     </p:spTree>
     <p:extLst>
       <p:ext uri="{BB962C8B-B14F-4D97-AF65-F5344CB8AC3E}">
@@ -16179,7 +19395,131 @@
                                         <p:tgtEl>
                                           <p:spTgt spid="3">
                                             <p:txEl>
+                                              <p:pRg st="5" end="5"/>
+                                            </p:txEl>
+                                          </p:spTgt>
+                                        </p:tgtEl>
+                                        <p:attrNameLst>
+                                          <p:attrName>style.visibility</p:attrName>
+                                        </p:attrNameLst>
+                                      </p:cBhvr>
+                                      <p:to>
+                                        <p:strVal val="visible"/>
+                                      </p:to>
+                                    </p:set>
+                                  </p:childTnLst>
+                                </p:cTn>
+                              </p:par>
+                              <p:par>
+                                <p:cTn id="7" presetID="1" presetClass="entr" presetSubtype="0" fill="hold" nodeType="withEffect">
+                                  <p:stCondLst>
+                                    <p:cond delay="0"/>
+                                  </p:stCondLst>
+                                  <p:childTnLst>
+                                    <p:set>
+                                      <p:cBhvr>
+                                        <p:cTn id="8" dur="1" fill="hold">
+                                          <p:stCondLst>
+                                            <p:cond delay="0"/>
+                                          </p:stCondLst>
+                                        </p:cTn>
+                                        <p:tgtEl>
+                                          <p:spTgt spid="3">
+                                            <p:txEl>
                                               <p:pRg st="0" end="0"/>
+                                            </p:txEl>
+                                          </p:spTgt>
+                                        </p:tgtEl>
+                                        <p:attrNameLst>
+                                          <p:attrName>style.visibility</p:attrName>
+                                        </p:attrNameLst>
+                                      </p:cBhvr>
+                                      <p:to>
+                                        <p:strVal val="visible"/>
+                                      </p:to>
+                                    </p:set>
+                                  </p:childTnLst>
+                                </p:cTn>
+                              </p:par>
+                              <p:par>
+                                <p:cTn id="9" presetID="1" presetClass="entr" presetSubtype="0" fill="hold" nodeType="withEffect">
+                                  <p:stCondLst>
+                                    <p:cond delay="0"/>
+                                  </p:stCondLst>
+                                  <p:childTnLst>
+                                    <p:set>
+                                      <p:cBhvr>
+                                        <p:cTn id="10" dur="1" fill="hold">
+                                          <p:stCondLst>
+                                            <p:cond delay="0"/>
+                                          </p:stCondLst>
+                                        </p:cTn>
+                                        <p:tgtEl>
+                                          <p:spTgt spid="3">
+                                            <p:txEl>
+                                              <p:pRg st="1" end="1"/>
+                                            </p:txEl>
+                                          </p:spTgt>
+                                        </p:tgtEl>
+                                        <p:attrNameLst>
+                                          <p:attrName>style.visibility</p:attrName>
+                                        </p:attrNameLst>
+                                      </p:cBhvr>
+                                      <p:to>
+                                        <p:strVal val="visible"/>
+                                      </p:to>
+                                    </p:set>
+                                  </p:childTnLst>
+                                </p:cTn>
+                              </p:par>
+                              <p:par>
+                                <p:cTn id="11" presetID="1" presetClass="entr" presetSubtype="0" fill="hold" nodeType="withEffect">
+                                  <p:stCondLst>
+                                    <p:cond delay="0"/>
+                                  </p:stCondLst>
+                                  <p:childTnLst>
+                                    <p:set>
+                                      <p:cBhvr>
+                                        <p:cTn id="12" dur="1" fill="hold">
+                                          <p:stCondLst>
+                                            <p:cond delay="0"/>
+                                          </p:stCondLst>
+                                        </p:cTn>
+                                        <p:tgtEl>
+                                          <p:spTgt spid="3">
+                                            <p:txEl>
+                                              <p:pRg st="2" end="2"/>
+                                            </p:txEl>
+                                          </p:spTgt>
+                                        </p:tgtEl>
+                                        <p:attrNameLst>
+                                          <p:attrName>style.visibility</p:attrName>
+                                        </p:attrNameLst>
+                                      </p:cBhvr>
+                                      <p:to>
+                                        <p:strVal val="visible"/>
+                                      </p:to>
+                                    </p:set>
+                                  </p:childTnLst>
+                                </p:cTn>
+                              </p:par>
+                              <p:par>
+                                <p:cTn id="13" presetID="1" presetClass="entr" presetSubtype="0" fill="hold" nodeType="withEffect">
+                                  <p:stCondLst>
+                                    <p:cond delay="0"/>
+                                  </p:stCondLst>
+                                  <p:childTnLst>
+                                    <p:set>
+                                      <p:cBhvr>
+                                        <p:cTn id="14" dur="1" fill="hold">
+                                          <p:stCondLst>
+                                            <p:cond delay="0"/>
+                                          </p:stCondLst>
+                                        </p:cTn>
+                                        <p:tgtEl>
+                                          <p:spTgt spid="3">
+                                            <p:txEl>
+                                              <p:pRg st="3" end="3"/>
                                             </p:txEl>
                                           </p:spTgt>
                                         </p:tgtEl>
@@ -16226,6 +19566,2142 @@
 </file>
 
 <file path=ppt/slides/slide18.xml><?xml version="1.0" encoding="utf-8"?>
+<p:sld xmlns:a="http://schemas.openxmlformats.org/drawingml/2006/main" xmlns:r="http://schemas.openxmlformats.org/officeDocument/2006/relationships" xmlns:p="http://schemas.openxmlformats.org/presentationml/2006/main">
+  <p:cSld>
+    <p:spTree>
+      <p:nvGrpSpPr>
+        <p:cNvPr id="1" name=""/>
+        <p:cNvGrpSpPr/>
+        <p:nvPr/>
+      </p:nvGrpSpPr>
+      <p:grpSpPr>
+        <a:xfrm>
+          <a:off x="0" y="0"/>
+          <a:ext cx="0" cy="0"/>
+          <a:chOff x="0" y="0"/>
+          <a:chExt cx="0" cy="0"/>
+        </a:xfrm>
+      </p:grpSpPr>
+      <p:sp>
+        <p:nvSpPr>
+          <p:cNvPr id="2" name="Title 1">
+            <a:extLst>
+              <a:ext uri="{FF2B5EF4-FFF2-40B4-BE49-F238E27FC236}">
+                <a16:creationId xmlns:a16="http://schemas.microsoft.com/office/drawing/2014/main" id="{F7DB5BF8-3E4C-2393-D80C-697363C824A0}"/>
+              </a:ext>
+            </a:extLst>
+          </p:cNvPr>
+          <p:cNvSpPr>
+            <a:spLocks noGrp="1"/>
+          </p:cNvSpPr>
+          <p:nvPr>
+            <p:ph type="title"/>
+          </p:nvPr>
+        </p:nvSpPr>
+        <p:spPr/>
+        <p:txBody>
+          <a:bodyPr/>
+          <a:lstStyle/>
+          <a:p>
+            <a:r>
+              <a:rPr lang="en-US" sz="3200" dirty="0"/>
+              <a:t>Abandoned lock, Starvation, and </a:t>
+            </a:r>
+            <a:r>
+              <a:rPr lang="en-US" sz="3200" dirty="0" err="1"/>
+              <a:t>Livelock</a:t>
+            </a:r>
+            <a:endParaRPr lang="es-MX" sz="3200" dirty="0"/>
+          </a:p>
+        </p:txBody>
+      </p:sp>
+      <p:sp>
+        <p:nvSpPr>
+          <p:cNvPr id="3" name="Content Placeholder 2">
+            <a:extLst>
+              <a:ext uri="{FF2B5EF4-FFF2-40B4-BE49-F238E27FC236}">
+                <a16:creationId xmlns:a16="http://schemas.microsoft.com/office/drawing/2014/main" id="{C18D8DEE-7ED8-A8C3-4DF2-C817AC6931AA}"/>
+              </a:ext>
+            </a:extLst>
+          </p:cNvPr>
+          <p:cNvSpPr>
+            <a:spLocks noGrp="1"/>
+          </p:cNvSpPr>
+          <p:nvPr>
+            <p:ph idx="1"/>
+          </p:nvPr>
+        </p:nvSpPr>
+        <p:spPr>
+          <a:xfrm>
+            <a:off x="1103312" y="1629016"/>
+            <a:ext cx="6976449" cy="4619384"/>
+          </a:xfrm>
+        </p:spPr>
+        <p:txBody>
+          <a:bodyPr>
+            <a:normAutofit fontScale="92500" lnSpcReduction="10000"/>
+          </a:bodyPr>
+          <a:lstStyle/>
+          <a:p>
+            <a:r>
+              <a:rPr lang="en-US" dirty="0"/>
+              <a:t>Abandoned lock. Errors occurring when a thread traps some resource and is withdrawn from execution for some reason. As the result the resource cannot be released. If another thread needs it this will lead to infinite waiting.</a:t>
+            </a:r>
+          </a:p>
+          <a:p>
+            <a:endParaRPr lang="en-US" dirty="0"/>
+          </a:p>
+          <a:p>
+            <a:r>
+              <a:rPr lang="en-US" dirty="0"/>
+              <a:t>Starvation. A process is unable to gain regular access to the shared resources it requires to complete a task and thus, unable to make any progress.</a:t>
+            </a:r>
+          </a:p>
+          <a:p>
+            <a:endParaRPr lang="en-US" dirty="0"/>
+          </a:p>
+          <a:p>
+            <a:r>
+              <a:rPr lang="en-US" dirty="0" err="1"/>
+              <a:t>Livelock</a:t>
+            </a:r>
+            <a:r>
+              <a:rPr lang="en-US" dirty="0"/>
+              <a:t>. A deadlock-like situation in </a:t>
+            </a:r>
+            <a:r>
+              <a:rPr lang="en-US"/>
+              <a:t>which multiple </a:t>
+            </a:r>
+            <a:r>
+              <a:rPr lang="en-US" dirty="0"/>
+              <a:t>threads or processes are actively responding to each other to resolve conflict, but that prevents them from making progress.</a:t>
+            </a:r>
+            <a:endParaRPr lang="es-MX" dirty="0"/>
+          </a:p>
+        </p:txBody>
+      </p:sp>
+      <p:sp>
+        <p:nvSpPr>
+          <p:cNvPr id="4" name="Slide Number Placeholder 3">
+            <a:extLst>
+              <a:ext uri="{FF2B5EF4-FFF2-40B4-BE49-F238E27FC236}">
+                <a16:creationId xmlns:a16="http://schemas.microsoft.com/office/drawing/2014/main" id="{194B647A-9A86-888E-31BA-9282E0DFA257}"/>
+              </a:ext>
+            </a:extLst>
+          </p:cNvPr>
+          <p:cNvSpPr>
+            <a:spLocks noGrp="1"/>
+          </p:cNvSpPr>
+          <p:nvPr>
+            <p:ph type="sldNum" sz="quarter" idx="12"/>
+          </p:nvPr>
+        </p:nvSpPr>
+        <p:spPr/>
+        <p:txBody>
+          <a:bodyPr/>
+          <a:lstStyle/>
+          <a:p>
+            <a:fld id="{EE9D4C02-0F5D-44F4-921E-E80D67F35749}" type="slidenum">
+              <a:rPr lang="es-MX" smtClean="0"/>
+              <a:t>18</a:t>
+            </a:fld>
+            <a:endParaRPr lang="es-MX"/>
+          </a:p>
+        </p:txBody>
+      </p:sp>
+      <p:sp>
+        <p:nvSpPr>
+          <p:cNvPr id="5" name="TextBox 4">
+            <a:extLst>
+              <a:ext uri="{FF2B5EF4-FFF2-40B4-BE49-F238E27FC236}">
+                <a16:creationId xmlns:a16="http://schemas.microsoft.com/office/drawing/2014/main" id="{136CD283-F78C-E720-E030-47FA90C40663}"/>
+              </a:ext>
+            </a:extLst>
+          </p:cNvPr>
+          <p:cNvSpPr txBox="1"/>
+          <p:nvPr/>
+        </p:nvSpPr>
+        <p:spPr>
+          <a:xfrm>
+            <a:off x="0" y="6496850"/>
+            <a:ext cx="2805576" cy="307777"/>
+          </a:xfrm>
+          <a:prstGeom prst="rect">
+            <a:avLst/>
+          </a:prstGeom>
+          <a:noFill/>
+        </p:spPr>
+        <p:txBody>
+          <a:bodyPr wrap="none" rtlCol="0">
+            <a:spAutoFit/>
+          </a:bodyPr>
+          <a:lstStyle/>
+          <a:p>
+            <a:r>
+              <a:rPr lang="es-MX" sz="700" dirty="0">
+                <a:hlinkClick r:id="rId2"/>
+              </a:rPr>
+              <a:t>https://pvs-studio.com/en/blog/terms/</a:t>
+            </a:r>
+            <a:endParaRPr lang="es-MX" sz="700" dirty="0"/>
+          </a:p>
+          <a:p>
+            <a:r>
+              <a:rPr lang="es-MX" sz="700" dirty="0">
+                <a:hlinkClick r:id="rId3"/>
+              </a:rPr>
+              <a:t>https://www.baeldung.com/cs/deadlock-livelock-starvation</a:t>
+            </a:r>
+            <a:r>
+              <a:rPr lang="es-MX" sz="700" dirty="0"/>
+              <a:t> </a:t>
+            </a:r>
+          </a:p>
+        </p:txBody>
+      </p:sp>
+      <p:pic>
+        <p:nvPicPr>
+          <p:cNvPr id="1026" name="Picture 2">
+            <a:extLst>
+              <a:ext uri="{FF2B5EF4-FFF2-40B4-BE49-F238E27FC236}">
+                <a16:creationId xmlns:a16="http://schemas.microsoft.com/office/drawing/2014/main" id="{05D20FA9-224F-6EF8-6124-3E6FFB36CA06}"/>
+              </a:ext>
+            </a:extLst>
+          </p:cNvPr>
+          <p:cNvPicPr>
+            <a:picLocks noChangeAspect="1" noChangeArrowheads="1"/>
+          </p:cNvPicPr>
+          <p:nvPr/>
+        </p:nvPicPr>
+        <p:blipFill>
+          <a:blip r:embed="rId4">
+            <a:extLst>
+              <a:ext uri="{28A0092B-C50C-407E-A947-70E740481C1C}">
+                <a14:useLocalDpi xmlns:a14="http://schemas.microsoft.com/office/drawing/2010/main" val="0"/>
+              </a:ext>
+            </a:extLst>
+          </a:blip>
+          <a:srcRect/>
+          <a:stretch>
+            <a:fillRect/>
+          </a:stretch>
+        </p:blipFill>
+        <p:spPr bwMode="auto">
+          <a:xfrm>
+            <a:off x="8011231" y="3481498"/>
+            <a:ext cx="3027283" cy="1016978"/>
+          </a:xfrm>
+          <a:prstGeom prst="rect">
+            <a:avLst/>
+          </a:prstGeom>
+          <a:noFill/>
+          <a:extLst>
+            <a:ext uri="{909E8E84-426E-40DD-AFC4-6F175D3DCCD1}">
+              <a14:hiddenFill xmlns:a14="http://schemas.microsoft.com/office/drawing/2010/main">
+                <a:solidFill>
+                  <a:srgbClr val="FFFFFF"/>
+                </a:solidFill>
+              </a14:hiddenFill>
+            </a:ext>
+          </a:extLst>
+        </p:spPr>
+      </p:pic>
+      <p:pic>
+        <p:nvPicPr>
+          <p:cNvPr id="1028" name="Picture 4">
+            <a:extLst>
+              <a:ext uri="{FF2B5EF4-FFF2-40B4-BE49-F238E27FC236}">
+                <a16:creationId xmlns:a16="http://schemas.microsoft.com/office/drawing/2014/main" id="{9D29A628-D041-2DC4-EC3A-5261AC6986FC}"/>
+              </a:ext>
+            </a:extLst>
+          </p:cNvPr>
+          <p:cNvPicPr>
+            <a:picLocks noChangeAspect="1" noChangeArrowheads="1"/>
+          </p:cNvPicPr>
+          <p:nvPr/>
+        </p:nvPicPr>
+        <p:blipFill>
+          <a:blip r:embed="rId5">
+            <a:extLst>
+              <a:ext uri="{28A0092B-C50C-407E-A947-70E740481C1C}">
+                <a14:useLocalDpi xmlns:a14="http://schemas.microsoft.com/office/drawing/2010/main" val="0"/>
+              </a:ext>
+            </a:extLst>
+          </a:blip>
+          <a:srcRect/>
+          <a:stretch>
+            <a:fillRect/>
+          </a:stretch>
+        </p:blipFill>
+        <p:spPr bwMode="auto">
+          <a:xfrm>
+            <a:off x="8225212" y="4952359"/>
+            <a:ext cx="1257759" cy="1544491"/>
+          </a:xfrm>
+          <a:prstGeom prst="rect">
+            <a:avLst/>
+          </a:prstGeom>
+          <a:noFill/>
+          <a:extLst>
+            <a:ext uri="{909E8E84-426E-40DD-AFC4-6F175D3DCCD1}">
+              <a14:hiddenFill xmlns:a14="http://schemas.microsoft.com/office/drawing/2010/main">
+                <a:solidFill>
+                  <a:srgbClr val="FFFFFF"/>
+                </a:solidFill>
+              </a14:hiddenFill>
+            </a:ext>
+          </a:extLst>
+        </p:spPr>
+      </p:pic>
+    </p:spTree>
+    <p:extLst>
+      <p:ext uri="{BB962C8B-B14F-4D97-AF65-F5344CB8AC3E}">
+        <p14:creationId xmlns:p14="http://schemas.microsoft.com/office/powerpoint/2010/main" val="683486406"/>
+      </p:ext>
+    </p:extLst>
+  </p:cSld>
+  <p:clrMapOvr>
+    <a:masterClrMapping/>
+  </p:clrMapOvr>
+</p:sld>
+</file>
+
+<file path=ppt/slides/slide19.xml><?xml version="1.0" encoding="utf-8"?>
+<p:sld xmlns:a="http://schemas.openxmlformats.org/drawingml/2006/main" xmlns:r="http://schemas.openxmlformats.org/officeDocument/2006/relationships" xmlns:p="http://schemas.openxmlformats.org/presentationml/2006/main">
+  <p:cSld>
+    <p:bg>
+      <p:bgPr>
+        <a:gradFill rotWithShape="1">
+          <a:gsLst>
+            <a:gs pos="0">
+              <a:schemeClr val="bg2">
+                <a:tint val="97000"/>
+                <a:hueMod val="88000"/>
+                <a:satMod val="130000"/>
+                <a:lumMod val="124000"/>
+              </a:schemeClr>
+            </a:gs>
+            <a:gs pos="100000">
+              <a:schemeClr val="bg2">
+                <a:tint val="96000"/>
+                <a:shade val="88000"/>
+                <a:hueMod val="108000"/>
+                <a:satMod val="164000"/>
+                <a:lumMod val="76000"/>
+              </a:schemeClr>
+            </a:gs>
+          </a:gsLst>
+          <a:path path="circle">
+            <a:fillToRect l="45000" t="65000" r="125000" b="100000"/>
+          </a:path>
+        </a:gradFill>
+        <a:effectLst/>
+      </p:bgPr>
+    </p:bg>
+    <p:spTree>
+      <p:nvGrpSpPr>
+        <p:cNvPr id="1" name=""/>
+        <p:cNvGrpSpPr/>
+        <p:nvPr/>
+      </p:nvGrpSpPr>
+      <p:grpSpPr>
+        <a:xfrm>
+          <a:off x="0" y="0"/>
+          <a:ext cx="0" cy="0"/>
+          <a:chOff x="0" y="0"/>
+          <a:chExt cx="0" cy="0"/>
+        </a:xfrm>
+      </p:grpSpPr>
+      <p:pic>
+        <p:nvPicPr>
+          <p:cNvPr id="19" name="Picture 18">
+            <a:extLst>
+              <a:ext uri="{FF2B5EF4-FFF2-40B4-BE49-F238E27FC236}">
+                <a16:creationId xmlns:a16="http://schemas.microsoft.com/office/drawing/2014/main" id="{91B28F63-CF00-448F-B141-FE33C33B1891}"/>
+              </a:ext>
+              <a:ext uri="{C183D7F6-B498-43B3-948B-1728B52AA6E4}">
+                <adec:decorative xmlns:adec="http://schemas.microsoft.com/office/drawing/2017/decorative" val="1"/>
+              </a:ext>
+            </a:extLst>
+          </p:cNvPr>
+          <p:cNvPicPr>
+            <a:picLocks noGrp="1" noRot="1" noChangeAspect="1" noMove="1" noResize="1" noEditPoints="1" noAdjustHandles="1" noChangeArrowheads="1" noChangeShapeType="1" noCrop="1"/>
+          </p:cNvPicPr>
+          <p:nvPr>
+            <p:extLst>
+              <p:ext uri="{386F3935-93C4-4BCD-93E2-E3B085C9AB24}">
+                <p16:designElem xmlns:p16="http://schemas.microsoft.com/office/powerpoint/2015/main" val="1"/>
+              </p:ext>
+            </p:extLst>
+          </p:nvPr>
+        </p:nvPicPr>
+        <p:blipFill rotWithShape="1">
+          <a:blip r:embed="rId2">
+            <a:extLst>
+              <a:ext uri="{28A0092B-C50C-407E-A947-70E740481C1C}">
+                <a14:useLocalDpi xmlns:a14="http://schemas.microsoft.com/office/drawing/2010/main" val="0"/>
+              </a:ext>
+            </a:extLst>
+          </a:blip>
+          <a:srcRect l="3613"/>
+          <a:stretch/>
+        </p:blipFill>
+        <p:spPr>
+          <a:xfrm>
+            <a:off x="0" y="2669685"/>
+            <a:ext cx="4037012" cy="4188315"/>
+          </a:xfrm>
+          <a:prstGeom prst="rect">
+            <a:avLst/>
+          </a:prstGeom>
+        </p:spPr>
+      </p:pic>
+      <p:pic>
+        <p:nvPicPr>
+          <p:cNvPr id="21" name="Picture 20">
+            <a:extLst>
+              <a:ext uri="{FF2B5EF4-FFF2-40B4-BE49-F238E27FC236}">
+                <a16:creationId xmlns:a16="http://schemas.microsoft.com/office/drawing/2014/main" id="{2AE609E2-8522-44E4-9077-980E5BCF3E14}"/>
+              </a:ext>
+              <a:ext uri="{C183D7F6-B498-43B3-948B-1728B52AA6E4}">
+                <adec:decorative xmlns:adec="http://schemas.microsoft.com/office/drawing/2017/decorative" val="1"/>
+              </a:ext>
+            </a:extLst>
+          </p:cNvPr>
+          <p:cNvPicPr>
+            <a:picLocks noGrp="1" noRot="1" noChangeAspect="1" noMove="1" noResize="1" noEditPoints="1" noAdjustHandles="1" noChangeArrowheads="1" noChangeShapeType="1" noCrop="1"/>
+          </p:cNvPicPr>
+          <p:nvPr>
+            <p:extLst>
+              <p:ext uri="{386F3935-93C4-4BCD-93E2-E3B085C9AB24}">
+                <p16:designElem xmlns:p16="http://schemas.microsoft.com/office/powerpoint/2015/main" val="1"/>
+              </p:ext>
+            </p:extLst>
+          </p:nvPr>
+        </p:nvPicPr>
+        <p:blipFill rotWithShape="1">
+          <a:blip r:embed="rId3">
+            <a:extLst>
+              <a:ext uri="{28A0092B-C50C-407E-A947-70E740481C1C}">
+                <a14:useLocalDpi xmlns:a14="http://schemas.microsoft.com/office/drawing/2010/main" val="0"/>
+              </a:ext>
+            </a:extLst>
+          </a:blip>
+          <a:srcRect l="35640"/>
+          <a:stretch/>
+        </p:blipFill>
+        <p:spPr>
+          <a:xfrm>
+            <a:off x="0" y="2892347"/>
+            <a:ext cx="1522412" cy="2365453"/>
+          </a:xfrm>
+          <a:prstGeom prst="rect">
+            <a:avLst/>
+          </a:prstGeom>
+        </p:spPr>
+      </p:pic>
+      <p:sp>
+        <p:nvSpPr>
+          <p:cNvPr id="23" name="Oval 22">
+            <a:extLst>
+              <a:ext uri="{FF2B5EF4-FFF2-40B4-BE49-F238E27FC236}">
+                <a16:creationId xmlns:a16="http://schemas.microsoft.com/office/drawing/2014/main" id="{4FA533C5-33E3-4611-AF9F-72811D8B26A6}"/>
+              </a:ext>
+              <a:ext uri="{C183D7F6-B498-43B3-948B-1728B52AA6E4}">
+                <adec:decorative xmlns:adec="http://schemas.microsoft.com/office/drawing/2017/decorative" val="1"/>
+              </a:ext>
+            </a:extLst>
+          </p:cNvPr>
+          <p:cNvSpPr>
+            <a:spLocks noGrp="1" noRot="1" noChangeAspect="1" noMove="1" noResize="1" noEditPoints="1" noAdjustHandles="1" noChangeArrowheads="1" noChangeShapeType="1" noTextEdit="1"/>
+          </p:cNvSpPr>
+          <p:nvPr>
+            <p:extLst>
+              <p:ext uri="{386F3935-93C4-4BCD-93E2-E3B085C9AB24}">
+                <p16:designElem xmlns:p16="http://schemas.microsoft.com/office/powerpoint/2015/main" val="1"/>
+              </p:ext>
+            </p:extLst>
+          </p:nvPr>
+        </p:nvSpPr>
+        <p:spPr>
+          <a:xfrm>
+            <a:off x="8609012" y="1676400"/>
+            <a:ext cx="2819400" cy="2819400"/>
+          </a:xfrm>
+          <a:prstGeom prst="ellipse">
+            <a:avLst/>
+          </a:prstGeom>
+          <a:gradFill flip="none" rotWithShape="1">
+            <a:gsLst>
+              <a:gs pos="0">
+                <a:schemeClr val="bg2">
+                  <a:lumMod val="60000"/>
+                  <a:lumOff val="40000"/>
+                  <a:alpha val="7000"/>
+                </a:schemeClr>
+              </a:gs>
+              <a:gs pos="69000">
+                <a:schemeClr val="bg2">
+                  <a:lumMod val="60000"/>
+                  <a:lumOff val="40000"/>
+                  <a:alpha val="0"/>
+                </a:schemeClr>
+              </a:gs>
+              <a:gs pos="36000">
+                <a:schemeClr val="bg2">
+                  <a:lumMod val="60000"/>
+                  <a:lumOff val="40000"/>
+                  <a:alpha val="6000"/>
+                </a:schemeClr>
+              </a:gs>
+            </a:gsLst>
+            <a:path path="circle">
+              <a:fillToRect l="50000" t="50000" r="50000" b="50000"/>
+            </a:path>
+            <a:tileRect/>
+          </a:gradFill>
+          <a:ln>
+            <a:noFill/>
+          </a:ln>
+          <a:effectLst/>
+        </p:spPr>
+        <p:style>
+          <a:lnRef idx="1">
+            <a:schemeClr val="accent1"/>
+          </a:lnRef>
+          <a:fillRef idx="3">
+            <a:schemeClr val="accent1"/>
+          </a:fillRef>
+          <a:effectRef idx="2">
+            <a:schemeClr val="accent1"/>
+          </a:effectRef>
+          <a:fontRef idx="minor">
+            <a:schemeClr val="lt1"/>
+          </a:fontRef>
+        </p:style>
+      </p:sp>
+      <p:pic>
+        <p:nvPicPr>
+          <p:cNvPr id="25" name="Picture 24">
+            <a:extLst>
+              <a:ext uri="{FF2B5EF4-FFF2-40B4-BE49-F238E27FC236}">
+                <a16:creationId xmlns:a16="http://schemas.microsoft.com/office/drawing/2014/main" id="{8949AD42-25FD-4C3D-9EEE-B7FEC5809988}"/>
+              </a:ext>
+              <a:ext uri="{C183D7F6-B498-43B3-948B-1728B52AA6E4}">
+                <adec:decorative xmlns:adec="http://schemas.microsoft.com/office/drawing/2017/decorative" val="1"/>
+              </a:ext>
+            </a:extLst>
+          </p:cNvPr>
+          <p:cNvPicPr>
+            <a:picLocks noGrp="1" noRot="1" noChangeAspect="1" noMove="1" noResize="1" noEditPoints="1" noAdjustHandles="1" noChangeArrowheads="1" noChangeShapeType="1" noCrop="1"/>
+          </p:cNvPicPr>
+          <p:nvPr>
+            <p:extLst>
+              <p:ext uri="{386F3935-93C4-4BCD-93E2-E3B085C9AB24}">
+                <p16:designElem xmlns:p16="http://schemas.microsoft.com/office/powerpoint/2015/main" val="1"/>
+              </p:ext>
+            </p:extLst>
+          </p:nvPr>
+        </p:nvPicPr>
+        <p:blipFill rotWithShape="1">
+          <a:blip r:embed="rId4">
+            <a:extLst>
+              <a:ext uri="{28A0092B-C50C-407E-A947-70E740481C1C}">
+                <a14:useLocalDpi xmlns:a14="http://schemas.microsoft.com/office/drawing/2010/main" val="0"/>
+              </a:ext>
+            </a:extLst>
+          </a:blip>
+          <a:srcRect t="28813"/>
+          <a:stretch/>
+        </p:blipFill>
+        <p:spPr>
+          <a:xfrm>
+            <a:off x="7999412" y="0"/>
+            <a:ext cx="1603387" cy="1141407"/>
+          </a:xfrm>
+          <a:prstGeom prst="rect">
+            <a:avLst/>
+          </a:prstGeom>
+        </p:spPr>
+      </p:pic>
+      <p:pic>
+        <p:nvPicPr>
+          <p:cNvPr id="27" name="Picture 26">
+            <a:extLst>
+              <a:ext uri="{FF2B5EF4-FFF2-40B4-BE49-F238E27FC236}">
+                <a16:creationId xmlns:a16="http://schemas.microsoft.com/office/drawing/2014/main" id="{6AC7D913-60B7-4603-881B-831DA5D3A940}"/>
+              </a:ext>
+              <a:ext uri="{C183D7F6-B498-43B3-948B-1728B52AA6E4}">
+                <adec:decorative xmlns:adec="http://schemas.microsoft.com/office/drawing/2017/decorative" val="1"/>
+              </a:ext>
+            </a:extLst>
+          </p:cNvPr>
+          <p:cNvPicPr>
+            <a:picLocks noGrp="1" noRot="1" noChangeAspect="1" noMove="1" noResize="1" noEditPoints="1" noAdjustHandles="1" noChangeArrowheads="1" noChangeShapeType="1" noCrop="1"/>
+          </p:cNvPicPr>
+          <p:nvPr>
+            <p:extLst>
+              <p:ext uri="{386F3935-93C4-4BCD-93E2-E3B085C9AB24}">
+                <p16:designElem xmlns:p16="http://schemas.microsoft.com/office/powerpoint/2015/main" val="1"/>
+              </p:ext>
+            </p:extLst>
+          </p:nvPr>
+        </p:nvPicPr>
+        <p:blipFill rotWithShape="1">
+          <a:blip r:embed="rId5">
+            <a:extLst>
+              <a:ext uri="{28A0092B-C50C-407E-A947-70E740481C1C}">
+                <a14:useLocalDpi xmlns:a14="http://schemas.microsoft.com/office/drawing/2010/main" val="0"/>
+              </a:ext>
+            </a:extLst>
+          </a:blip>
+          <a:srcRect b="23320"/>
+          <a:stretch/>
+        </p:blipFill>
+        <p:spPr>
+          <a:xfrm>
+            <a:off x="8605878" y="6096000"/>
+            <a:ext cx="993734" cy="762000"/>
+          </a:xfrm>
+          <a:prstGeom prst="rect">
+            <a:avLst/>
+          </a:prstGeom>
+        </p:spPr>
+      </p:pic>
+      <p:sp>
+        <p:nvSpPr>
+          <p:cNvPr id="29" name="Rectangle 28">
+            <a:extLst>
+              <a:ext uri="{FF2B5EF4-FFF2-40B4-BE49-F238E27FC236}">
+                <a16:creationId xmlns:a16="http://schemas.microsoft.com/office/drawing/2014/main" id="{87F0FDC4-AD8C-47D9-9131-623C98ADB0AE}"/>
+              </a:ext>
+              <a:ext uri="{C183D7F6-B498-43B3-948B-1728B52AA6E4}">
+                <adec:decorative xmlns:adec="http://schemas.microsoft.com/office/drawing/2017/decorative" val="1"/>
+              </a:ext>
+            </a:extLst>
+          </p:cNvPr>
+          <p:cNvSpPr>
+            <a:spLocks noGrp="1" noRot="1" noChangeAspect="1" noMove="1" noResize="1" noEditPoints="1" noAdjustHandles="1" noChangeArrowheads="1" noChangeShapeType="1" noTextEdit="1"/>
+          </p:cNvSpPr>
+          <p:nvPr>
+            <p:extLst>
+              <p:ext uri="{386F3935-93C4-4BCD-93E2-E3B085C9AB24}">
+                <p16:designElem xmlns:p16="http://schemas.microsoft.com/office/powerpoint/2015/main" val="1"/>
+              </p:ext>
+            </p:extLst>
+          </p:nvPr>
+        </p:nvSpPr>
+        <p:spPr>
+          <a:xfrm>
+            <a:off x="10437812" y="0"/>
+            <a:ext cx="685800" cy="1143000"/>
+          </a:xfrm>
+          <a:prstGeom prst="rect">
+            <a:avLst/>
+          </a:prstGeom>
+          <a:solidFill>
+            <a:schemeClr val="accent1"/>
+          </a:solidFill>
+          <a:ln>
+            <a:noFill/>
+          </a:ln>
+        </p:spPr>
+        <p:style>
+          <a:lnRef idx="1">
+            <a:schemeClr val="accent1"/>
+          </a:lnRef>
+          <a:fillRef idx="3">
+            <a:schemeClr val="accent1"/>
+          </a:fillRef>
+          <a:effectRef idx="2">
+            <a:schemeClr val="accent1"/>
+          </a:effectRef>
+          <a:fontRef idx="minor">
+            <a:schemeClr val="lt1"/>
+          </a:fontRef>
+        </p:style>
+      </p:sp>
+      <p:sp>
+        <p:nvSpPr>
+          <p:cNvPr id="31" name="Rectangle 30">
+            <a:extLst>
+              <a:ext uri="{FF2B5EF4-FFF2-40B4-BE49-F238E27FC236}">
+                <a16:creationId xmlns:a16="http://schemas.microsoft.com/office/drawing/2014/main" id="{C28D0172-F2E0-4763-9C35-F022664959D8}"/>
+              </a:ext>
+              <a:ext uri="{C183D7F6-B498-43B3-948B-1728B52AA6E4}">
+                <adec:decorative xmlns:adec="http://schemas.microsoft.com/office/drawing/2017/decorative" val="1"/>
+              </a:ext>
+            </a:extLst>
+          </p:cNvPr>
+          <p:cNvSpPr>
+            <a:spLocks noGrp="1" noRot="1" noChangeAspect="1" noMove="1" noResize="1" noEditPoints="1" noAdjustHandles="1" noChangeArrowheads="1" noChangeShapeType="1" noTextEdit="1"/>
+          </p:cNvSpPr>
+          <p:nvPr>
+            <p:extLst>
+              <p:ext uri="{386F3935-93C4-4BCD-93E2-E3B085C9AB24}">
+                <p16:designElem xmlns:p16="http://schemas.microsoft.com/office/powerpoint/2015/main" val="1"/>
+              </p:ext>
+            </p:extLst>
+          </p:nvPr>
+        </p:nvSpPr>
+        <p:spPr>
+          <a:xfrm>
+            <a:off x="0" y="-5"/>
+            <a:ext cx="12191695" cy="4730744"/>
+          </a:xfrm>
+          <a:prstGeom prst="rect">
+            <a:avLst/>
+          </a:prstGeom>
+          <a:gradFill flip="none" rotWithShape="1">
+            <a:gsLst>
+              <a:gs pos="0">
+                <a:schemeClr val="accent1">
+                  <a:lumMod val="89000"/>
+                </a:schemeClr>
+              </a:gs>
+              <a:gs pos="23000">
+                <a:schemeClr val="accent1">
+                  <a:lumMod val="89000"/>
+                </a:schemeClr>
+              </a:gs>
+              <a:gs pos="69000">
+                <a:schemeClr val="accent1">
+                  <a:lumMod val="75000"/>
+                </a:schemeClr>
+              </a:gs>
+              <a:gs pos="97000">
+                <a:schemeClr val="accent1">
+                  <a:lumMod val="70000"/>
+                </a:schemeClr>
+              </a:gs>
+            </a:gsLst>
+            <a:path path="circle">
+              <a:fillToRect l="50000" t="50000" r="50000" b="50000"/>
+            </a:path>
+            <a:tileRect/>
+          </a:gradFill>
+          <a:ln>
+            <a:noFill/>
+          </a:ln>
+        </p:spPr>
+        <p:style>
+          <a:lnRef idx="2">
+            <a:schemeClr val="accent1">
+              <a:shade val="50000"/>
+            </a:schemeClr>
+          </a:lnRef>
+          <a:fillRef idx="1">
+            <a:schemeClr val="accent1"/>
+          </a:fillRef>
+          <a:effectRef idx="0">
+            <a:schemeClr val="accent1"/>
+          </a:effectRef>
+          <a:fontRef idx="minor">
+            <a:schemeClr val="lt1"/>
+          </a:fontRef>
+        </p:style>
+        <p:txBody>
+          <a:bodyPr rtlCol="0" anchor="ctr"/>
+          <a:lstStyle/>
+          <a:p>
+            <a:pPr algn="ctr"/>
+            <a:endParaRPr lang="en-US"/>
+          </a:p>
+        </p:txBody>
+      </p:sp>
+      <p:sp>
+        <p:nvSpPr>
+          <p:cNvPr id="33" name="Freeform 16">
+            <a:extLst>
+              <a:ext uri="{FF2B5EF4-FFF2-40B4-BE49-F238E27FC236}">
+                <a16:creationId xmlns:a16="http://schemas.microsoft.com/office/drawing/2014/main" id="{9F2851FB-E841-4509-8A6D-A416376EA380}"/>
+              </a:ext>
+              <a:ext uri="{C183D7F6-B498-43B3-948B-1728B52AA6E4}">
+                <adec:decorative xmlns:adec="http://schemas.microsoft.com/office/drawing/2017/decorative" val="1"/>
+              </a:ext>
+            </a:extLst>
+          </p:cNvPr>
+          <p:cNvSpPr>
+            <a:spLocks noGrp="1" noRot="1" noChangeAspect="1" noMove="1" noResize="1" noEditPoints="1" noAdjustHandles="1" noChangeArrowheads="1" noChangeShapeType="1" noTextEdit="1"/>
+          </p:cNvSpPr>
+          <p:nvPr>
+            <p:extLst>
+              <p:ext uri="{386F3935-93C4-4BCD-93E2-E3B085C9AB24}">
+                <p16:designElem xmlns:p16="http://schemas.microsoft.com/office/powerpoint/2015/main" val="1"/>
+              </p:ext>
+            </p:extLst>
+          </p:nvPr>
+        </p:nvSpPr>
+        <p:spPr>
+          <a:xfrm>
+            <a:off x="8719939" y="3753695"/>
+            <a:ext cx="3472060" cy="825932"/>
+          </a:xfrm>
+          <a:custGeom>
+            <a:avLst/>
+            <a:gdLst>
+              <a:gd name="connsiteX0" fmla="*/ 3470310 w 3472060"/>
+              <a:gd name="connsiteY0" fmla="*/ 0 h 825932"/>
+              <a:gd name="connsiteX1" fmla="*/ 3472060 w 3472060"/>
+              <a:gd name="connsiteY1" fmla="*/ 12850 h 825932"/>
+              <a:gd name="connsiteX2" fmla="*/ 3472060 w 3472060"/>
+              <a:gd name="connsiteY2" fmla="*/ 480529 h 825932"/>
+              <a:gd name="connsiteX3" fmla="*/ 3363699 w 3472060"/>
+              <a:gd name="connsiteY3" fmla="*/ 498471 h 825932"/>
+              <a:gd name="connsiteX4" fmla="*/ 42060 w 3472060"/>
+              <a:gd name="connsiteY4" fmla="*/ 824486 h 825932"/>
+              <a:gd name="connsiteX5" fmla="*/ 0 w 3472060"/>
+              <a:gd name="connsiteY5" fmla="*/ 758452 h 825932"/>
+              <a:gd name="connsiteX6" fmla="*/ 188014 w 3472060"/>
+              <a:gd name="connsiteY6" fmla="*/ 735602 h 825932"/>
+              <a:gd name="connsiteX7" fmla="*/ 284087 w 3472060"/>
+              <a:gd name="connsiteY7" fmla="*/ 722590 h 825932"/>
+              <a:gd name="connsiteX8" fmla="*/ 382288 w 3472060"/>
+              <a:gd name="connsiteY8" fmla="*/ 709392 h 825932"/>
+              <a:gd name="connsiteX9" fmla="*/ 481858 w 3472060"/>
+              <a:gd name="connsiteY9" fmla="*/ 695774 h 825932"/>
+              <a:gd name="connsiteX10" fmla="*/ 581897 w 3472060"/>
+              <a:gd name="connsiteY10" fmla="*/ 680711 h 825932"/>
+              <a:gd name="connsiteX11" fmla="*/ 683670 w 3472060"/>
+              <a:gd name="connsiteY11" fmla="*/ 665256 h 825932"/>
+              <a:gd name="connsiteX12" fmla="*/ 787206 w 3472060"/>
+              <a:gd name="connsiteY12" fmla="*/ 649587 h 825932"/>
+              <a:gd name="connsiteX13" fmla="*/ 892019 w 3472060"/>
+              <a:gd name="connsiteY13" fmla="*/ 632968 h 825932"/>
+              <a:gd name="connsiteX14" fmla="*/ 997620 w 3472060"/>
+              <a:gd name="connsiteY14" fmla="*/ 614667 h 825932"/>
+              <a:gd name="connsiteX15" fmla="*/ 1104727 w 3472060"/>
+              <a:gd name="connsiteY15" fmla="*/ 596741 h 825932"/>
+              <a:gd name="connsiteX16" fmla="*/ 1212669 w 3472060"/>
+              <a:gd name="connsiteY16" fmla="*/ 577397 h 825932"/>
+              <a:gd name="connsiteX17" fmla="*/ 1321506 w 3472060"/>
+              <a:gd name="connsiteY17" fmla="*/ 556988 h 825932"/>
+              <a:gd name="connsiteX18" fmla="*/ 1430709 w 3472060"/>
+              <a:gd name="connsiteY18" fmla="*/ 536607 h 825932"/>
+              <a:gd name="connsiteX19" fmla="*/ 1541050 w 3472060"/>
+              <a:gd name="connsiteY19" fmla="*/ 514481 h 825932"/>
+              <a:gd name="connsiteX20" fmla="*/ 1652805 w 3472060"/>
+              <a:gd name="connsiteY20" fmla="*/ 492202 h 825932"/>
+              <a:gd name="connsiteX21" fmla="*/ 1763708 w 3472060"/>
+              <a:gd name="connsiteY21" fmla="*/ 469161 h 825932"/>
+              <a:gd name="connsiteX22" fmla="*/ 1875795 w 3472060"/>
+              <a:gd name="connsiteY22" fmla="*/ 444641 h 825932"/>
+              <a:gd name="connsiteX23" fmla="*/ 1989128 w 3472060"/>
+              <a:gd name="connsiteY23" fmla="*/ 418995 h 825932"/>
+              <a:gd name="connsiteX24" fmla="*/ 2102476 w 3472060"/>
+              <a:gd name="connsiteY24" fmla="*/ 393438 h 825932"/>
+              <a:gd name="connsiteX25" fmla="*/ 2215549 w 3472060"/>
+              <a:gd name="connsiteY25" fmla="*/ 366291 h 825932"/>
+              <a:gd name="connsiteX26" fmla="*/ 2330490 w 3472060"/>
+              <a:gd name="connsiteY26" fmla="*/ 337455 h 825932"/>
+              <a:gd name="connsiteX27" fmla="*/ 2443333 w 3472060"/>
+              <a:gd name="connsiteY27" fmla="*/ 308983 h 825932"/>
+              <a:gd name="connsiteX28" fmla="*/ 2558014 w 3472060"/>
+              <a:gd name="connsiteY28" fmla="*/ 278646 h 825932"/>
+              <a:gd name="connsiteX29" fmla="*/ 2673621 w 3472060"/>
+              <a:gd name="connsiteY29" fmla="*/ 247421 h 825932"/>
+              <a:gd name="connsiteX30" fmla="*/ 2787008 w 3472060"/>
+              <a:gd name="connsiteY30" fmla="*/ 215853 h 825932"/>
+              <a:gd name="connsiteX31" fmla="*/ 2901442 w 3472060"/>
+              <a:gd name="connsiteY31" fmla="*/ 182011 h 825932"/>
+              <a:gd name="connsiteX32" fmla="*/ 3015722 w 3472060"/>
+              <a:gd name="connsiteY32" fmla="*/ 147286 h 825932"/>
+              <a:gd name="connsiteX33" fmla="*/ 3130018 w 3472060"/>
+              <a:gd name="connsiteY33" fmla="*/ 112649 h 825932"/>
+              <a:gd name="connsiteX34" fmla="*/ 3243551 w 3472060"/>
+              <a:gd name="connsiteY34" fmla="*/ 75688 h 825932"/>
+              <a:gd name="connsiteX35" fmla="*/ 3356992 w 3472060"/>
+              <a:gd name="connsiteY35" fmla="*/ 38197 h 825932"/>
+              <a:gd name="connsiteX36" fmla="*/ 3470310 w 3472060"/>
+              <a:gd name="connsiteY36" fmla="*/ 0 h 825932"/>
+            </a:gdLst>
+            <a:ahLst/>
+            <a:cxnLst>
+              <a:cxn ang="0">
+                <a:pos x="connsiteX0" y="connsiteY0"/>
+              </a:cxn>
+              <a:cxn ang="0">
+                <a:pos x="connsiteX1" y="connsiteY1"/>
+              </a:cxn>
+              <a:cxn ang="0">
+                <a:pos x="connsiteX2" y="connsiteY2"/>
+              </a:cxn>
+              <a:cxn ang="0">
+                <a:pos x="connsiteX3" y="connsiteY3"/>
+              </a:cxn>
+              <a:cxn ang="0">
+                <a:pos x="connsiteX4" y="connsiteY4"/>
+              </a:cxn>
+              <a:cxn ang="0">
+                <a:pos x="connsiteX5" y="connsiteY5"/>
+              </a:cxn>
+              <a:cxn ang="0">
+                <a:pos x="connsiteX6" y="connsiteY6"/>
+              </a:cxn>
+              <a:cxn ang="0">
+                <a:pos x="connsiteX7" y="connsiteY7"/>
+              </a:cxn>
+              <a:cxn ang="0">
+                <a:pos x="connsiteX8" y="connsiteY8"/>
+              </a:cxn>
+              <a:cxn ang="0">
+                <a:pos x="connsiteX9" y="connsiteY9"/>
+              </a:cxn>
+              <a:cxn ang="0">
+                <a:pos x="connsiteX10" y="connsiteY10"/>
+              </a:cxn>
+              <a:cxn ang="0">
+                <a:pos x="connsiteX11" y="connsiteY11"/>
+              </a:cxn>
+              <a:cxn ang="0">
+                <a:pos x="connsiteX12" y="connsiteY12"/>
+              </a:cxn>
+              <a:cxn ang="0">
+                <a:pos x="connsiteX13" y="connsiteY13"/>
+              </a:cxn>
+              <a:cxn ang="0">
+                <a:pos x="connsiteX14" y="connsiteY14"/>
+              </a:cxn>
+              <a:cxn ang="0">
+                <a:pos x="connsiteX15" y="connsiteY15"/>
+              </a:cxn>
+              <a:cxn ang="0">
+                <a:pos x="connsiteX16" y="connsiteY16"/>
+              </a:cxn>
+              <a:cxn ang="0">
+                <a:pos x="connsiteX17" y="connsiteY17"/>
+              </a:cxn>
+              <a:cxn ang="0">
+                <a:pos x="connsiteX18" y="connsiteY18"/>
+              </a:cxn>
+              <a:cxn ang="0">
+                <a:pos x="connsiteX19" y="connsiteY19"/>
+              </a:cxn>
+              <a:cxn ang="0">
+                <a:pos x="connsiteX20" y="connsiteY20"/>
+              </a:cxn>
+              <a:cxn ang="0">
+                <a:pos x="connsiteX21" y="connsiteY21"/>
+              </a:cxn>
+              <a:cxn ang="0">
+                <a:pos x="connsiteX22" y="connsiteY22"/>
+              </a:cxn>
+              <a:cxn ang="0">
+                <a:pos x="connsiteX23" y="connsiteY23"/>
+              </a:cxn>
+              <a:cxn ang="0">
+                <a:pos x="connsiteX24" y="connsiteY24"/>
+              </a:cxn>
+              <a:cxn ang="0">
+                <a:pos x="connsiteX25" y="connsiteY25"/>
+              </a:cxn>
+              <a:cxn ang="0">
+                <a:pos x="connsiteX26" y="connsiteY26"/>
+              </a:cxn>
+              <a:cxn ang="0">
+                <a:pos x="connsiteX27" y="connsiteY27"/>
+              </a:cxn>
+              <a:cxn ang="0">
+                <a:pos x="connsiteX28" y="connsiteY28"/>
+              </a:cxn>
+              <a:cxn ang="0">
+                <a:pos x="connsiteX29" y="connsiteY29"/>
+              </a:cxn>
+              <a:cxn ang="0">
+                <a:pos x="connsiteX30" y="connsiteY30"/>
+              </a:cxn>
+              <a:cxn ang="0">
+                <a:pos x="connsiteX31" y="connsiteY31"/>
+              </a:cxn>
+              <a:cxn ang="0">
+                <a:pos x="connsiteX32" y="connsiteY32"/>
+              </a:cxn>
+              <a:cxn ang="0">
+                <a:pos x="connsiteX33" y="connsiteY33"/>
+              </a:cxn>
+              <a:cxn ang="0">
+                <a:pos x="connsiteX34" y="connsiteY34"/>
+              </a:cxn>
+              <a:cxn ang="0">
+                <a:pos x="connsiteX35" y="connsiteY35"/>
+              </a:cxn>
+              <a:cxn ang="0">
+                <a:pos x="connsiteX36" y="connsiteY36"/>
+              </a:cxn>
+            </a:cxnLst>
+            <a:rect l="l" t="t" r="r" b="b"/>
+            <a:pathLst>
+              <a:path w="3472060" h="825932">
+                <a:moveTo>
+                  <a:pt x="3470310" y="0"/>
+                </a:moveTo>
+                <a:lnTo>
+                  <a:pt x="3472060" y="12850"/>
+                </a:lnTo>
+                <a:lnTo>
+                  <a:pt x="3472060" y="480529"/>
+                </a:lnTo>
+                <a:lnTo>
+                  <a:pt x="3363699" y="498471"/>
+                </a:lnTo>
+                <a:cubicBezTo>
+                  <a:pt x="2435623" y="645518"/>
+                  <a:pt x="603076" y="844866"/>
+                  <a:pt x="42060" y="824486"/>
+                </a:cubicBezTo>
+                <a:cubicBezTo>
+                  <a:pt x="28151" y="802425"/>
+                  <a:pt x="13909" y="780513"/>
+                  <a:pt x="0" y="758452"/>
+                </a:cubicBezTo>
+                <a:lnTo>
+                  <a:pt x="188014" y="735602"/>
+                </a:lnTo>
+                <a:lnTo>
+                  <a:pt x="284087" y="722590"/>
+                </a:lnTo>
+                <a:lnTo>
+                  <a:pt x="382288" y="709392"/>
+                </a:lnTo>
+                <a:lnTo>
+                  <a:pt x="481858" y="695774"/>
+                </a:lnTo>
+                <a:lnTo>
+                  <a:pt x="581897" y="680711"/>
+                </a:lnTo>
+                <a:lnTo>
+                  <a:pt x="683670" y="665256"/>
+                </a:lnTo>
+                <a:lnTo>
+                  <a:pt x="787206" y="649587"/>
+                </a:lnTo>
+                <a:lnTo>
+                  <a:pt x="892019" y="632968"/>
+                </a:lnTo>
+                <a:lnTo>
+                  <a:pt x="997620" y="614667"/>
+                </a:lnTo>
+                <a:lnTo>
+                  <a:pt x="1104727" y="596741"/>
+                </a:lnTo>
+                <a:lnTo>
+                  <a:pt x="1212669" y="577397"/>
+                </a:lnTo>
+                <a:lnTo>
+                  <a:pt x="1321506" y="556988"/>
+                </a:lnTo>
+                <a:lnTo>
+                  <a:pt x="1430709" y="536607"/>
+                </a:lnTo>
+                <a:lnTo>
+                  <a:pt x="1541050" y="514481"/>
+                </a:lnTo>
+                <a:lnTo>
+                  <a:pt x="1652805" y="492202"/>
+                </a:lnTo>
+                <a:lnTo>
+                  <a:pt x="1763708" y="469161"/>
+                </a:lnTo>
+                <a:lnTo>
+                  <a:pt x="1875795" y="444641"/>
+                </a:lnTo>
+                <a:lnTo>
+                  <a:pt x="1989128" y="418995"/>
+                </a:lnTo>
+                <a:lnTo>
+                  <a:pt x="2102476" y="393438"/>
+                </a:lnTo>
+                <a:lnTo>
+                  <a:pt x="2215549" y="366291"/>
+                </a:lnTo>
+                <a:lnTo>
+                  <a:pt x="2330490" y="337455"/>
+                </a:lnTo>
+                <a:lnTo>
+                  <a:pt x="2443333" y="308983"/>
+                </a:lnTo>
+                <a:lnTo>
+                  <a:pt x="2558014" y="278646"/>
+                </a:lnTo>
+                <a:lnTo>
+                  <a:pt x="2673621" y="247421"/>
+                </a:lnTo>
+                <a:lnTo>
+                  <a:pt x="2787008" y="215853"/>
+                </a:lnTo>
+                <a:lnTo>
+                  <a:pt x="2901442" y="182011"/>
+                </a:lnTo>
+                <a:lnTo>
+                  <a:pt x="3015722" y="147286"/>
+                </a:lnTo>
+                <a:lnTo>
+                  <a:pt x="3130018" y="112649"/>
+                </a:lnTo>
+                <a:lnTo>
+                  <a:pt x="3243551" y="75688"/>
+                </a:lnTo>
+                <a:lnTo>
+                  <a:pt x="3356992" y="38197"/>
+                </a:lnTo>
+                <a:lnTo>
+                  <a:pt x="3470310" y="0"/>
+                </a:lnTo>
+                <a:close/>
+              </a:path>
+            </a:pathLst>
+          </a:custGeom>
+          <a:solidFill>
+            <a:schemeClr val="tx1">
+              <a:alpha val="20000"/>
+            </a:schemeClr>
+          </a:solidFill>
+          <a:ln>
+            <a:noFill/>
+          </a:ln>
+        </p:spPr>
+        <p:txBody>
+          <a:bodyPr rtlCol="0" anchor="ctr"/>
+          <a:lstStyle/>
+          <a:p>
+            <a:pPr algn="ctr"/>
+            <a:endParaRPr lang="en-US">
+              <a:solidFill>
+                <a:schemeClr val="tx1"/>
+              </a:solidFill>
+            </a:endParaRPr>
+          </a:p>
+        </p:txBody>
+      </p:sp>
+      <p:sp useBgFill="1">
+        <p:nvSpPr>
+          <p:cNvPr id="35" name="Freeform: Shape 34">
+            <a:extLst>
+              <a:ext uri="{FF2B5EF4-FFF2-40B4-BE49-F238E27FC236}">
+                <a16:creationId xmlns:a16="http://schemas.microsoft.com/office/drawing/2014/main" id="{DF6FB2B2-CE21-407F-B22E-302DADC2C3D3}"/>
+              </a:ext>
+              <a:ext uri="{C183D7F6-B498-43B3-948B-1728B52AA6E4}">
+                <adec:decorative xmlns:adec="http://schemas.microsoft.com/office/drawing/2017/decorative" val="1"/>
+              </a:ext>
+            </a:extLst>
+          </p:cNvPr>
+          <p:cNvSpPr>
+            <a:spLocks noGrp="1" noRot="1" noChangeAspect="1" noMove="1" noResize="1" noEditPoints="1" noAdjustHandles="1" noChangeArrowheads="1" noChangeShapeType="1" noTextEdit="1"/>
+          </p:cNvSpPr>
+          <p:nvPr>
+            <p:extLst>
+              <p:ext uri="{386F3935-93C4-4BCD-93E2-E3B085C9AB24}">
+                <p16:designElem xmlns:p16="http://schemas.microsoft.com/office/powerpoint/2015/main" val="1"/>
+              </p:ext>
+            </p:extLst>
+          </p:nvPr>
+        </p:nvSpPr>
+        <p:spPr>
+          <a:xfrm>
+            <a:off x="0" y="4055533"/>
+            <a:ext cx="12192000" cy="2802467"/>
+          </a:xfrm>
+          <a:custGeom>
+            <a:avLst/>
+            <a:gdLst>
+              <a:gd name="connsiteX0" fmla="*/ 1 w 12192000"/>
+              <a:gd name="connsiteY0" fmla="*/ 0 h 2802467"/>
+              <a:gd name="connsiteX1" fmla="*/ 71932 w 12192000"/>
+              <a:gd name="connsiteY1" fmla="*/ 12261 h 2802467"/>
+              <a:gd name="connsiteX2" fmla="*/ 282848 w 12192000"/>
+              <a:gd name="connsiteY2" fmla="*/ 48342 h 2802467"/>
+              <a:gd name="connsiteX3" fmla="*/ 436464 w 12192000"/>
+              <a:gd name="connsiteY3" fmla="*/ 73565 h 2802467"/>
+              <a:gd name="connsiteX4" fmla="*/ 619339 w 12192000"/>
+              <a:gd name="connsiteY4" fmla="*/ 100188 h 2802467"/>
+              <a:gd name="connsiteX5" fmla="*/ 836351 w 12192000"/>
+              <a:gd name="connsiteY5" fmla="*/ 132066 h 2802467"/>
+              <a:gd name="connsiteX6" fmla="*/ 1076528 w 12192000"/>
+              <a:gd name="connsiteY6" fmla="*/ 165696 h 2802467"/>
+              <a:gd name="connsiteX7" fmla="*/ 1347183 w 12192000"/>
+              <a:gd name="connsiteY7" fmla="*/ 201077 h 2802467"/>
+              <a:gd name="connsiteX8" fmla="*/ 1642223 w 12192000"/>
+              <a:gd name="connsiteY8" fmla="*/ 238560 h 2802467"/>
+              <a:gd name="connsiteX9" fmla="*/ 1962864 w 12192000"/>
+              <a:gd name="connsiteY9" fmla="*/ 276043 h 2802467"/>
+              <a:gd name="connsiteX10" fmla="*/ 2304232 w 12192000"/>
+              <a:gd name="connsiteY10" fmla="*/ 314226 h 2802467"/>
+              <a:gd name="connsiteX11" fmla="*/ 2672421 w 12192000"/>
+              <a:gd name="connsiteY11" fmla="*/ 349608 h 2802467"/>
+              <a:gd name="connsiteX12" fmla="*/ 3057678 w 12192000"/>
+              <a:gd name="connsiteY12" fmla="*/ 383587 h 2802467"/>
+              <a:gd name="connsiteX13" fmla="*/ 3464881 w 12192000"/>
+              <a:gd name="connsiteY13" fmla="*/ 414415 h 2802467"/>
+              <a:gd name="connsiteX14" fmla="*/ 3889152 w 12192000"/>
+              <a:gd name="connsiteY14" fmla="*/ 443840 h 2802467"/>
+              <a:gd name="connsiteX15" fmla="*/ 4331710 w 12192000"/>
+              <a:gd name="connsiteY15" fmla="*/ 471515 h 2802467"/>
+              <a:gd name="connsiteX16" fmla="*/ 4558476 w 12192000"/>
+              <a:gd name="connsiteY16" fmla="*/ 481323 h 2802467"/>
+              <a:gd name="connsiteX17" fmla="*/ 4790118 w 12192000"/>
+              <a:gd name="connsiteY17" fmla="*/ 492183 h 2802467"/>
+              <a:gd name="connsiteX18" fmla="*/ 5025418 w 12192000"/>
+              <a:gd name="connsiteY18" fmla="*/ 502342 h 2802467"/>
+              <a:gd name="connsiteX19" fmla="*/ 5261937 w 12192000"/>
+              <a:gd name="connsiteY19" fmla="*/ 508998 h 2802467"/>
+              <a:gd name="connsiteX20" fmla="*/ 5503332 w 12192000"/>
+              <a:gd name="connsiteY20" fmla="*/ 514953 h 2802467"/>
+              <a:gd name="connsiteX21" fmla="*/ 5747166 w 12192000"/>
+              <a:gd name="connsiteY21" fmla="*/ 521259 h 2802467"/>
+              <a:gd name="connsiteX22" fmla="*/ 5995877 w 12192000"/>
+              <a:gd name="connsiteY22" fmla="*/ 525462 h 2802467"/>
+              <a:gd name="connsiteX23" fmla="*/ 6247026 w 12192000"/>
+              <a:gd name="connsiteY23" fmla="*/ 525462 h 2802467"/>
+              <a:gd name="connsiteX24" fmla="*/ 6500613 w 12192000"/>
+              <a:gd name="connsiteY24" fmla="*/ 527564 h 2802467"/>
+              <a:gd name="connsiteX25" fmla="*/ 6756639 w 12192000"/>
+              <a:gd name="connsiteY25" fmla="*/ 525462 h 2802467"/>
+              <a:gd name="connsiteX26" fmla="*/ 7016322 w 12192000"/>
+              <a:gd name="connsiteY26" fmla="*/ 521259 h 2802467"/>
+              <a:gd name="connsiteX27" fmla="*/ 7276005 w 12192000"/>
+              <a:gd name="connsiteY27" fmla="*/ 517405 h 2802467"/>
+              <a:gd name="connsiteX28" fmla="*/ 7539345 w 12192000"/>
+              <a:gd name="connsiteY28" fmla="*/ 508998 h 2802467"/>
+              <a:gd name="connsiteX29" fmla="*/ 7805124 w 12192000"/>
+              <a:gd name="connsiteY29" fmla="*/ 500240 h 2802467"/>
+              <a:gd name="connsiteX30" fmla="*/ 8070903 w 12192000"/>
+              <a:gd name="connsiteY30" fmla="*/ 490081 h 2802467"/>
+              <a:gd name="connsiteX31" fmla="*/ 8339121 w 12192000"/>
+              <a:gd name="connsiteY31" fmla="*/ 475719 h 2802467"/>
+              <a:gd name="connsiteX32" fmla="*/ 8609776 w 12192000"/>
+              <a:gd name="connsiteY32" fmla="*/ 458553 h 2802467"/>
+              <a:gd name="connsiteX33" fmla="*/ 8881651 w 12192000"/>
+              <a:gd name="connsiteY33" fmla="*/ 442089 h 2802467"/>
+              <a:gd name="connsiteX34" fmla="*/ 9153526 w 12192000"/>
+              <a:gd name="connsiteY34" fmla="*/ 421070 h 2802467"/>
+              <a:gd name="connsiteX35" fmla="*/ 9429058 w 12192000"/>
+              <a:gd name="connsiteY35" fmla="*/ 395848 h 2802467"/>
+              <a:gd name="connsiteX36" fmla="*/ 9700933 w 12192000"/>
+              <a:gd name="connsiteY36" fmla="*/ 370626 h 2802467"/>
+              <a:gd name="connsiteX37" fmla="*/ 9977684 w 12192000"/>
+              <a:gd name="connsiteY37" fmla="*/ 341550 h 2802467"/>
+              <a:gd name="connsiteX38" fmla="*/ 10255655 w 12192000"/>
+              <a:gd name="connsiteY38" fmla="*/ 309672 h 2802467"/>
+              <a:gd name="connsiteX39" fmla="*/ 10529968 w 12192000"/>
+              <a:gd name="connsiteY39" fmla="*/ 276043 h 2802467"/>
+              <a:gd name="connsiteX40" fmla="*/ 10807939 w 12192000"/>
+              <a:gd name="connsiteY40" fmla="*/ 236808 h 2802467"/>
+              <a:gd name="connsiteX41" fmla="*/ 11084690 w 12192000"/>
+              <a:gd name="connsiteY41" fmla="*/ 194771 h 2802467"/>
+              <a:gd name="connsiteX42" fmla="*/ 11362661 w 12192000"/>
+              <a:gd name="connsiteY42" fmla="*/ 153085 h 2802467"/>
+              <a:gd name="connsiteX43" fmla="*/ 11639412 w 12192000"/>
+              <a:gd name="connsiteY43" fmla="*/ 104392 h 2802467"/>
+              <a:gd name="connsiteX44" fmla="*/ 11914945 w 12192000"/>
+              <a:gd name="connsiteY44" fmla="*/ 54648 h 2802467"/>
+              <a:gd name="connsiteX45" fmla="*/ 12191696 w 12192000"/>
+              <a:gd name="connsiteY45" fmla="*/ 2452 h 2802467"/>
+              <a:gd name="connsiteX46" fmla="*/ 12191696 w 12192000"/>
+              <a:gd name="connsiteY46" fmla="*/ 2236410 h 2802467"/>
+              <a:gd name="connsiteX47" fmla="*/ 12192000 w 12192000"/>
+              <a:gd name="connsiteY47" fmla="*/ 2236410 h 2802467"/>
+              <a:gd name="connsiteX48" fmla="*/ 12192000 w 12192000"/>
+              <a:gd name="connsiteY48" fmla="*/ 2802467 h 2802467"/>
+              <a:gd name="connsiteX49" fmla="*/ 12191696 w 12192000"/>
+              <a:gd name="connsiteY49" fmla="*/ 2802467 h 2802467"/>
+              <a:gd name="connsiteX50" fmla="*/ 0 w 12192000"/>
+              <a:gd name="connsiteY50" fmla="*/ 2802467 h 2802467"/>
+              <a:gd name="connsiteX51" fmla="*/ 0 w 12192000"/>
+              <a:gd name="connsiteY51" fmla="*/ 2236410 h 2802467"/>
+              <a:gd name="connsiteX52" fmla="*/ 1 w 12192000"/>
+              <a:gd name="connsiteY52" fmla="*/ 2236410 h 2802467"/>
+            </a:gdLst>
+            <a:ahLst/>
+            <a:cxnLst>
+              <a:cxn ang="0">
+                <a:pos x="connsiteX0" y="connsiteY0"/>
+              </a:cxn>
+              <a:cxn ang="0">
+                <a:pos x="connsiteX1" y="connsiteY1"/>
+              </a:cxn>
+              <a:cxn ang="0">
+                <a:pos x="connsiteX2" y="connsiteY2"/>
+              </a:cxn>
+              <a:cxn ang="0">
+                <a:pos x="connsiteX3" y="connsiteY3"/>
+              </a:cxn>
+              <a:cxn ang="0">
+                <a:pos x="connsiteX4" y="connsiteY4"/>
+              </a:cxn>
+              <a:cxn ang="0">
+                <a:pos x="connsiteX5" y="connsiteY5"/>
+              </a:cxn>
+              <a:cxn ang="0">
+                <a:pos x="connsiteX6" y="connsiteY6"/>
+              </a:cxn>
+              <a:cxn ang="0">
+                <a:pos x="connsiteX7" y="connsiteY7"/>
+              </a:cxn>
+              <a:cxn ang="0">
+                <a:pos x="connsiteX8" y="connsiteY8"/>
+              </a:cxn>
+              <a:cxn ang="0">
+                <a:pos x="connsiteX9" y="connsiteY9"/>
+              </a:cxn>
+              <a:cxn ang="0">
+                <a:pos x="connsiteX10" y="connsiteY10"/>
+              </a:cxn>
+              <a:cxn ang="0">
+                <a:pos x="connsiteX11" y="connsiteY11"/>
+              </a:cxn>
+              <a:cxn ang="0">
+                <a:pos x="connsiteX12" y="connsiteY12"/>
+              </a:cxn>
+              <a:cxn ang="0">
+                <a:pos x="connsiteX13" y="connsiteY13"/>
+              </a:cxn>
+              <a:cxn ang="0">
+                <a:pos x="connsiteX14" y="connsiteY14"/>
+              </a:cxn>
+              <a:cxn ang="0">
+                <a:pos x="connsiteX15" y="connsiteY15"/>
+              </a:cxn>
+              <a:cxn ang="0">
+                <a:pos x="connsiteX16" y="connsiteY16"/>
+              </a:cxn>
+              <a:cxn ang="0">
+                <a:pos x="connsiteX17" y="connsiteY17"/>
+              </a:cxn>
+              <a:cxn ang="0">
+                <a:pos x="connsiteX18" y="connsiteY18"/>
+              </a:cxn>
+              <a:cxn ang="0">
+                <a:pos x="connsiteX19" y="connsiteY19"/>
+              </a:cxn>
+              <a:cxn ang="0">
+                <a:pos x="connsiteX20" y="connsiteY20"/>
+              </a:cxn>
+              <a:cxn ang="0">
+                <a:pos x="connsiteX21" y="connsiteY21"/>
+              </a:cxn>
+              <a:cxn ang="0">
+                <a:pos x="connsiteX22" y="connsiteY22"/>
+              </a:cxn>
+              <a:cxn ang="0">
+                <a:pos x="connsiteX23" y="connsiteY23"/>
+              </a:cxn>
+              <a:cxn ang="0">
+                <a:pos x="connsiteX24" y="connsiteY24"/>
+              </a:cxn>
+              <a:cxn ang="0">
+                <a:pos x="connsiteX25" y="connsiteY25"/>
+              </a:cxn>
+              <a:cxn ang="0">
+                <a:pos x="connsiteX26" y="connsiteY26"/>
+              </a:cxn>
+              <a:cxn ang="0">
+                <a:pos x="connsiteX27" y="connsiteY27"/>
+              </a:cxn>
+              <a:cxn ang="0">
+                <a:pos x="connsiteX28" y="connsiteY28"/>
+              </a:cxn>
+              <a:cxn ang="0">
+                <a:pos x="connsiteX29" y="connsiteY29"/>
+              </a:cxn>
+              <a:cxn ang="0">
+                <a:pos x="connsiteX30" y="connsiteY30"/>
+              </a:cxn>
+              <a:cxn ang="0">
+                <a:pos x="connsiteX31" y="connsiteY31"/>
+              </a:cxn>
+              <a:cxn ang="0">
+                <a:pos x="connsiteX32" y="connsiteY32"/>
+              </a:cxn>
+              <a:cxn ang="0">
+                <a:pos x="connsiteX33" y="connsiteY33"/>
+              </a:cxn>
+              <a:cxn ang="0">
+                <a:pos x="connsiteX34" y="connsiteY34"/>
+              </a:cxn>
+              <a:cxn ang="0">
+                <a:pos x="connsiteX35" y="connsiteY35"/>
+              </a:cxn>
+              <a:cxn ang="0">
+                <a:pos x="connsiteX36" y="connsiteY36"/>
+              </a:cxn>
+              <a:cxn ang="0">
+                <a:pos x="connsiteX37" y="connsiteY37"/>
+              </a:cxn>
+              <a:cxn ang="0">
+                <a:pos x="connsiteX38" y="connsiteY38"/>
+              </a:cxn>
+              <a:cxn ang="0">
+                <a:pos x="connsiteX39" y="connsiteY39"/>
+              </a:cxn>
+              <a:cxn ang="0">
+                <a:pos x="connsiteX40" y="connsiteY40"/>
+              </a:cxn>
+              <a:cxn ang="0">
+                <a:pos x="connsiteX41" y="connsiteY41"/>
+              </a:cxn>
+              <a:cxn ang="0">
+                <a:pos x="connsiteX42" y="connsiteY42"/>
+              </a:cxn>
+              <a:cxn ang="0">
+                <a:pos x="connsiteX43" y="connsiteY43"/>
+              </a:cxn>
+              <a:cxn ang="0">
+                <a:pos x="connsiteX44" y="connsiteY44"/>
+              </a:cxn>
+              <a:cxn ang="0">
+                <a:pos x="connsiteX45" y="connsiteY45"/>
+              </a:cxn>
+              <a:cxn ang="0">
+                <a:pos x="connsiteX46" y="connsiteY46"/>
+              </a:cxn>
+              <a:cxn ang="0">
+                <a:pos x="connsiteX47" y="connsiteY47"/>
+              </a:cxn>
+              <a:cxn ang="0">
+                <a:pos x="connsiteX48" y="connsiteY48"/>
+              </a:cxn>
+              <a:cxn ang="0">
+                <a:pos x="connsiteX49" y="connsiteY49"/>
+              </a:cxn>
+              <a:cxn ang="0">
+                <a:pos x="connsiteX50" y="connsiteY50"/>
+              </a:cxn>
+              <a:cxn ang="0">
+                <a:pos x="connsiteX51" y="connsiteY51"/>
+              </a:cxn>
+              <a:cxn ang="0">
+                <a:pos x="connsiteX52" y="connsiteY52"/>
+              </a:cxn>
+            </a:cxnLst>
+            <a:rect l="l" t="t" r="r" b="b"/>
+            <a:pathLst>
+              <a:path w="12192000" h="2802467">
+                <a:moveTo>
+                  <a:pt x="1" y="0"/>
+                </a:moveTo>
+                <a:lnTo>
+                  <a:pt x="71932" y="12261"/>
+                </a:lnTo>
+                <a:lnTo>
+                  <a:pt x="282848" y="48342"/>
+                </a:lnTo>
+                <a:lnTo>
+                  <a:pt x="436464" y="73565"/>
+                </a:lnTo>
+                <a:lnTo>
+                  <a:pt x="619339" y="100188"/>
+                </a:lnTo>
+                <a:lnTo>
+                  <a:pt x="836351" y="132066"/>
+                </a:lnTo>
+                <a:lnTo>
+                  <a:pt x="1076528" y="165696"/>
+                </a:lnTo>
+                <a:lnTo>
+                  <a:pt x="1347183" y="201077"/>
+                </a:lnTo>
+                <a:lnTo>
+                  <a:pt x="1642223" y="238560"/>
+                </a:lnTo>
+                <a:lnTo>
+                  <a:pt x="1962864" y="276043"/>
+                </a:lnTo>
+                <a:lnTo>
+                  <a:pt x="2304232" y="314226"/>
+                </a:lnTo>
+                <a:lnTo>
+                  <a:pt x="2672421" y="349608"/>
+                </a:lnTo>
+                <a:lnTo>
+                  <a:pt x="3057678" y="383587"/>
+                </a:lnTo>
+                <a:lnTo>
+                  <a:pt x="3464881" y="414415"/>
+                </a:lnTo>
+                <a:lnTo>
+                  <a:pt x="3889152" y="443840"/>
+                </a:lnTo>
+                <a:lnTo>
+                  <a:pt x="4331710" y="471515"/>
+                </a:lnTo>
+                <a:lnTo>
+                  <a:pt x="4558476" y="481323"/>
+                </a:lnTo>
+                <a:lnTo>
+                  <a:pt x="4790118" y="492183"/>
+                </a:lnTo>
+                <a:lnTo>
+                  <a:pt x="5025418" y="502342"/>
+                </a:lnTo>
+                <a:lnTo>
+                  <a:pt x="5261937" y="508998"/>
+                </a:lnTo>
+                <a:lnTo>
+                  <a:pt x="5503332" y="514953"/>
+                </a:lnTo>
+                <a:lnTo>
+                  <a:pt x="5747166" y="521259"/>
+                </a:lnTo>
+                <a:lnTo>
+                  <a:pt x="5995877" y="525462"/>
+                </a:lnTo>
+                <a:lnTo>
+                  <a:pt x="6247026" y="525462"/>
+                </a:lnTo>
+                <a:lnTo>
+                  <a:pt x="6500613" y="527564"/>
+                </a:lnTo>
+                <a:lnTo>
+                  <a:pt x="6756639" y="525462"/>
+                </a:lnTo>
+                <a:lnTo>
+                  <a:pt x="7016322" y="521259"/>
+                </a:lnTo>
+                <a:lnTo>
+                  <a:pt x="7276005" y="517405"/>
+                </a:lnTo>
+                <a:lnTo>
+                  <a:pt x="7539345" y="508998"/>
+                </a:lnTo>
+                <a:lnTo>
+                  <a:pt x="7805124" y="500240"/>
+                </a:lnTo>
+                <a:lnTo>
+                  <a:pt x="8070903" y="490081"/>
+                </a:lnTo>
+                <a:lnTo>
+                  <a:pt x="8339121" y="475719"/>
+                </a:lnTo>
+                <a:lnTo>
+                  <a:pt x="8609776" y="458553"/>
+                </a:lnTo>
+                <a:lnTo>
+                  <a:pt x="8881651" y="442089"/>
+                </a:lnTo>
+                <a:lnTo>
+                  <a:pt x="9153526" y="421070"/>
+                </a:lnTo>
+                <a:lnTo>
+                  <a:pt x="9429058" y="395848"/>
+                </a:lnTo>
+                <a:lnTo>
+                  <a:pt x="9700933" y="370626"/>
+                </a:lnTo>
+                <a:lnTo>
+                  <a:pt x="9977684" y="341550"/>
+                </a:lnTo>
+                <a:lnTo>
+                  <a:pt x="10255655" y="309672"/>
+                </a:lnTo>
+                <a:lnTo>
+                  <a:pt x="10529968" y="276043"/>
+                </a:lnTo>
+                <a:lnTo>
+                  <a:pt x="10807939" y="236808"/>
+                </a:lnTo>
+                <a:lnTo>
+                  <a:pt x="11084690" y="194771"/>
+                </a:lnTo>
+                <a:lnTo>
+                  <a:pt x="11362661" y="153085"/>
+                </a:lnTo>
+                <a:lnTo>
+                  <a:pt x="11639412" y="104392"/>
+                </a:lnTo>
+                <a:lnTo>
+                  <a:pt x="11914945" y="54648"/>
+                </a:lnTo>
+                <a:lnTo>
+                  <a:pt x="12191696" y="2452"/>
+                </a:lnTo>
+                <a:lnTo>
+                  <a:pt x="12191696" y="2236410"/>
+                </a:lnTo>
+                <a:lnTo>
+                  <a:pt x="12192000" y="2236410"/>
+                </a:lnTo>
+                <a:lnTo>
+                  <a:pt x="12192000" y="2802467"/>
+                </a:lnTo>
+                <a:lnTo>
+                  <a:pt x="12191696" y="2802467"/>
+                </a:lnTo>
+                <a:lnTo>
+                  <a:pt x="0" y="2802467"/>
+                </a:lnTo>
+                <a:lnTo>
+                  <a:pt x="0" y="2236410"/>
+                </a:lnTo>
+                <a:lnTo>
+                  <a:pt x="1" y="2236410"/>
+                </a:lnTo>
+                <a:close/>
+              </a:path>
+            </a:pathLst>
+          </a:custGeom>
+          <a:ln>
+            <a:noFill/>
+          </a:ln>
+        </p:spPr>
+        <p:style>
+          <a:lnRef idx="2">
+            <a:schemeClr val="accent1">
+              <a:shade val="50000"/>
+            </a:schemeClr>
+          </a:lnRef>
+          <a:fillRef idx="1003">
+            <a:schemeClr val="dk2"/>
+          </a:fillRef>
+          <a:effectRef idx="0">
+            <a:schemeClr val="accent1"/>
+          </a:effectRef>
+          <a:fontRef idx="minor">
+            <a:schemeClr val="lt1"/>
+          </a:fontRef>
+        </p:style>
+        <p:txBody>
+          <a:bodyPr rtlCol="0" anchor="ctr"/>
+          <a:lstStyle/>
+          <a:p>
+            <a:pPr algn="ctr"/>
+            <a:endParaRPr lang="en-US"/>
+          </a:p>
+        </p:txBody>
+      </p:sp>
+      <p:sp>
+        <p:nvSpPr>
+          <p:cNvPr id="2" name="Title 1">
+            <a:extLst>
+              <a:ext uri="{FF2B5EF4-FFF2-40B4-BE49-F238E27FC236}">
+                <a16:creationId xmlns:a16="http://schemas.microsoft.com/office/drawing/2014/main" id="{AF12E3FB-B45B-8259-D659-0572001C2762}"/>
+              </a:ext>
+            </a:extLst>
+          </p:cNvPr>
+          <p:cNvSpPr>
+            <a:spLocks noGrp="1"/>
+          </p:cNvSpPr>
+          <p:nvPr>
+            <p:ph type="title"/>
+          </p:nvPr>
+        </p:nvSpPr>
+        <p:spPr>
+          <a:xfrm>
+            <a:off x="965505" y="623571"/>
+            <a:ext cx="10260990" cy="3523885"/>
+          </a:xfrm>
+        </p:spPr>
+        <p:txBody>
+          <a:bodyPr vert="horz" lIns="91440" tIns="45720" rIns="91440" bIns="45720" rtlCol="0" anchor="b">
+            <a:normAutofit/>
+          </a:bodyPr>
+          <a:lstStyle/>
+          <a:p>
+            <a:pPr algn="ctr"/>
+            <a:r>
+              <a:rPr lang="en-US" sz="8000" dirty="0">
+                <a:solidFill>
+                  <a:srgbClr val="FFFFFF"/>
+                </a:solidFill>
+              </a:rPr>
+              <a:t>Let’s code:</a:t>
+            </a:r>
+            <a:br>
+              <a:rPr lang="en-US" sz="8000" dirty="0">
+                <a:solidFill>
+                  <a:srgbClr val="FFFFFF"/>
+                </a:solidFill>
+              </a:rPr>
+            </a:br>
+            <a:r>
+              <a:rPr lang="en-US" sz="6000" dirty="0">
+                <a:solidFill>
+                  <a:srgbClr val="FFFFFF"/>
+                </a:solidFill>
+              </a:rPr>
+              <a:t>Deadlocks</a:t>
+            </a:r>
+            <a:endParaRPr lang="en-US" sz="8000" b="0" i="0" kern="1200" dirty="0">
+              <a:solidFill>
+                <a:srgbClr val="FFFFFF"/>
+              </a:solidFill>
+              <a:latin typeface="+mj-lt"/>
+              <a:ea typeface="+mj-ea"/>
+              <a:cs typeface="+mj-cs"/>
+            </a:endParaRPr>
+          </a:p>
+        </p:txBody>
+      </p:sp>
+      <p:sp>
+        <p:nvSpPr>
+          <p:cNvPr id="4" name="TextBox 3">
+            <a:extLst>
+              <a:ext uri="{FF2B5EF4-FFF2-40B4-BE49-F238E27FC236}">
+                <a16:creationId xmlns:a16="http://schemas.microsoft.com/office/drawing/2014/main" id="{6F827780-5A5C-E3C7-7B6A-97BAA01C993A}"/>
+              </a:ext>
+            </a:extLst>
+          </p:cNvPr>
+          <p:cNvSpPr txBox="1"/>
+          <p:nvPr/>
+        </p:nvSpPr>
+        <p:spPr>
+          <a:xfrm>
+            <a:off x="337930" y="5257800"/>
+            <a:ext cx="2566728" cy="646331"/>
+          </a:xfrm>
+          <a:prstGeom prst="rect">
+            <a:avLst/>
+          </a:prstGeom>
+          <a:noFill/>
+        </p:spPr>
+        <p:txBody>
+          <a:bodyPr wrap="none" rtlCol="0">
+            <a:spAutoFit/>
+          </a:bodyPr>
+          <a:lstStyle/>
+          <a:p>
+            <a:pPr marL="285750" indent="-285750">
+              <a:buFont typeface="Arial" panose="020B0604020202020204" pitchFamily="34" charset="0"/>
+              <a:buChar char="•"/>
+            </a:pPr>
+            <a:r>
+              <a:rPr lang="en-US" dirty="0"/>
+              <a:t>A simple deadlock</a:t>
+            </a:r>
+          </a:p>
+          <a:p>
+            <a:pPr marL="285750" indent="-285750">
+              <a:buFont typeface="Arial" panose="020B0604020202020204" pitchFamily="34" charset="0"/>
+              <a:buChar char="•"/>
+            </a:pPr>
+            <a:r>
+              <a:rPr lang="en-US" dirty="0"/>
+              <a:t>Abandoned locks</a:t>
+            </a:r>
+            <a:endParaRPr lang="es-MX" dirty="0"/>
+          </a:p>
+        </p:txBody>
+      </p:sp>
+      <p:sp>
+        <p:nvSpPr>
+          <p:cNvPr id="5" name="Slide Number Placeholder 4">
+            <a:extLst>
+              <a:ext uri="{FF2B5EF4-FFF2-40B4-BE49-F238E27FC236}">
+                <a16:creationId xmlns:a16="http://schemas.microsoft.com/office/drawing/2014/main" id="{E03588FE-4A97-D83D-BE82-5E15AEAC0094}"/>
+              </a:ext>
+            </a:extLst>
+          </p:cNvPr>
+          <p:cNvSpPr>
+            <a:spLocks noGrp="1"/>
+          </p:cNvSpPr>
+          <p:nvPr>
+            <p:ph type="sldNum" sz="quarter" idx="12"/>
+          </p:nvPr>
+        </p:nvSpPr>
+        <p:spPr/>
+        <p:txBody>
+          <a:bodyPr/>
+          <a:lstStyle/>
+          <a:p>
+            <a:fld id="{EE9D4C02-0F5D-44F4-921E-E80D67F35749}" type="slidenum">
+              <a:rPr lang="es-MX" smtClean="0"/>
+              <a:t>19</a:t>
+            </a:fld>
+            <a:endParaRPr lang="es-MX"/>
+          </a:p>
+        </p:txBody>
+      </p:sp>
+    </p:spTree>
+    <p:extLst>
+      <p:ext uri="{BB962C8B-B14F-4D97-AF65-F5344CB8AC3E}">
+        <p14:creationId xmlns:p14="http://schemas.microsoft.com/office/powerpoint/2010/main" val="2325477054"/>
+      </p:ext>
+    </p:extLst>
+  </p:cSld>
+  <p:clrMapOvr>
+    <a:overrideClrMapping bg1="lt1" tx1="dk1" bg2="lt2" tx2="dk2" accent1="accent1" accent2="accent2" accent3="accent3" accent4="accent4" accent5="accent5" accent6="accent6" hlink="hlink" folHlink="folHlink"/>
+  </p:clrMapOvr>
+</p:sld>
+</file>
+
+<file path=ppt/slides/slide2.xml><?xml version="1.0" encoding="utf-8"?>
+<p:sld xmlns:a="http://schemas.openxmlformats.org/drawingml/2006/main" xmlns:r="http://schemas.openxmlformats.org/officeDocument/2006/relationships" xmlns:p="http://schemas.openxmlformats.org/presentationml/2006/main">
+  <p:cSld>
+    <p:spTree>
+      <p:nvGrpSpPr>
+        <p:cNvPr id="1" name=""/>
+        <p:cNvGrpSpPr/>
+        <p:nvPr/>
+      </p:nvGrpSpPr>
+      <p:grpSpPr>
+        <a:xfrm>
+          <a:off x="0" y="0"/>
+          <a:ext cx="0" cy="0"/>
+          <a:chOff x="0" y="0"/>
+          <a:chExt cx="0" cy="0"/>
+        </a:xfrm>
+      </p:grpSpPr>
+      <p:sp>
+        <p:nvSpPr>
+          <p:cNvPr id="2" name="Title 1">
+            <a:extLst>
+              <a:ext uri="{FF2B5EF4-FFF2-40B4-BE49-F238E27FC236}">
+                <a16:creationId xmlns:a16="http://schemas.microsoft.com/office/drawing/2014/main" id="{DA0DBBDD-FE12-FCAF-E6E6-AC780D482EDE}"/>
+              </a:ext>
+            </a:extLst>
+          </p:cNvPr>
+          <p:cNvSpPr>
+            <a:spLocks noGrp="1"/>
+          </p:cNvSpPr>
+          <p:nvPr>
+            <p:ph type="title"/>
+          </p:nvPr>
+        </p:nvSpPr>
+        <p:spPr/>
+        <p:txBody>
+          <a:bodyPr/>
+          <a:lstStyle/>
+          <a:p>
+            <a:r>
+              <a:rPr lang="en-US" dirty="0"/>
+              <a:t>Content</a:t>
+            </a:r>
+            <a:endParaRPr lang="es-MX" dirty="0"/>
+          </a:p>
+        </p:txBody>
+      </p:sp>
+      <p:sp>
+        <p:nvSpPr>
+          <p:cNvPr id="3" name="Content Placeholder 2">
+            <a:extLst>
+              <a:ext uri="{FF2B5EF4-FFF2-40B4-BE49-F238E27FC236}">
+                <a16:creationId xmlns:a16="http://schemas.microsoft.com/office/drawing/2014/main" id="{589B3D45-18A4-0106-DF13-146096999F21}"/>
+              </a:ext>
+            </a:extLst>
+          </p:cNvPr>
+          <p:cNvSpPr>
+            <a:spLocks noGrp="1"/>
+          </p:cNvSpPr>
+          <p:nvPr>
+            <p:ph idx="1"/>
+          </p:nvPr>
+        </p:nvSpPr>
+        <p:spPr/>
+        <p:txBody>
+          <a:bodyPr/>
+          <a:lstStyle/>
+          <a:p>
+            <a:r>
+              <a:rPr lang="en-US" dirty="0"/>
+              <a:t>Concepts. Threads and Processes</a:t>
+            </a:r>
+          </a:p>
+          <a:p>
+            <a:r>
+              <a:rPr lang="en-US" dirty="0"/>
+              <a:t>Threads Lifecycle</a:t>
+            </a:r>
+          </a:p>
+          <a:p>
+            <a:r>
+              <a:rPr lang="en-US" dirty="0"/>
+              <a:t>Mutual Exclusion</a:t>
+            </a:r>
+          </a:p>
+          <a:p>
+            <a:r>
+              <a:rPr lang="en-US" dirty="0"/>
+              <a:t>Locks</a:t>
+            </a:r>
+          </a:p>
+          <a:p>
+            <a:r>
+              <a:rPr lang="en-US" dirty="0"/>
+              <a:t>Liveness</a:t>
+            </a:r>
+            <a:endParaRPr lang="es-MX" dirty="0"/>
+          </a:p>
+        </p:txBody>
+      </p:sp>
+      <p:sp>
+        <p:nvSpPr>
+          <p:cNvPr id="4" name="Slide Number Placeholder 3">
+            <a:extLst>
+              <a:ext uri="{FF2B5EF4-FFF2-40B4-BE49-F238E27FC236}">
+                <a16:creationId xmlns:a16="http://schemas.microsoft.com/office/drawing/2014/main" id="{9CA2D6CD-5630-D211-5A59-9EAE5B7B1A74}"/>
+              </a:ext>
+            </a:extLst>
+          </p:cNvPr>
+          <p:cNvSpPr>
+            <a:spLocks noGrp="1"/>
+          </p:cNvSpPr>
+          <p:nvPr>
+            <p:ph type="sldNum" sz="quarter" idx="12"/>
+          </p:nvPr>
+        </p:nvSpPr>
+        <p:spPr/>
+        <p:txBody>
+          <a:bodyPr/>
+          <a:lstStyle/>
+          <a:p>
+            <a:fld id="{EE9D4C02-0F5D-44F4-921E-E80D67F35749}" type="slidenum">
+              <a:rPr lang="es-MX" smtClean="0"/>
+              <a:t>2</a:t>
+            </a:fld>
+            <a:endParaRPr lang="es-MX"/>
+          </a:p>
+        </p:txBody>
+      </p:sp>
+    </p:spTree>
+    <p:extLst>
+      <p:ext uri="{BB962C8B-B14F-4D97-AF65-F5344CB8AC3E}">
+        <p14:creationId xmlns:p14="http://schemas.microsoft.com/office/powerpoint/2010/main" val="47880000"/>
+      </p:ext>
+    </p:extLst>
+  </p:cSld>
+  <p:clrMapOvr>
+    <a:masterClrMapping/>
+  </p:clrMapOvr>
+</p:sld>
+</file>
+
+<file path=ppt/slides/slide20.xml><?xml version="1.0" encoding="utf-8"?>
+<p:sld xmlns:a="http://schemas.openxmlformats.org/drawingml/2006/main" xmlns:r="http://schemas.openxmlformats.org/officeDocument/2006/relationships" xmlns:p="http://schemas.openxmlformats.org/presentationml/2006/main" show="0">
+  <p:cSld>
+    <p:spTree>
+      <p:nvGrpSpPr>
+        <p:cNvPr id="1" name=""/>
+        <p:cNvGrpSpPr/>
+        <p:nvPr/>
+      </p:nvGrpSpPr>
+      <p:grpSpPr>
+        <a:xfrm>
+          <a:off x="0" y="0"/>
+          <a:ext cx="0" cy="0"/>
+          <a:chOff x="0" y="0"/>
+          <a:chExt cx="0" cy="0"/>
+        </a:xfrm>
+      </p:grpSpPr>
+      <p:sp>
+        <p:nvSpPr>
+          <p:cNvPr id="2" name="Title 1">
+            <a:extLst>
+              <a:ext uri="{FF2B5EF4-FFF2-40B4-BE49-F238E27FC236}">
+                <a16:creationId xmlns:a16="http://schemas.microsoft.com/office/drawing/2014/main" id="{C3279467-629B-D167-3017-B9385280BF6E}"/>
+              </a:ext>
+            </a:extLst>
+          </p:cNvPr>
+          <p:cNvSpPr>
+            <a:spLocks noGrp="1"/>
+          </p:cNvSpPr>
+          <p:nvPr>
+            <p:ph type="title"/>
+          </p:nvPr>
+        </p:nvSpPr>
+        <p:spPr/>
+        <p:txBody>
+          <a:bodyPr/>
+          <a:lstStyle/>
+          <a:p>
+            <a:r>
+              <a:rPr lang="en-US" dirty="0"/>
+              <a:t>Safety and Liveness properties</a:t>
+            </a:r>
+            <a:endParaRPr lang="es-MX" dirty="0"/>
+          </a:p>
+        </p:txBody>
+      </p:sp>
+      <p:sp>
+        <p:nvSpPr>
+          <p:cNvPr id="3" name="Content Placeholder 2">
+            <a:extLst>
+              <a:ext uri="{FF2B5EF4-FFF2-40B4-BE49-F238E27FC236}">
+                <a16:creationId xmlns:a16="http://schemas.microsoft.com/office/drawing/2014/main" id="{2E272AEF-16F9-D1B6-E37E-94604859780C}"/>
+              </a:ext>
+            </a:extLst>
+          </p:cNvPr>
+          <p:cNvSpPr>
+            <a:spLocks noGrp="1"/>
+          </p:cNvSpPr>
+          <p:nvPr>
+            <p:ph idx="1"/>
+          </p:nvPr>
+        </p:nvSpPr>
+        <p:spPr/>
+        <p:txBody>
+          <a:bodyPr>
+            <a:normAutofit fontScale="62500" lnSpcReduction="20000"/>
+          </a:bodyPr>
+          <a:lstStyle/>
+          <a:p>
+            <a:r>
+              <a:rPr lang="en-US" dirty="0"/>
+              <a:t>Property: </a:t>
+            </a:r>
+          </a:p>
+          <a:p>
+            <a:r>
+              <a:rPr lang="en-US" dirty="0"/>
+              <a:t>Safety property. stipulates that some 'bad thing' does not happen during execution</a:t>
+            </a:r>
+          </a:p>
+          <a:p>
+            <a:pPr lvl="1"/>
+            <a:r>
+              <a:rPr lang="en-US" dirty="0"/>
+              <a:t>Mutual Exclusion</a:t>
+            </a:r>
+          </a:p>
+          <a:p>
+            <a:pPr lvl="1"/>
+            <a:r>
+              <a:rPr lang="en-US" dirty="0"/>
+              <a:t>Deadlock freedom</a:t>
+            </a:r>
+          </a:p>
+          <a:p>
+            <a:pPr lvl="1"/>
+            <a:r>
+              <a:rPr lang="en-US" dirty="0"/>
+              <a:t>Partial correctness</a:t>
+            </a:r>
+          </a:p>
+          <a:p>
+            <a:pPr lvl="1"/>
+            <a:r>
+              <a:rPr lang="en-US" dirty="0"/>
+              <a:t>First-come-first-serve</a:t>
+            </a:r>
+          </a:p>
+          <a:p>
+            <a:pPr marL="457200" lvl="1" indent="0">
+              <a:buNone/>
+            </a:pPr>
+            <a:r>
+              <a:rPr lang="en-US" dirty="0"/>
+              <a:t>In mutual exclusion, the proscribed 'bad thing' is two processes executing in critical sections at the same time. In deadlock freedom it is deadlock. In partial correctness, it is terminating in a state not satisfying the postcondition after having been started in a state that satisfies the precondition. Finally, in first-come-first-serve, which states that requests are serviced in the order they are made, the 'bad thing' is servicing a request that was made after one not yet serviced.</a:t>
+            </a:r>
+          </a:p>
+          <a:p>
+            <a:r>
+              <a:rPr lang="en-US" dirty="0"/>
+              <a:t>Liveness property. stipulates that a 'good thing' happens during execution.</a:t>
+            </a:r>
+          </a:p>
+          <a:p>
+            <a:pPr lvl="1"/>
+            <a:r>
+              <a:rPr lang="en-US" dirty="0"/>
+              <a:t>Starvation freedom</a:t>
+            </a:r>
+          </a:p>
+          <a:p>
+            <a:pPr lvl="1"/>
+            <a:r>
+              <a:rPr lang="en-US" dirty="0"/>
+              <a:t>Termination</a:t>
+            </a:r>
+          </a:p>
+          <a:p>
+            <a:pPr lvl="1"/>
+            <a:r>
+              <a:rPr lang="en-US" dirty="0"/>
+              <a:t>Guaranteed service</a:t>
+            </a:r>
+          </a:p>
+          <a:p>
+            <a:pPr marL="457200" lvl="1" indent="0">
+              <a:buNone/>
+            </a:pPr>
+            <a:r>
+              <a:rPr lang="en-US" dirty="0"/>
+              <a:t>In starvation freedom, which states that a process makes progress infinitely often, the 'good thing' is making progress. In termination, which asserts that a program does not run forever, the 'good thing' is completion of the final instruction. Finally, in guaranteed service, 2 which states that every request for service is satisfied eventually, the 'good thing' is receiving service.</a:t>
+            </a:r>
+          </a:p>
+          <a:p>
+            <a:pPr lvl="1"/>
+            <a:endParaRPr lang="es-MX" dirty="0"/>
+          </a:p>
+        </p:txBody>
+      </p:sp>
+      <p:sp>
+        <p:nvSpPr>
+          <p:cNvPr id="4" name="Slide Number Placeholder 3">
+            <a:extLst>
+              <a:ext uri="{FF2B5EF4-FFF2-40B4-BE49-F238E27FC236}">
+                <a16:creationId xmlns:a16="http://schemas.microsoft.com/office/drawing/2014/main" id="{83474438-33F0-54F0-39C7-EA8092CCC4A8}"/>
+              </a:ext>
+            </a:extLst>
+          </p:cNvPr>
+          <p:cNvSpPr>
+            <a:spLocks noGrp="1"/>
+          </p:cNvSpPr>
+          <p:nvPr>
+            <p:ph type="sldNum" sz="quarter" idx="12"/>
+          </p:nvPr>
+        </p:nvSpPr>
+        <p:spPr/>
+        <p:txBody>
+          <a:bodyPr/>
+          <a:lstStyle/>
+          <a:p>
+            <a:fld id="{EE9D4C02-0F5D-44F4-921E-E80D67F35749}" type="slidenum">
+              <a:rPr lang="es-MX" smtClean="0"/>
+              <a:t>20</a:t>
+            </a:fld>
+            <a:endParaRPr lang="es-MX"/>
+          </a:p>
+        </p:txBody>
+      </p:sp>
+      <p:sp>
+        <p:nvSpPr>
+          <p:cNvPr id="5" name="TextBox 4">
+            <a:extLst>
+              <a:ext uri="{FF2B5EF4-FFF2-40B4-BE49-F238E27FC236}">
+                <a16:creationId xmlns:a16="http://schemas.microsoft.com/office/drawing/2014/main" id="{AAC96B08-2CC6-693A-7051-F2E95663CA1F}"/>
+              </a:ext>
+            </a:extLst>
+          </p:cNvPr>
+          <p:cNvSpPr txBox="1"/>
+          <p:nvPr/>
+        </p:nvSpPr>
+        <p:spPr>
+          <a:xfrm>
+            <a:off x="0" y="6592901"/>
+            <a:ext cx="2807179" cy="200055"/>
+          </a:xfrm>
+          <a:prstGeom prst="rect">
+            <a:avLst/>
+          </a:prstGeom>
+          <a:noFill/>
+        </p:spPr>
+        <p:txBody>
+          <a:bodyPr wrap="none" rtlCol="0">
+            <a:spAutoFit/>
+          </a:bodyPr>
+          <a:lstStyle/>
+          <a:p>
+            <a:r>
+              <a:rPr lang="es-MX" sz="700" dirty="0"/>
+              <a:t>https://www.cs.cornell.edu/fbs/publications/DefLiveness.pdf</a:t>
+            </a:r>
+          </a:p>
+        </p:txBody>
+      </p:sp>
+    </p:spTree>
+    <p:extLst>
+      <p:ext uri="{BB962C8B-B14F-4D97-AF65-F5344CB8AC3E}">
+        <p14:creationId xmlns:p14="http://schemas.microsoft.com/office/powerpoint/2010/main" val="1439881767"/>
+      </p:ext>
+    </p:extLst>
+  </p:cSld>
+  <p:clrMapOvr>
+    <a:masterClrMapping/>
+  </p:clrMapOvr>
+</p:sld>
+</file>
+
+<file path=ppt/slides/slide21.xml><?xml version="1.0" encoding="utf-8"?>
 <p:sld xmlns:a="http://schemas.openxmlformats.org/drawingml/2006/main" xmlns:r="http://schemas.openxmlformats.org/officeDocument/2006/relationships" xmlns:p="http://schemas.openxmlformats.org/presentationml/2006/main">
   <p:cSld>
     <p:bg>
@@ -17415,7 +22891,7 @@
           <a:p>
             <a:fld id="{EE9D4C02-0F5D-44F4-921E-E80D67F35749}" type="slidenum">
               <a:rPr lang="es-MX" smtClean="0"/>
-              <a:t>18</a:t>
+              <a:t>21</a:t>
             </a:fld>
             <a:endParaRPr lang="es-MX"/>
           </a:p>
@@ -17430,147 +22906,6 @@
   </p:cSld>
   <p:clrMapOvr>
     <a:overrideClrMapping bg1="lt1" tx1="dk1" bg2="lt2" tx2="dk2" accent1="accent1" accent2="accent2" accent3="accent3" accent4="accent4" accent5="accent5" accent6="accent6" hlink="hlink" folHlink="folHlink"/>
-  </p:clrMapOvr>
-</p:sld>
-</file>
-
-<file path=ppt/slides/slide2.xml><?xml version="1.0" encoding="utf-8"?>
-<p:sld xmlns:a="http://schemas.openxmlformats.org/drawingml/2006/main" xmlns:r="http://schemas.openxmlformats.org/officeDocument/2006/relationships" xmlns:p="http://schemas.openxmlformats.org/presentationml/2006/main">
-  <p:cSld>
-    <p:spTree>
-      <p:nvGrpSpPr>
-        <p:cNvPr id="1" name=""/>
-        <p:cNvGrpSpPr/>
-        <p:nvPr/>
-      </p:nvGrpSpPr>
-      <p:grpSpPr>
-        <a:xfrm>
-          <a:off x="0" y="0"/>
-          <a:ext cx="0" cy="0"/>
-          <a:chOff x="0" y="0"/>
-          <a:chExt cx="0" cy="0"/>
-        </a:xfrm>
-      </p:grpSpPr>
-      <p:sp>
-        <p:nvSpPr>
-          <p:cNvPr id="2" name="Title 1">
-            <a:extLst>
-              <a:ext uri="{FF2B5EF4-FFF2-40B4-BE49-F238E27FC236}">
-                <a16:creationId xmlns:a16="http://schemas.microsoft.com/office/drawing/2014/main" id="{DA0DBBDD-FE12-FCAF-E6E6-AC780D482EDE}"/>
-              </a:ext>
-            </a:extLst>
-          </p:cNvPr>
-          <p:cNvSpPr>
-            <a:spLocks noGrp="1"/>
-          </p:cNvSpPr>
-          <p:nvPr>
-            <p:ph type="title"/>
-          </p:nvPr>
-        </p:nvSpPr>
-        <p:spPr/>
-        <p:txBody>
-          <a:bodyPr/>
-          <a:lstStyle/>
-          <a:p>
-            <a:r>
-              <a:rPr lang="en-US" dirty="0"/>
-              <a:t>Content</a:t>
-            </a:r>
-            <a:endParaRPr lang="es-MX" dirty="0"/>
-          </a:p>
-        </p:txBody>
-      </p:sp>
-      <p:sp>
-        <p:nvSpPr>
-          <p:cNvPr id="3" name="Content Placeholder 2">
-            <a:extLst>
-              <a:ext uri="{FF2B5EF4-FFF2-40B4-BE49-F238E27FC236}">
-                <a16:creationId xmlns:a16="http://schemas.microsoft.com/office/drawing/2014/main" id="{589B3D45-18A4-0106-DF13-146096999F21}"/>
-              </a:ext>
-            </a:extLst>
-          </p:cNvPr>
-          <p:cNvSpPr>
-            <a:spLocks noGrp="1"/>
-          </p:cNvSpPr>
-          <p:nvPr>
-            <p:ph idx="1"/>
-          </p:nvPr>
-        </p:nvSpPr>
-        <p:spPr/>
-        <p:txBody>
-          <a:bodyPr/>
-          <a:lstStyle/>
-          <a:p>
-            <a:r>
-              <a:rPr lang="en-US" dirty="0"/>
-              <a:t>Concepts. Threads and Processes</a:t>
-            </a:r>
-          </a:p>
-          <a:p>
-            <a:r>
-              <a:rPr lang="en-US" dirty="0"/>
-              <a:t>Threads Lifecycle</a:t>
-            </a:r>
-          </a:p>
-          <a:p>
-            <a:r>
-              <a:rPr lang="en-US" dirty="0"/>
-              <a:t>Mutual Exclusion</a:t>
-            </a:r>
-          </a:p>
-          <a:p>
-            <a:r>
-              <a:rPr lang="en-US" dirty="0"/>
-              <a:t>Locks</a:t>
-            </a:r>
-          </a:p>
-          <a:p>
-            <a:r>
-              <a:rPr lang="en-US" dirty="0"/>
-              <a:t>Liveness</a:t>
-            </a:r>
-            <a:endParaRPr lang="es-MX" dirty="0"/>
-          </a:p>
-        </p:txBody>
-      </p:sp>
-      <p:sp>
-        <p:nvSpPr>
-          <p:cNvPr id="4" name="Slide Number Placeholder 3">
-            <a:extLst>
-              <a:ext uri="{FF2B5EF4-FFF2-40B4-BE49-F238E27FC236}">
-                <a16:creationId xmlns:a16="http://schemas.microsoft.com/office/drawing/2014/main" id="{9CA2D6CD-5630-D211-5A59-9EAE5B7B1A74}"/>
-              </a:ext>
-            </a:extLst>
-          </p:cNvPr>
-          <p:cNvSpPr>
-            <a:spLocks noGrp="1"/>
-          </p:cNvSpPr>
-          <p:nvPr>
-            <p:ph type="sldNum" sz="quarter" idx="12"/>
-          </p:nvPr>
-        </p:nvSpPr>
-        <p:spPr/>
-        <p:txBody>
-          <a:bodyPr/>
-          <a:lstStyle/>
-          <a:p>
-            <a:fld id="{EE9D4C02-0F5D-44F4-921E-E80D67F35749}" type="slidenum">
-              <a:rPr lang="es-MX" smtClean="0"/>
-              <a:t>2</a:t>
-            </a:fld>
-            <a:endParaRPr lang="es-MX"/>
-          </a:p>
-        </p:txBody>
-      </p:sp>
-    </p:spTree>
-    <p:extLst>
-      <p:ext uri="{BB962C8B-B14F-4D97-AF65-F5344CB8AC3E}">
-        <p14:creationId xmlns:p14="http://schemas.microsoft.com/office/powerpoint/2010/main" val="47880000"/>
-      </p:ext>
-    </p:extLst>
-  </p:cSld>
-  <p:clrMapOvr>
-    <a:masterClrMapping/>
   </p:clrMapOvr>
 </p:sld>
 </file>
